--- a/Image Haze Removal Using Dark Channel Prior.pptx
+++ b/Image Haze Removal Using Dark Channel Prior.pptx
@@ -5,10 +5,10 @@
     <p:sldMasterId id="2147483649" r:id="rId1"/>
   </p:sldMasterIdLst>
   <p:notesMasterIdLst>
-    <p:notesMasterId r:id="rId28"/>
+    <p:notesMasterId r:id="rId27"/>
   </p:notesMasterIdLst>
   <p:handoutMasterIdLst>
-    <p:handoutMasterId r:id="rId29"/>
+    <p:handoutMasterId r:id="rId28"/>
   </p:handoutMasterIdLst>
   <p:sldIdLst>
     <p:sldId id="256" r:id="rId2"/>
@@ -32,11 +32,10 @@
     <p:sldId id="417" r:id="rId20"/>
     <p:sldId id="418" r:id="rId21"/>
     <p:sldId id="423" r:id="rId22"/>
-    <p:sldId id="424" r:id="rId23"/>
-    <p:sldId id="425" r:id="rId24"/>
-    <p:sldId id="427" r:id="rId25"/>
-    <p:sldId id="426" r:id="rId26"/>
-    <p:sldId id="416" r:id="rId27"/>
+    <p:sldId id="428" r:id="rId23"/>
+    <p:sldId id="427" r:id="rId24"/>
+    <p:sldId id="426" r:id="rId25"/>
+    <p:sldId id="416" r:id="rId26"/>
   </p:sldIdLst>
   <p:sldSz cx="9144000" cy="6858000" type="screen4x3"/>
   <p:notesSz cx="6858000" cy="9144000"/>
@@ -185,7 +184,7 @@
 </file>
 
 <file path=ppt/charts/chart1.xml><?xml version="1.0" encoding="utf-8"?>
-<c:chartSpace xmlns:c="http://schemas.openxmlformats.org/drawingml/2006/chart" xmlns:a="http://schemas.openxmlformats.org/drawingml/2006/main" xmlns:r="http://schemas.openxmlformats.org/officeDocument/2006/relationships" xmlns:c16r2="http://schemas.microsoft.com/office/drawing/2015/06/chart">
+<c:chartSpace xmlns:c="http://schemas.openxmlformats.org/drawingml/2006/chart" xmlns:a="http://schemas.openxmlformats.org/drawingml/2006/main" xmlns:r="http://schemas.openxmlformats.org/officeDocument/2006/relationships">
   <c:date1904 val="0"/>
   <c:lang val="zh-CN"/>
   <c:roundedCorners val="0"/>
@@ -229,6 +228,7 @@
           </a:p>
         </c:rich>
       </c:tx>
+      <c:layout/>
       <c:overlay val="0"/>
       <c:spPr>
         <a:noFill/>
@@ -328,8 +328,9 @@
             <c:showPercent val="0"/>
             <c:showBubbleSize val="0"/>
             <c:showLeaderLines val="0"/>
-            <c:extLst>
+            <c:extLst xmlns:c16r2="http://schemas.microsoft.com/office/drawing/2015/06/chart">
               <c:ext xmlns:c15="http://schemas.microsoft.com/office/drawing/2012/chart" uri="{CE6537A1-D6FC-4f65-9D91-7224C49458BB}">
+                <c15:layout/>
                 <c15:showLeaderLines val="1"/>
                 <c15:leaderLines>
                   <c:spPr>
@@ -390,7 +391,7 @@
               </c:numCache>
             </c:numRef>
           </c:val>
-          <c:extLst>
+          <c:extLst xmlns:c16r2="http://schemas.microsoft.com/office/drawing/2015/06/chart">
             <c:ext xmlns:c16="http://schemas.microsoft.com/office/drawing/2014/chart" uri="{C3380CC4-5D6E-409C-BE32-E72D297353CC}">
               <c16:uniqueId val="{00000000-A1EB-4766-9FB8-8FD716F70491}"/>
             </c:ext>
@@ -459,8 +460,9 @@
             <c:showPercent val="0"/>
             <c:showBubbleSize val="0"/>
             <c:showLeaderLines val="0"/>
-            <c:extLst>
+            <c:extLst xmlns:c16r2="http://schemas.microsoft.com/office/drawing/2015/06/chart">
               <c:ext xmlns:c15="http://schemas.microsoft.com/office/drawing/2012/chart" uri="{CE6537A1-D6FC-4f65-9D91-7224C49458BB}">
+                <c15:layout/>
                 <c15:showLeaderLines val="1"/>
                 <c15:leaderLines>
                   <c:spPr>
@@ -521,7 +523,7 @@
               </c:numCache>
             </c:numRef>
           </c:val>
-          <c:extLst>
+          <c:extLst xmlns:c16r2="http://schemas.microsoft.com/office/drawing/2015/06/chart">
             <c:ext xmlns:c16="http://schemas.microsoft.com/office/drawing/2014/chart" uri="{C3380CC4-5D6E-409C-BE32-E72D297353CC}">
               <c16:uniqueId val="{00000001-A1EB-4766-9FB8-8FD716F70491}"/>
             </c:ext>
@@ -590,8 +592,9 @@
             <c:showPercent val="0"/>
             <c:showBubbleSize val="0"/>
             <c:showLeaderLines val="0"/>
-            <c:extLst>
+            <c:extLst xmlns:c16r2="http://schemas.microsoft.com/office/drawing/2015/06/chart">
               <c:ext xmlns:c15="http://schemas.microsoft.com/office/drawing/2012/chart" uri="{CE6537A1-D6FC-4f65-9D91-7224C49458BB}">
+                <c15:layout/>
                 <c15:showLeaderLines val="1"/>
                 <c15:leaderLines>
                   <c:spPr>
@@ -652,7 +655,7 @@
               </c:numCache>
             </c:numRef>
           </c:val>
-          <c:extLst>
+          <c:extLst xmlns:c16r2="http://schemas.microsoft.com/office/drawing/2015/06/chart">
             <c:ext xmlns:c16="http://schemas.microsoft.com/office/drawing/2014/chart" uri="{C3380CC4-5D6E-409C-BE32-E72D297353CC}">
               <c16:uniqueId val="{00000002-A1EB-4766-9FB8-8FD716F70491}"/>
             </c:ext>
@@ -721,8 +724,9 @@
             <c:showPercent val="0"/>
             <c:showBubbleSize val="0"/>
             <c:showLeaderLines val="0"/>
-            <c:extLst>
+            <c:extLst xmlns:c16r2="http://schemas.microsoft.com/office/drawing/2015/06/chart">
               <c:ext xmlns:c15="http://schemas.microsoft.com/office/drawing/2012/chart" uri="{CE6537A1-D6FC-4f65-9D91-7224C49458BB}">
+                <c15:layout/>
                 <c15:showLeaderLines val="1"/>
                 <c15:leaderLines>
                   <c:spPr>
@@ -783,7 +787,7 @@
               </c:numCache>
             </c:numRef>
           </c:val>
-          <c:extLst>
+          <c:extLst xmlns:c16r2="http://schemas.microsoft.com/office/drawing/2015/06/chart">
             <c:ext xmlns:c16="http://schemas.microsoft.com/office/drawing/2014/chart" uri="{C3380CC4-5D6E-409C-BE32-E72D297353CC}">
               <c16:uniqueId val="{00000003-A1EB-4766-9FB8-8FD716F70491}"/>
             </c:ext>
@@ -798,11 +802,11 @@
           <c:showBubbleSize val="0"/>
         </c:dLbls>
         <c:gapWidth val="75"/>
-        <c:axId val="398889088"/>
-        <c:axId val="398240432"/>
+        <c:axId val="335907464"/>
+        <c:axId val="336727320"/>
       </c:barChart>
       <c:catAx>
-        <c:axId val="398889088"/>
+        <c:axId val="335907464"/>
         <c:scaling>
           <c:orientation val="minMax"/>
         </c:scaling>
@@ -839,6 +843,7 @@
               </a:p>
             </c:rich>
           </c:tx>
+          <c:layout/>
           <c:overlay val="0"/>
           <c:spPr>
             <a:noFill/>
@@ -905,7 +910,7 @@
             <a:endParaRPr lang="zh-CN"/>
           </a:p>
         </c:txPr>
-        <c:crossAx val="398240432"/>
+        <c:crossAx val="336727320"/>
         <c:crosses val="autoZero"/>
         <c:auto val="1"/>
         <c:lblAlgn val="ctr"/>
@@ -913,7 +918,7 @@
         <c:noMultiLvlLbl val="0"/>
       </c:catAx>
       <c:valAx>
-        <c:axId val="398240432"/>
+        <c:axId val="336727320"/>
         <c:scaling>
           <c:orientation val="minMax"/>
         </c:scaling>
@@ -964,6 +969,7 @@
               </a:p>
             </c:rich>
           </c:tx>
+          <c:layout/>
           <c:overlay val="0"/>
           <c:spPr>
             <a:noFill/>
@@ -1024,7 +1030,7 @@
             <a:endParaRPr lang="zh-CN"/>
           </a:p>
         </c:txPr>
-        <c:crossAx val="398889088"/>
+        <c:crossAx val="335907464"/>
         <c:crosses val="autoZero"/>
         <c:crossBetween val="between"/>
       </c:valAx>
@@ -1038,6 +1044,7 @@
     </c:plotArea>
     <c:legend>
       <c:legendPos val="b"/>
+      <c:layout/>
       <c:overlay val="0"/>
       <c:spPr>
         <a:noFill/>
@@ -1095,7 +1102,7 @@
 </file>
 
 <file path=ppt/charts/chart2.xml><?xml version="1.0" encoding="utf-8"?>
-<c:chartSpace xmlns:c="http://schemas.openxmlformats.org/drawingml/2006/chart" xmlns:a="http://schemas.openxmlformats.org/drawingml/2006/main" xmlns:r="http://schemas.openxmlformats.org/officeDocument/2006/relationships" xmlns:c16r2="http://schemas.microsoft.com/office/drawing/2015/06/chart">
+<c:chartSpace xmlns:c="http://schemas.openxmlformats.org/drawingml/2006/chart" xmlns:a="http://schemas.openxmlformats.org/drawingml/2006/main" xmlns:r="http://schemas.openxmlformats.org/officeDocument/2006/relationships">
   <c:date1904 val="0"/>
   <c:lang val="zh-CN"/>
   <c:roundedCorners val="0"/>
@@ -1135,6 +1142,7 @@
           </a:p>
         </c:rich>
       </c:tx>
+      <c:layout/>
       <c:overlay val="0"/>
       <c:spPr>
         <a:noFill/>
@@ -1234,8 +1242,9 @@
             <c:showPercent val="0"/>
             <c:showBubbleSize val="0"/>
             <c:showLeaderLines val="0"/>
-            <c:extLst>
+            <c:extLst xmlns:c16r2="http://schemas.microsoft.com/office/drawing/2015/06/chart">
               <c:ext xmlns:c15="http://schemas.microsoft.com/office/drawing/2012/chart" uri="{CE6537A1-D6FC-4f65-9D91-7224C49458BB}">
+                <c15:layout/>
                 <c15:showLeaderLines val="1"/>
                 <c15:leaderLines>
                   <c:spPr>
@@ -1296,7 +1305,7 @@
               </c:numCache>
             </c:numRef>
           </c:val>
-          <c:extLst>
+          <c:extLst xmlns:c16r2="http://schemas.microsoft.com/office/drawing/2015/06/chart">
             <c:ext xmlns:c16="http://schemas.microsoft.com/office/drawing/2014/chart" uri="{C3380CC4-5D6E-409C-BE32-E72D297353CC}">
               <c16:uniqueId val="{00000000-6029-4E14-9D64-00F1826A5A4F}"/>
             </c:ext>
@@ -1365,8 +1374,9 @@
             <c:showPercent val="0"/>
             <c:showBubbleSize val="0"/>
             <c:showLeaderLines val="0"/>
-            <c:extLst>
+            <c:extLst xmlns:c16r2="http://schemas.microsoft.com/office/drawing/2015/06/chart">
               <c:ext xmlns:c15="http://schemas.microsoft.com/office/drawing/2012/chart" uri="{CE6537A1-D6FC-4f65-9D91-7224C49458BB}">
+                <c15:layout/>
                 <c15:showLeaderLines val="1"/>
                 <c15:leaderLines>
                   <c:spPr>
@@ -1427,7 +1437,7 @@
               </c:numCache>
             </c:numRef>
           </c:val>
-          <c:extLst>
+          <c:extLst xmlns:c16r2="http://schemas.microsoft.com/office/drawing/2015/06/chart">
             <c:ext xmlns:c16="http://schemas.microsoft.com/office/drawing/2014/chart" uri="{C3380CC4-5D6E-409C-BE32-E72D297353CC}">
               <c16:uniqueId val="{00000001-6029-4E14-9D64-00F1826A5A4F}"/>
             </c:ext>
@@ -1496,8 +1506,9 @@
             <c:showPercent val="0"/>
             <c:showBubbleSize val="0"/>
             <c:showLeaderLines val="0"/>
-            <c:extLst>
+            <c:extLst xmlns:c16r2="http://schemas.microsoft.com/office/drawing/2015/06/chart">
               <c:ext xmlns:c15="http://schemas.microsoft.com/office/drawing/2012/chart" uri="{CE6537A1-D6FC-4f65-9D91-7224C49458BB}">
+                <c15:layout/>
                 <c15:showLeaderLines val="1"/>
                 <c15:leaderLines>
                   <c:spPr>
@@ -1558,7 +1569,7 @@
               </c:numCache>
             </c:numRef>
           </c:val>
-          <c:extLst>
+          <c:extLst xmlns:c16r2="http://schemas.microsoft.com/office/drawing/2015/06/chart">
             <c:ext xmlns:c16="http://schemas.microsoft.com/office/drawing/2014/chart" uri="{C3380CC4-5D6E-409C-BE32-E72D297353CC}">
               <c16:uniqueId val="{00000002-6029-4E14-9D64-00F1826A5A4F}"/>
             </c:ext>
@@ -1627,8 +1638,9 @@
             <c:showPercent val="0"/>
             <c:showBubbleSize val="0"/>
             <c:showLeaderLines val="0"/>
-            <c:extLst>
+            <c:extLst xmlns:c16r2="http://schemas.microsoft.com/office/drawing/2015/06/chart">
               <c:ext xmlns:c15="http://schemas.microsoft.com/office/drawing/2012/chart" uri="{CE6537A1-D6FC-4f65-9D91-7224C49458BB}">
+                <c15:layout/>
                 <c15:showLeaderLines val="1"/>
                 <c15:leaderLines>
                   <c:spPr>
@@ -1689,7 +1701,7 @@
               </c:numCache>
             </c:numRef>
           </c:val>
-          <c:extLst>
+          <c:extLst xmlns:c16r2="http://schemas.microsoft.com/office/drawing/2015/06/chart">
             <c:ext xmlns:c16="http://schemas.microsoft.com/office/drawing/2014/chart" uri="{C3380CC4-5D6E-409C-BE32-E72D297353CC}">
               <c16:uniqueId val="{00000003-6029-4E14-9D64-00F1826A5A4F}"/>
             </c:ext>
@@ -1704,11 +1716,11 @@
           <c:showBubbleSize val="0"/>
         </c:dLbls>
         <c:gapWidth val="75"/>
-        <c:axId val="348629280"/>
-        <c:axId val="336813152"/>
+        <c:axId val="335268320"/>
+        <c:axId val="335270280"/>
       </c:barChart>
       <c:catAx>
-        <c:axId val="348629280"/>
+        <c:axId val="335268320"/>
         <c:scaling>
           <c:orientation val="minMax"/>
         </c:scaling>
@@ -1741,6 +1753,7 @@
               </a:p>
             </c:rich>
           </c:tx>
+          <c:layout/>
           <c:overlay val="0"/>
           <c:spPr>
             <a:noFill/>
@@ -1807,7 +1820,7 @@
             <a:endParaRPr lang="zh-CN"/>
           </a:p>
         </c:txPr>
-        <c:crossAx val="336813152"/>
+        <c:crossAx val="335270280"/>
         <c:crosses val="autoZero"/>
         <c:auto val="1"/>
         <c:lblAlgn val="ctr"/>
@@ -1815,7 +1828,7 @@
         <c:noMultiLvlLbl val="0"/>
       </c:catAx>
       <c:valAx>
-        <c:axId val="336813152"/>
+        <c:axId val="335270280"/>
         <c:scaling>
           <c:orientation val="minMax"/>
         </c:scaling>
@@ -1866,6 +1879,7 @@
               </a:p>
             </c:rich>
           </c:tx>
+          <c:layout/>
           <c:overlay val="0"/>
           <c:spPr>
             <a:noFill/>
@@ -1926,7 +1940,7 @@
             <a:endParaRPr lang="zh-CN"/>
           </a:p>
         </c:txPr>
-        <c:crossAx val="348629280"/>
+        <c:crossAx val="335268320"/>
         <c:crosses val="autoZero"/>
         <c:crossBetween val="between"/>
       </c:valAx>
@@ -1940,6 +1954,7 @@
     </c:plotArea>
     <c:legend>
       <c:legendPos val="b"/>
+      <c:layout/>
       <c:overlay val="0"/>
       <c:spPr>
         <a:noFill/>
@@ -1997,7 +2012,7 @@
 </file>
 
 <file path=ppt/charts/chart3.xml><?xml version="1.0" encoding="utf-8"?>
-<c:chartSpace xmlns:c="http://schemas.openxmlformats.org/drawingml/2006/chart" xmlns:a="http://schemas.openxmlformats.org/drawingml/2006/main" xmlns:r="http://schemas.openxmlformats.org/officeDocument/2006/relationships" xmlns:c16r2="http://schemas.microsoft.com/office/drawing/2015/06/chart">
+<c:chartSpace xmlns:c="http://schemas.openxmlformats.org/drawingml/2006/chart" xmlns:a="http://schemas.openxmlformats.org/drawingml/2006/main" xmlns:r="http://schemas.openxmlformats.org/officeDocument/2006/relationships">
   <c:date1904 val="0"/>
   <c:lang val="zh-CN"/>
   <c:roundedCorners val="0"/>
@@ -2030,17 +2045,14 @@
               </a:defRPr>
             </a:pPr>
             <a:r>
-              <a:rPr lang="en-US" altLang="zh-CN"/>
-              <a:t>Total</a:t>
-            </a:r>
-            <a:r>
               <a:rPr lang="en-US" altLang="zh-CN" baseline="0"/>
-              <a:t> Time Consumption for Different Dark Channel Patch Size using Different Methods</a:t>
+              <a:t>Average RMSE Score for Different Dark Channel Patch Size using Different Methods</a:t>
             </a:r>
             <a:endParaRPr lang="zh-CN" altLang="en-US"/>
           </a:p>
         </c:rich>
       </c:tx>
+      <c:layout/>
       <c:overlay val="0"/>
       <c:spPr>
         <a:noFill/>
@@ -2144,8 +2156,9 @@
             <c:showPercent val="0"/>
             <c:showBubbleSize val="0"/>
             <c:showLeaderLines val="0"/>
-            <c:extLst>
+            <c:extLst xmlns:c16r2="http://schemas.microsoft.com/office/drawing/2015/06/chart">
               <c:ext xmlns:c15="http://schemas.microsoft.com/office/drawing/2012/chart" uri="{CE6537A1-D6FC-4f65-9D91-7224C49458BB}">
+                <c15:layout/>
                 <c15:showLeaderLines val="1"/>
                 <c15:leaderLines>
                   <c:spPr>
@@ -2164,52 +2177,31 @@
               </c:ext>
             </c:extLst>
           </c:dLbls>
-          <c:cat>
+          <c:val>
             <c:numRef>
-              <c:f>Sheet1!$B$2:$E$2</c:f>
+              <c:f>Sheet1!$B$8:$E$8</c:f>
               <c:numCache>
                 <c:formatCode>General</c:formatCode>
                 <c:ptCount val="4"/>
                 <c:pt idx="0">
-                  <c:v>3</c:v>
+                  <c:v>0.308</c:v>
                 </c:pt>
                 <c:pt idx="1">
-                  <c:v>7</c:v>
+                  <c:v>0.31480000000000002</c:v>
                 </c:pt>
                 <c:pt idx="2">
-                  <c:v>11</c:v>
+                  <c:v>0.31879999999999997</c:v>
                 </c:pt>
                 <c:pt idx="3">
-                  <c:v>15</c:v>
-                </c:pt>
-              </c:numCache>
-            </c:numRef>
-          </c:cat>
-          <c:val>
-            <c:numRef>
-              <c:f>Sheet1!$B$7:$E$7</c:f>
-              <c:numCache>
-                <c:formatCode>General</c:formatCode>
-                <c:ptCount val="4"/>
-                <c:pt idx="0">
-                  <c:v>0.52700500000000006</c:v>
-                </c:pt>
-                <c:pt idx="1">
-                  <c:v>0.56167999999999996</c:v>
-                </c:pt>
-                <c:pt idx="2">
-                  <c:v>0.54758899999999999</c:v>
-                </c:pt>
-                <c:pt idx="3">
-                  <c:v>0.56398900000000007</c:v>
+                  <c:v>0.32169999999999999</c:v>
                 </c:pt>
               </c:numCache>
             </c:numRef>
           </c:val>
           <c:smooth val="0"/>
-          <c:extLst>
+          <c:extLst xmlns:c16r2="http://schemas.microsoft.com/office/drawing/2015/06/chart">
             <c:ext xmlns:c16="http://schemas.microsoft.com/office/drawing/2014/chart" uri="{C3380CC4-5D6E-409C-BE32-E72D297353CC}">
-              <c16:uniqueId val="{00000000-EB90-45EF-A6A8-4A890B856C44}"/>
+              <c16:uniqueId val="{00000002-18AB-4113-9680-DC1820E051F7}"/>
             </c:ext>
           </c:extLst>
         </c:ser>
@@ -2281,8 +2273,9 @@
             <c:showPercent val="0"/>
             <c:showBubbleSize val="0"/>
             <c:showLeaderLines val="0"/>
-            <c:extLst>
+            <c:extLst xmlns:c16r2="http://schemas.microsoft.com/office/drawing/2015/06/chart">
               <c:ext xmlns:c15="http://schemas.microsoft.com/office/drawing/2012/chart" uri="{CE6537A1-D6FC-4f65-9D91-7224C49458BB}">
+                <c15:layout/>
                 <c15:showLeaderLines val="1"/>
                 <c15:leaderLines>
                   <c:spPr>
@@ -2301,31 +2294,52 @@
               </c:ext>
             </c:extLst>
           </c:dLbls>
-          <c:val>
+          <c:cat>
             <c:numRef>
-              <c:f>Sheet1!$B$16:$E$16</c:f>
+              <c:f>Sheet1!$B$11:$E$11</c:f>
               <c:numCache>
                 <c:formatCode>General</c:formatCode>
                 <c:ptCount val="4"/>
                 <c:pt idx="0">
-                  <c:v>2.14812</c:v>
+                  <c:v>3</c:v>
                 </c:pt>
                 <c:pt idx="1">
-                  <c:v>2.2794530000000002</c:v>
+                  <c:v>7</c:v>
                 </c:pt>
                 <c:pt idx="2">
-                  <c:v>2.4576570000000002</c:v>
+                  <c:v>11</c:v>
                 </c:pt>
                 <c:pt idx="3">
-                  <c:v>2.7051970000000001</c:v>
+                  <c:v>15</c:v>
+                </c:pt>
+              </c:numCache>
+            </c:numRef>
+          </c:cat>
+          <c:val>
+            <c:numRef>
+              <c:f>Sheet1!$B$17:$E$17</c:f>
+              <c:numCache>
+                <c:formatCode>General</c:formatCode>
+                <c:ptCount val="4"/>
+                <c:pt idx="0">
+                  <c:v>0.30940000000000001</c:v>
+                </c:pt>
+                <c:pt idx="1">
+                  <c:v>0.316</c:v>
+                </c:pt>
+                <c:pt idx="2">
+                  <c:v>0.31979999999999997</c:v>
+                </c:pt>
+                <c:pt idx="3">
+                  <c:v>0.32269999999999999</c:v>
                 </c:pt>
               </c:numCache>
             </c:numRef>
           </c:val>
           <c:smooth val="0"/>
-          <c:extLst>
+          <c:extLst xmlns:c16r2="http://schemas.microsoft.com/office/drawing/2015/06/chart">
             <c:ext xmlns:c16="http://schemas.microsoft.com/office/drawing/2014/chart" uri="{C3380CC4-5D6E-409C-BE32-E72D297353CC}">
-              <c16:uniqueId val="{00000001-EB90-45EF-A6A8-4A890B856C44}"/>
+              <c16:uniqueId val="{00000001-18AB-4113-9680-DC1820E051F7}"/>
             </c:ext>
           </c:extLst>
         </c:ser>
@@ -2340,11 +2354,11 @@
         </c:dLbls>
         <c:marker val="1"/>
         <c:smooth val="0"/>
-        <c:axId val="488673136"/>
-        <c:axId val="235572528"/>
+        <c:axId val="458666896"/>
+        <c:axId val="458672776"/>
       </c:lineChart>
       <c:catAx>
-        <c:axId val="488673136"/>
+        <c:axId val="458666896"/>
         <c:scaling>
           <c:orientation val="minMax"/>
         </c:scaling>
@@ -2377,6 +2391,7 @@
               </a:p>
             </c:rich>
           </c:tx>
+          <c:layout/>
           <c:overlay val="0"/>
           <c:spPr>
             <a:noFill/>
@@ -2443,7 +2458,7 @@
             <a:endParaRPr lang="zh-CN"/>
           </a:p>
         </c:txPr>
-        <c:crossAx val="235572528"/>
+        <c:crossAx val="458672776"/>
         <c:crosses val="autoZero"/>
         <c:auto val="1"/>
         <c:lblAlgn val="ctr"/>
@@ -2451,7 +2466,7 @@
         <c:noMultiLvlLbl val="0"/>
       </c:catAx>
       <c:valAx>
-        <c:axId val="235572528"/>
+        <c:axId val="458672776"/>
         <c:scaling>
           <c:orientation val="minMax"/>
         </c:scaling>
@@ -2502,7 +2517,7 @@
             <a:endParaRPr lang="zh-CN"/>
           </a:p>
         </c:txPr>
-        <c:crossAx val="488673136"/>
+        <c:crossAx val="458666896"/>
         <c:crosses val="autoZero"/>
         <c:crossBetween val="between"/>
       </c:valAx>
@@ -2516,6 +2531,7 @@
     </c:plotArea>
     <c:legend>
       <c:legendPos val="b"/>
+      <c:layout/>
       <c:overlay val="0"/>
       <c:spPr>
         <a:noFill/>
@@ -2573,579 +2589,7 @@
 </file>
 
 <file path=ppt/charts/chart4.xml><?xml version="1.0" encoding="utf-8"?>
-<c:chartSpace xmlns:c="http://schemas.openxmlformats.org/drawingml/2006/chart" xmlns:a="http://schemas.openxmlformats.org/drawingml/2006/main" xmlns:r="http://schemas.openxmlformats.org/officeDocument/2006/relationships" xmlns:c16r2="http://schemas.microsoft.com/office/drawing/2015/06/chart">
-  <c:date1904 val="0"/>
-  <c:lang val="zh-CN"/>
-  <c:roundedCorners val="0"/>
-  <mc:AlternateContent xmlns:mc="http://schemas.openxmlformats.org/markup-compatibility/2006">
-    <mc:Choice xmlns:c14="http://schemas.microsoft.com/office/drawing/2007/8/2/chart" Requires="c14">
-      <c14:style val="102"/>
-    </mc:Choice>
-    <mc:Fallback>
-      <c:style val="2"/>
-    </mc:Fallback>
-  </mc:AlternateContent>
-  <c:chart>
-    <c:title>
-      <c:tx>
-        <c:rich>
-          <a:bodyPr rot="0" spcFirstLastPara="1" vertOverflow="ellipsis" vert="horz" wrap="square" anchor="ctr" anchorCtr="1"/>
-          <a:lstStyle/>
-          <a:p>
-            <a:pPr>
-              <a:defRPr sz="1400" b="0" i="0" u="none" strike="noStrike" kern="1200" spc="0" baseline="0">
-                <a:solidFill>
-                  <a:schemeClr val="tx1">
-                    <a:lumMod val="65000"/>
-                    <a:lumOff val="35000"/>
-                  </a:schemeClr>
-                </a:solidFill>
-                <a:latin typeface="+mn-lt"/>
-                <a:ea typeface="+mn-ea"/>
-                <a:cs typeface="+mn-cs"/>
-              </a:defRPr>
-            </a:pPr>
-            <a:r>
-              <a:rPr lang="en-US" altLang="zh-CN" baseline="0"/>
-              <a:t>Average RMSE Score for Different Dark Channel Patch Size using Different Methods</a:t>
-            </a:r>
-            <a:endParaRPr lang="zh-CN" altLang="en-US"/>
-          </a:p>
-        </c:rich>
-      </c:tx>
-      <c:overlay val="0"/>
-      <c:spPr>
-        <a:noFill/>
-        <a:ln>
-          <a:noFill/>
-        </a:ln>
-        <a:effectLst/>
-      </c:spPr>
-      <c:txPr>
-        <a:bodyPr rot="0" spcFirstLastPara="1" vertOverflow="ellipsis" vert="horz" wrap="square" anchor="ctr" anchorCtr="1"/>
-        <a:lstStyle/>
-        <a:p>
-          <a:pPr>
-            <a:defRPr sz="1400" b="0" i="0" u="none" strike="noStrike" kern="1200" spc="0" baseline="0">
-              <a:solidFill>
-                <a:schemeClr val="tx1">
-                  <a:lumMod val="65000"/>
-                  <a:lumOff val="35000"/>
-                </a:schemeClr>
-              </a:solidFill>
-              <a:latin typeface="+mn-lt"/>
-              <a:ea typeface="+mn-ea"/>
-              <a:cs typeface="+mn-cs"/>
-            </a:defRPr>
-          </a:pPr>
-          <a:endParaRPr lang="zh-CN"/>
-        </a:p>
-      </c:txPr>
-    </c:title>
-    <c:autoTitleDeleted val="0"/>
-    <c:plotArea>
-      <c:layout/>
-      <c:lineChart>
-        <c:grouping val="standard"/>
-        <c:varyColors val="0"/>
-        <c:ser>
-          <c:idx val="0"/>
-          <c:order val="0"/>
-          <c:tx>
-            <c:v>van Herk</c:v>
-          </c:tx>
-          <c:spPr>
-            <a:ln w="28575" cap="rnd">
-              <a:solidFill>
-                <a:schemeClr val="accent1"/>
-              </a:solidFill>
-              <a:round/>
-            </a:ln>
-            <a:effectLst/>
-          </c:spPr>
-          <c:marker>
-            <c:symbol val="circle"/>
-            <c:size val="5"/>
-            <c:spPr>
-              <a:solidFill>
-                <a:schemeClr val="accent1"/>
-              </a:solidFill>
-              <a:ln w="9525">
-                <a:solidFill>
-                  <a:schemeClr val="accent1"/>
-                </a:solidFill>
-              </a:ln>
-              <a:effectLst/>
-            </c:spPr>
-          </c:marker>
-          <c:dLbls>
-            <c:spPr>
-              <a:noFill/>
-              <a:ln>
-                <a:noFill/>
-              </a:ln>
-              <a:effectLst/>
-            </c:spPr>
-            <c:txPr>
-              <a:bodyPr rot="0" spcFirstLastPara="1" vertOverflow="ellipsis" vert="horz" wrap="square" lIns="38100" tIns="19050" rIns="38100" bIns="19050" anchor="ctr" anchorCtr="1">
-                <a:spAutoFit/>
-              </a:bodyPr>
-              <a:lstStyle/>
-              <a:p>
-                <a:pPr>
-                  <a:defRPr sz="900" b="0" i="0" u="none" strike="noStrike" kern="1200" baseline="0">
-                    <a:solidFill>
-                      <a:schemeClr val="tx1">
-                        <a:lumMod val="75000"/>
-                        <a:lumOff val="25000"/>
-                      </a:schemeClr>
-                    </a:solidFill>
-                    <a:latin typeface="+mn-lt"/>
-                    <a:ea typeface="+mn-ea"/>
-                    <a:cs typeface="+mn-cs"/>
-                  </a:defRPr>
-                </a:pPr>
-                <a:endParaRPr lang="zh-CN"/>
-              </a:p>
-            </c:txPr>
-            <c:dLblPos val="t"/>
-            <c:showLegendKey val="0"/>
-            <c:showVal val="1"/>
-            <c:showCatName val="0"/>
-            <c:showSerName val="0"/>
-            <c:showPercent val="0"/>
-            <c:showBubbleSize val="0"/>
-            <c:showLeaderLines val="0"/>
-            <c:extLst>
-              <c:ext xmlns:c15="http://schemas.microsoft.com/office/drawing/2012/chart" uri="{CE6537A1-D6FC-4f65-9D91-7224C49458BB}">
-                <c15:showLeaderLines val="1"/>
-                <c15:leaderLines>
-                  <c:spPr>
-                    <a:ln w="9525" cap="flat" cmpd="sng" algn="ctr">
-                      <a:solidFill>
-                        <a:schemeClr val="tx1">
-                          <a:lumMod val="35000"/>
-                          <a:lumOff val="65000"/>
-                        </a:schemeClr>
-                      </a:solidFill>
-                      <a:round/>
-                    </a:ln>
-                    <a:effectLst/>
-                  </c:spPr>
-                </c15:leaderLines>
-              </c:ext>
-            </c:extLst>
-          </c:dLbls>
-          <c:val>
-            <c:numRef>
-              <c:f>Sheet1!$B$8:$E$8</c:f>
-              <c:numCache>
-                <c:formatCode>General</c:formatCode>
-                <c:ptCount val="4"/>
-                <c:pt idx="0">
-                  <c:v>0.308</c:v>
-                </c:pt>
-                <c:pt idx="1">
-                  <c:v>0.31480000000000002</c:v>
-                </c:pt>
-                <c:pt idx="2">
-                  <c:v>0.31879999999999997</c:v>
-                </c:pt>
-                <c:pt idx="3">
-                  <c:v>0.32169999999999999</c:v>
-                </c:pt>
-              </c:numCache>
-            </c:numRef>
-          </c:val>
-          <c:smooth val="0"/>
-          <c:extLst>
-            <c:ext xmlns:c16="http://schemas.microsoft.com/office/drawing/2014/chart" uri="{C3380CC4-5D6E-409C-BE32-E72D297353CC}">
-              <c16:uniqueId val="{00000000-B6C1-451F-BDDF-796FB5AB226C}"/>
-            </c:ext>
-          </c:extLst>
-        </c:ser>
-        <c:ser>
-          <c:idx val="1"/>
-          <c:order val="1"/>
-          <c:tx>
-            <c:v>for loop</c:v>
-          </c:tx>
-          <c:spPr>
-            <a:ln w="28575" cap="rnd">
-              <a:solidFill>
-                <a:schemeClr val="accent2"/>
-              </a:solidFill>
-              <a:round/>
-            </a:ln>
-            <a:effectLst/>
-          </c:spPr>
-          <c:marker>
-            <c:symbol val="circle"/>
-            <c:size val="5"/>
-            <c:spPr>
-              <a:solidFill>
-                <a:schemeClr val="accent2"/>
-              </a:solidFill>
-              <a:ln w="9525">
-                <a:solidFill>
-                  <a:schemeClr val="accent2"/>
-                </a:solidFill>
-              </a:ln>
-              <a:effectLst/>
-            </c:spPr>
-          </c:marker>
-          <c:dLbls>
-            <c:spPr>
-              <a:noFill/>
-              <a:ln>
-                <a:noFill/>
-              </a:ln>
-              <a:effectLst/>
-            </c:spPr>
-            <c:txPr>
-              <a:bodyPr rot="0" spcFirstLastPara="1" vertOverflow="ellipsis" vert="horz" wrap="square" lIns="38100" tIns="19050" rIns="38100" bIns="19050" anchor="ctr" anchorCtr="1">
-                <a:spAutoFit/>
-              </a:bodyPr>
-              <a:lstStyle/>
-              <a:p>
-                <a:pPr>
-                  <a:defRPr sz="900" b="0" i="0" u="none" strike="noStrike" kern="1200" baseline="0">
-                    <a:solidFill>
-                      <a:schemeClr val="tx1">
-                        <a:lumMod val="75000"/>
-                        <a:lumOff val="25000"/>
-                      </a:schemeClr>
-                    </a:solidFill>
-                    <a:latin typeface="+mn-lt"/>
-                    <a:ea typeface="+mn-ea"/>
-                    <a:cs typeface="+mn-cs"/>
-                  </a:defRPr>
-                </a:pPr>
-                <a:endParaRPr lang="zh-CN"/>
-              </a:p>
-            </c:txPr>
-            <c:dLblPos val="t"/>
-            <c:showLegendKey val="0"/>
-            <c:showVal val="1"/>
-            <c:showCatName val="0"/>
-            <c:showSerName val="0"/>
-            <c:showPercent val="0"/>
-            <c:showBubbleSize val="0"/>
-            <c:showLeaderLines val="0"/>
-            <c:extLst>
-              <c:ext xmlns:c15="http://schemas.microsoft.com/office/drawing/2012/chart" uri="{CE6537A1-D6FC-4f65-9D91-7224C49458BB}">
-                <c15:showLeaderLines val="1"/>
-                <c15:leaderLines>
-                  <c:spPr>
-                    <a:ln w="9525" cap="flat" cmpd="sng" algn="ctr">
-                      <a:solidFill>
-                        <a:schemeClr val="tx1">
-                          <a:lumMod val="35000"/>
-                          <a:lumOff val="65000"/>
-                        </a:schemeClr>
-                      </a:solidFill>
-                      <a:round/>
-                    </a:ln>
-                    <a:effectLst/>
-                  </c:spPr>
-                </c15:leaderLines>
-              </c:ext>
-            </c:extLst>
-          </c:dLbls>
-          <c:cat>
-            <c:numRef>
-              <c:f>Sheet1!$B$11:$E$11</c:f>
-              <c:numCache>
-                <c:formatCode>General</c:formatCode>
-                <c:ptCount val="4"/>
-                <c:pt idx="0">
-                  <c:v>3</c:v>
-                </c:pt>
-                <c:pt idx="1">
-                  <c:v>7</c:v>
-                </c:pt>
-                <c:pt idx="2">
-                  <c:v>11</c:v>
-                </c:pt>
-                <c:pt idx="3">
-                  <c:v>15</c:v>
-                </c:pt>
-              </c:numCache>
-            </c:numRef>
-          </c:cat>
-          <c:val>
-            <c:numRef>
-              <c:f>Sheet1!$B$17:$E$17</c:f>
-              <c:numCache>
-                <c:formatCode>General</c:formatCode>
-                <c:ptCount val="4"/>
-                <c:pt idx="0">
-                  <c:v>0.30940000000000001</c:v>
-                </c:pt>
-                <c:pt idx="1">
-                  <c:v>0.316</c:v>
-                </c:pt>
-                <c:pt idx="2">
-                  <c:v>0.31979999999999997</c:v>
-                </c:pt>
-                <c:pt idx="3">
-                  <c:v>0.32269999999999999</c:v>
-                </c:pt>
-              </c:numCache>
-            </c:numRef>
-          </c:val>
-          <c:smooth val="0"/>
-          <c:extLst>
-            <c:ext xmlns:c16="http://schemas.microsoft.com/office/drawing/2014/chart" uri="{C3380CC4-5D6E-409C-BE32-E72D297353CC}">
-              <c16:uniqueId val="{00000001-B6C1-451F-BDDF-796FB5AB226C}"/>
-            </c:ext>
-          </c:extLst>
-        </c:ser>
-        <c:dLbls>
-          <c:dLblPos val="t"/>
-          <c:showLegendKey val="0"/>
-          <c:showVal val="1"/>
-          <c:showCatName val="0"/>
-          <c:showSerName val="0"/>
-          <c:showPercent val="0"/>
-          <c:showBubbleSize val="0"/>
-        </c:dLbls>
-        <c:marker val="1"/>
-        <c:smooth val="0"/>
-        <c:axId val="340457920"/>
-        <c:axId val="339006736"/>
-      </c:lineChart>
-      <c:catAx>
-        <c:axId val="340457920"/>
-        <c:scaling>
-          <c:orientation val="minMax"/>
-        </c:scaling>
-        <c:delete val="0"/>
-        <c:axPos val="b"/>
-        <c:title>
-          <c:tx>
-            <c:rich>
-              <a:bodyPr rot="0" spcFirstLastPara="1" vertOverflow="ellipsis" vert="horz" wrap="square" anchor="ctr" anchorCtr="1"/>
-              <a:lstStyle/>
-              <a:p>
-                <a:pPr>
-                  <a:defRPr sz="1000" b="0" i="0" u="none" strike="noStrike" kern="1200" baseline="0">
-                    <a:solidFill>
-                      <a:schemeClr val="tx1">
-                        <a:lumMod val="65000"/>
-                        <a:lumOff val="35000"/>
-                      </a:schemeClr>
-                    </a:solidFill>
-                    <a:latin typeface="+mn-lt"/>
-                    <a:ea typeface="+mn-ea"/>
-                    <a:cs typeface="+mn-cs"/>
-                  </a:defRPr>
-                </a:pPr>
-                <a:r>
-                  <a:rPr lang="en-US" altLang="zh-CN"/>
-                  <a:t>patch size</a:t>
-                </a:r>
-                <a:endParaRPr lang="zh-CN" altLang="en-US"/>
-              </a:p>
-            </c:rich>
-          </c:tx>
-          <c:overlay val="0"/>
-          <c:spPr>
-            <a:noFill/>
-            <a:ln>
-              <a:noFill/>
-            </a:ln>
-            <a:effectLst/>
-          </c:spPr>
-          <c:txPr>
-            <a:bodyPr rot="0" spcFirstLastPara="1" vertOverflow="ellipsis" vert="horz" wrap="square" anchor="ctr" anchorCtr="1"/>
-            <a:lstStyle/>
-            <a:p>
-              <a:pPr>
-                <a:defRPr sz="1000" b="0" i="0" u="none" strike="noStrike" kern="1200" baseline="0">
-                  <a:solidFill>
-                    <a:schemeClr val="tx1">
-                      <a:lumMod val="65000"/>
-                      <a:lumOff val="35000"/>
-                    </a:schemeClr>
-                  </a:solidFill>
-                  <a:latin typeface="+mn-lt"/>
-                  <a:ea typeface="+mn-ea"/>
-                  <a:cs typeface="+mn-cs"/>
-                </a:defRPr>
-              </a:pPr>
-              <a:endParaRPr lang="zh-CN"/>
-            </a:p>
-          </c:txPr>
-        </c:title>
-        <c:numFmt formatCode="General" sourceLinked="1"/>
-        <c:majorTickMark val="none"/>
-        <c:minorTickMark val="none"/>
-        <c:tickLblPos val="nextTo"/>
-        <c:spPr>
-          <a:noFill/>
-          <a:ln w="9525" cap="flat" cmpd="sng" algn="ctr">
-            <a:solidFill>
-              <a:schemeClr val="tx1">
-                <a:lumMod val="15000"/>
-                <a:lumOff val="85000"/>
-              </a:schemeClr>
-            </a:solidFill>
-            <a:round/>
-          </a:ln>
-          <a:effectLst/>
-        </c:spPr>
-        <c:txPr>
-          <a:bodyPr rot="-60000000" spcFirstLastPara="1" vertOverflow="ellipsis" vert="horz" wrap="square" anchor="ctr" anchorCtr="1"/>
-          <a:lstStyle/>
-          <a:p>
-            <a:pPr>
-              <a:defRPr sz="900" b="0" i="0" u="none" strike="noStrike" kern="1200" baseline="0">
-                <a:solidFill>
-                  <a:schemeClr val="tx1">
-                    <a:lumMod val="65000"/>
-                    <a:lumOff val="35000"/>
-                  </a:schemeClr>
-                </a:solidFill>
-                <a:latin typeface="+mn-lt"/>
-                <a:ea typeface="+mn-ea"/>
-                <a:cs typeface="+mn-cs"/>
-              </a:defRPr>
-            </a:pPr>
-            <a:endParaRPr lang="zh-CN"/>
-          </a:p>
-        </c:txPr>
-        <c:crossAx val="339006736"/>
-        <c:crosses val="autoZero"/>
-        <c:auto val="1"/>
-        <c:lblAlgn val="ctr"/>
-        <c:lblOffset val="100"/>
-        <c:noMultiLvlLbl val="0"/>
-      </c:catAx>
-      <c:valAx>
-        <c:axId val="339006736"/>
-        <c:scaling>
-          <c:orientation val="minMax"/>
-        </c:scaling>
-        <c:delete val="0"/>
-        <c:axPos val="l"/>
-        <c:majorGridlines>
-          <c:spPr>
-            <a:ln w="9525" cap="flat" cmpd="sng" algn="ctr">
-              <a:solidFill>
-                <a:schemeClr val="tx1">
-                  <a:lumMod val="15000"/>
-                  <a:lumOff val="85000"/>
-                </a:schemeClr>
-              </a:solidFill>
-              <a:round/>
-            </a:ln>
-            <a:effectLst/>
-          </c:spPr>
-        </c:majorGridlines>
-        <c:numFmt formatCode="General" sourceLinked="1"/>
-        <c:majorTickMark val="out"/>
-        <c:minorTickMark val="none"/>
-        <c:tickLblPos val="nextTo"/>
-        <c:spPr>
-          <a:noFill/>
-          <a:ln>
-            <a:noFill/>
-          </a:ln>
-          <a:effectLst/>
-        </c:spPr>
-        <c:txPr>
-          <a:bodyPr rot="-60000000" spcFirstLastPara="1" vertOverflow="ellipsis" vert="horz" wrap="square" anchor="ctr" anchorCtr="1"/>
-          <a:lstStyle/>
-          <a:p>
-            <a:pPr>
-              <a:defRPr sz="900" b="0" i="0" u="none" strike="noStrike" kern="1200" baseline="0">
-                <a:solidFill>
-                  <a:schemeClr val="tx1">
-                    <a:lumMod val="65000"/>
-                    <a:lumOff val="35000"/>
-                  </a:schemeClr>
-                </a:solidFill>
-                <a:latin typeface="+mn-lt"/>
-                <a:ea typeface="+mn-ea"/>
-                <a:cs typeface="+mn-cs"/>
-              </a:defRPr>
-            </a:pPr>
-            <a:endParaRPr lang="zh-CN"/>
-          </a:p>
-        </c:txPr>
-        <c:crossAx val="340457920"/>
-        <c:crosses val="autoZero"/>
-        <c:crossBetween val="between"/>
-      </c:valAx>
-      <c:spPr>
-        <a:noFill/>
-        <a:ln>
-          <a:noFill/>
-        </a:ln>
-        <a:effectLst/>
-      </c:spPr>
-    </c:plotArea>
-    <c:legend>
-      <c:legendPos val="b"/>
-      <c:overlay val="0"/>
-      <c:spPr>
-        <a:noFill/>
-        <a:ln>
-          <a:noFill/>
-        </a:ln>
-        <a:effectLst/>
-      </c:spPr>
-      <c:txPr>
-        <a:bodyPr rot="0" spcFirstLastPara="1" vertOverflow="ellipsis" vert="horz" wrap="square" anchor="ctr" anchorCtr="1"/>
-        <a:lstStyle/>
-        <a:p>
-          <a:pPr>
-            <a:defRPr sz="900" b="0" i="0" u="none" strike="noStrike" kern="1200" baseline="0">
-              <a:solidFill>
-                <a:schemeClr val="tx1">
-                  <a:lumMod val="65000"/>
-                  <a:lumOff val="35000"/>
-                </a:schemeClr>
-              </a:solidFill>
-              <a:latin typeface="+mn-lt"/>
-              <a:ea typeface="+mn-ea"/>
-              <a:cs typeface="+mn-cs"/>
-            </a:defRPr>
-          </a:pPr>
-          <a:endParaRPr lang="zh-CN"/>
-        </a:p>
-      </c:txPr>
-    </c:legend>
-    <c:plotVisOnly val="1"/>
-    <c:dispBlanksAs val="gap"/>
-    <c:showDLblsOverMax val="0"/>
-  </c:chart>
-  <c:spPr>
-    <a:noFill/>
-    <a:ln>
-      <a:noFill/>
-    </a:ln>
-    <a:effectLst/>
-  </c:spPr>
-  <c:txPr>
-    <a:bodyPr/>
-    <a:lstStyle/>
-    <a:p>
-      <a:pPr>
-        <a:defRPr/>
-      </a:pPr>
-      <a:endParaRPr lang="zh-CN"/>
-    </a:p>
-  </c:txPr>
-  <c:externalData r:id="rId3">
-    <c:autoUpdate val="0"/>
-  </c:externalData>
-</c:chartSpace>
-</file>
-
-<file path=ppt/charts/chart5.xml><?xml version="1.0" encoding="utf-8"?>
-<c:chartSpace xmlns:c="http://schemas.openxmlformats.org/drawingml/2006/chart" xmlns:a="http://schemas.openxmlformats.org/drawingml/2006/main" xmlns:r="http://schemas.openxmlformats.org/officeDocument/2006/relationships" xmlns:c16r2="http://schemas.microsoft.com/office/drawing/2015/06/chart">
+<c:chartSpace xmlns:c="http://schemas.openxmlformats.org/drawingml/2006/chart" xmlns:a="http://schemas.openxmlformats.org/drawingml/2006/main" xmlns:r="http://schemas.openxmlformats.org/officeDocument/2006/relationships">
   <c:date1904 val="0"/>
   <c:lang val="zh-CN"/>
   <c:roundedCorners val="0"/>
@@ -3195,6 +2639,7 @@
           </a:p>
         </c:rich>
       </c:tx>
+      <c:layout/>
       <c:overlay val="0"/>
       <c:spPr>
         <a:noFill/>
@@ -3295,8 +2740,9 @@
             <c:showPercent val="0"/>
             <c:showBubbleSize val="0"/>
             <c:showLeaderLines val="0"/>
-            <c:extLst>
+            <c:extLst xmlns:c16r2="http://schemas.microsoft.com/office/drawing/2015/06/chart">
               <c:ext xmlns:c15="http://schemas.microsoft.com/office/drawing/2012/chart" uri="{CE6537A1-D6FC-4f65-9D91-7224C49458BB}">
+                <c15:layout/>
                 <c15:showLeaderLines val="1"/>
                 <c15:leaderLines>
                   <c:spPr>
@@ -3356,7 +2802,7 @@
               </c:numCache>
             </c:numRef>
           </c:val>
-          <c:extLst>
+          <c:extLst xmlns:c16r2="http://schemas.microsoft.com/office/drawing/2015/06/chart">
             <c:ext xmlns:c16="http://schemas.microsoft.com/office/drawing/2014/chart" uri="{C3380CC4-5D6E-409C-BE32-E72D297353CC}">
               <c16:uniqueId val="{00000000-C3C1-4E70-8480-080F70589464}"/>
             </c:ext>
@@ -3426,8 +2872,9 @@
             <c:showPercent val="0"/>
             <c:showBubbleSize val="0"/>
             <c:showLeaderLines val="0"/>
-            <c:extLst>
+            <c:extLst xmlns:c16r2="http://schemas.microsoft.com/office/drawing/2015/06/chart">
               <c:ext xmlns:c15="http://schemas.microsoft.com/office/drawing/2012/chart" uri="{CE6537A1-D6FC-4f65-9D91-7224C49458BB}">
+                <c15:layout/>
                 <c15:showLeaderLines val="1"/>
                 <c15:leaderLines>
                   <c:spPr>
@@ -3487,7 +2934,7 @@
               </c:numCache>
             </c:numRef>
           </c:val>
-          <c:extLst>
+          <c:extLst xmlns:c16r2="http://schemas.microsoft.com/office/drawing/2015/06/chart">
             <c:ext xmlns:c16="http://schemas.microsoft.com/office/drawing/2014/chart" uri="{C3380CC4-5D6E-409C-BE32-E72D297353CC}">
               <c16:uniqueId val="{00000001-C3C1-4E70-8480-080F70589464}"/>
             </c:ext>
@@ -3557,8 +3004,9 @@
             <c:showPercent val="0"/>
             <c:showBubbleSize val="0"/>
             <c:showLeaderLines val="0"/>
-            <c:extLst>
+            <c:extLst xmlns:c16r2="http://schemas.microsoft.com/office/drawing/2015/06/chart">
               <c:ext xmlns:c15="http://schemas.microsoft.com/office/drawing/2012/chart" uri="{CE6537A1-D6FC-4f65-9D91-7224C49458BB}">
+                <c15:layout/>
                 <c15:showLeaderLines val="1"/>
                 <c15:leaderLines>
                   <c:spPr>
@@ -3618,7 +3066,7 @@
               </c:numCache>
             </c:numRef>
           </c:val>
-          <c:extLst>
+          <c:extLst xmlns:c16r2="http://schemas.microsoft.com/office/drawing/2015/06/chart">
             <c:ext xmlns:c16="http://schemas.microsoft.com/office/drawing/2014/chart" uri="{C3380CC4-5D6E-409C-BE32-E72D297353CC}">
               <c16:uniqueId val="{00000002-C3C1-4E70-8480-080F70589464}"/>
             </c:ext>
@@ -3688,8 +3136,9 @@
             <c:showPercent val="0"/>
             <c:showBubbleSize val="0"/>
             <c:showLeaderLines val="0"/>
-            <c:extLst>
+            <c:extLst xmlns:c16r2="http://schemas.microsoft.com/office/drawing/2015/06/chart">
               <c:ext xmlns:c15="http://schemas.microsoft.com/office/drawing/2012/chart" uri="{CE6537A1-D6FC-4f65-9D91-7224C49458BB}">
+                <c15:layout/>
                 <c15:showLeaderLines val="1"/>
                 <c15:leaderLines>
                   <c:spPr>
@@ -3749,7 +3198,7 @@
               </c:numCache>
             </c:numRef>
           </c:val>
-          <c:extLst>
+          <c:extLst xmlns:c16r2="http://schemas.microsoft.com/office/drawing/2015/06/chart">
             <c:ext xmlns:c16="http://schemas.microsoft.com/office/drawing/2014/chart" uri="{C3380CC4-5D6E-409C-BE32-E72D297353CC}">
               <c16:uniqueId val="{00000003-C3C1-4E70-8480-080F70589464}"/>
             </c:ext>
@@ -3765,11 +3214,11 @@
           <c:showBubbleSize val="0"/>
         </c:dLbls>
         <c:gapWidth val="182"/>
-        <c:axId val="521018848"/>
-        <c:axId val="497010880"/>
+        <c:axId val="335265576"/>
+        <c:axId val="335271064"/>
       </c:barChart>
       <c:catAx>
-        <c:axId val="521018848"/>
+        <c:axId val="335265576"/>
         <c:scaling>
           <c:orientation val="minMax"/>
         </c:scaling>
@@ -3802,6 +3251,7 @@
               </a:p>
             </c:rich>
           </c:tx>
+          <c:layout/>
           <c:overlay val="0"/>
           <c:spPr>
             <a:noFill/>
@@ -3868,7 +3318,7 @@
             <a:endParaRPr lang="zh-CN"/>
           </a:p>
         </c:txPr>
-        <c:crossAx val="497010880"/>
+        <c:crossAx val="335271064"/>
         <c:crosses val="autoZero"/>
         <c:auto val="1"/>
         <c:lblAlgn val="ctr"/>
@@ -3876,7 +3326,7 @@
         <c:noMultiLvlLbl val="0"/>
       </c:catAx>
       <c:valAx>
-        <c:axId val="497010880"/>
+        <c:axId val="335271064"/>
         <c:scaling>
           <c:orientation val="minMax"/>
         </c:scaling>
@@ -3927,6 +3377,7 @@
               </a:p>
             </c:rich>
           </c:tx>
+          <c:layout/>
           <c:overlay val="0"/>
           <c:spPr>
             <a:noFill/>
@@ -3987,7 +3438,7 @@
             <a:endParaRPr lang="zh-CN"/>
           </a:p>
         </c:txPr>
-        <c:crossAx val="521018848"/>
+        <c:crossAx val="335265576"/>
         <c:crosses val="autoZero"/>
         <c:crossBetween val="between"/>
       </c:valAx>
@@ -4001,6 +3452,7 @@
     </c:plotArea>
     <c:legend>
       <c:legendPos val="b"/>
+      <c:layout/>
       <c:overlay val="0"/>
       <c:spPr>
         <a:noFill/>
@@ -4057,8 +3509,8 @@
 </c:chartSpace>
 </file>
 
-<file path=ppt/charts/chart6.xml><?xml version="1.0" encoding="utf-8"?>
-<c:chartSpace xmlns:c="http://schemas.openxmlformats.org/drawingml/2006/chart" xmlns:a="http://schemas.openxmlformats.org/drawingml/2006/main" xmlns:r="http://schemas.openxmlformats.org/officeDocument/2006/relationships" xmlns:c16r2="http://schemas.microsoft.com/office/drawing/2015/06/chart">
+<file path=ppt/charts/chart5.xml><?xml version="1.0" encoding="utf-8"?>
+<c:chartSpace xmlns:c="http://schemas.openxmlformats.org/drawingml/2006/chart" xmlns:a="http://schemas.openxmlformats.org/drawingml/2006/main" xmlns:r="http://schemas.openxmlformats.org/officeDocument/2006/relationships">
   <c:date1904 val="0"/>
   <c:lang val="zh-CN"/>
   <c:roundedCorners val="0"/>
@@ -4098,6 +3550,7 @@
           </a:p>
         </c:rich>
       </c:tx>
+      <c:layout/>
       <c:overlay val="0"/>
       <c:spPr>
         <a:noFill/>
@@ -4212,7 +3665,7 @@
             </c:numRef>
           </c:val>
           <c:smooth val="0"/>
-          <c:extLst>
+          <c:extLst xmlns:c16r2="http://schemas.microsoft.com/office/drawing/2015/06/chart">
             <c:ext xmlns:c16="http://schemas.microsoft.com/office/drawing/2014/chart" uri="{C3380CC4-5D6E-409C-BE32-E72D297353CC}">
               <c16:uniqueId val="{00000000-6268-44B6-A80D-DC5EDD81CE97}"/>
             </c:ext>
@@ -4297,7 +3750,7 @@
             </c:numRef>
           </c:val>
           <c:smooth val="0"/>
-          <c:extLst>
+          <c:extLst xmlns:c16r2="http://schemas.microsoft.com/office/drawing/2015/06/chart">
             <c:ext xmlns:c16="http://schemas.microsoft.com/office/drawing/2014/chart" uri="{C3380CC4-5D6E-409C-BE32-E72D297353CC}">
               <c16:uniqueId val="{00000001-6268-44B6-A80D-DC5EDD81CE97}"/>
             </c:ext>
@@ -4382,7 +3835,7 @@
             </c:numRef>
           </c:val>
           <c:smooth val="0"/>
-          <c:extLst>
+          <c:extLst xmlns:c16r2="http://schemas.microsoft.com/office/drawing/2015/06/chart">
             <c:ext xmlns:c16="http://schemas.microsoft.com/office/drawing/2014/chart" uri="{C3380CC4-5D6E-409C-BE32-E72D297353CC}">
               <c16:uniqueId val="{00000002-6268-44B6-A80D-DC5EDD81CE97}"/>
             </c:ext>
@@ -4473,7 +3926,7 @@
             </c:numRef>
           </c:val>
           <c:smooth val="0"/>
-          <c:extLst>
+          <c:extLst xmlns:c16r2="http://schemas.microsoft.com/office/drawing/2015/06/chart">
             <c:ext xmlns:c16="http://schemas.microsoft.com/office/drawing/2014/chart" uri="{C3380CC4-5D6E-409C-BE32-E72D297353CC}">
               <c16:uniqueId val="{00000003-6268-44B6-A80D-DC5EDD81CE97}"/>
             </c:ext>
@@ -4489,11 +3942,11 @@
         </c:dLbls>
         <c:marker val="1"/>
         <c:smooth val="0"/>
-        <c:axId val="338073216"/>
-        <c:axId val="337105568"/>
+        <c:axId val="335267536"/>
+        <c:axId val="335268712"/>
       </c:lineChart>
       <c:catAx>
-        <c:axId val="338073216"/>
+        <c:axId val="335267536"/>
         <c:scaling>
           <c:orientation val="minMax"/>
         </c:scaling>
@@ -4530,6 +3983,7 @@
               </a:p>
             </c:rich>
           </c:tx>
+          <c:layout/>
           <c:overlay val="0"/>
           <c:spPr>
             <a:noFill/>
@@ -4596,7 +4050,7 @@
             <a:endParaRPr lang="zh-CN"/>
           </a:p>
         </c:txPr>
-        <c:crossAx val="337105568"/>
+        <c:crossAx val="335268712"/>
         <c:crosses val="autoZero"/>
         <c:auto val="1"/>
         <c:lblAlgn val="ctr"/>
@@ -4604,7 +4058,7 @@
         <c:noMultiLvlLbl val="0"/>
       </c:catAx>
       <c:valAx>
-        <c:axId val="337105568"/>
+        <c:axId val="335268712"/>
         <c:scaling>
           <c:orientation val="minMax"/>
         </c:scaling>
@@ -4655,7 +4109,7 @@
             <a:endParaRPr lang="zh-CN"/>
           </a:p>
         </c:txPr>
-        <c:crossAx val="338073216"/>
+        <c:crossAx val="335267536"/>
         <c:crosses val="autoZero"/>
         <c:crossBetween val="between"/>
       </c:valAx>
@@ -4669,6 +4123,7 @@
     </c:plotArea>
     <c:legend>
       <c:legendPos val="b"/>
+      <c:layout/>
       <c:overlay val="0"/>
       <c:spPr>
         <a:noFill/>
@@ -4778,52 +4233,12 @@
 </file>
 
 <file path=ppt/charts/colors4.xml><?xml version="1.0" encoding="utf-8"?>
-<cs:colorStyle xmlns:cs="http://schemas.microsoft.com/office/drawing/2012/chartStyle" xmlns:a="http://schemas.openxmlformats.org/drawingml/2006/main" meth="cycle" id="10">
-  <a:schemeClr val="accent1"/>
-  <a:schemeClr val="accent2"/>
-  <a:schemeClr val="accent3"/>
-  <a:schemeClr val="accent4"/>
-  <a:schemeClr val="accent5"/>
-  <a:schemeClr val="accent6"/>
-  <cs:variation/>
-  <cs:variation>
-    <a:lumMod val="60000"/>
-  </cs:variation>
-  <cs:variation>
-    <a:lumMod val="80000"/>
-    <a:lumOff val="20000"/>
-  </cs:variation>
-  <cs:variation>
-    <a:lumMod val="80000"/>
-  </cs:variation>
-  <cs:variation>
-    <a:lumMod val="60000"/>
-    <a:lumOff val="40000"/>
-  </cs:variation>
-  <cs:variation>
-    <a:lumMod val="50000"/>
-  </cs:variation>
-  <cs:variation>
-    <a:lumMod val="70000"/>
-    <a:lumOff val="30000"/>
-  </cs:variation>
-  <cs:variation>
-    <a:lumMod val="70000"/>
-  </cs:variation>
-  <cs:variation>
-    <a:lumMod val="50000"/>
-    <a:lumOff val="50000"/>
-  </cs:variation>
-</cs:colorStyle>
-</file>
-
-<file path=ppt/charts/colors5.xml><?xml version="1.0" encoding="utf-8"?>
 <cs:colorStyle xmlns:cs="http://schemas.microsoft.com/office/drawing/2012/chartStyle" xmlns:a="http://schemas.openxmlformats.org/drawingml/2006/main" meth="withinLinearReversed" id="26">
   <a:schemeClr val="accent6"/>
 </cs:colorStyle>
 </file>
 
-<file path=ppt/charts/colors6.xml><?xml version="1.0" encoding="utf-8"?>
+<file path=ppt/charts/colors5.xml><?xml version="1.0" encoding="utf-8"?>
 <cs:colorStyle xmlns:cs="http://schemas.microsoft.com/office/drawing/2012/chartStyle" xmlns:a="http://schemas.openxmlformats.org/drawingml/2006/main" meth="cycle" id="13">
   <a:schemeClr val="accent6"/>
   <a:schemeClr val="accent5"/>
@@ -6387,522 +5802,6 @@
 </file>
 
 <file path=ppt/charts/style4.xml><?xml version="1.0" encoding="utf-8"?>
-<cs:chartStyle xmlns:cs="http://schemas.microsoft.com/office/drawing/2012/chartStyle" xmlns:a="http://schemas.openxmlformats.org/drawingml/2006/main" id="227">
-  <cs:axisTitle>
-    <cs:lnRef idx="0"/>
-    <cs:fillRef idx="0"/>
-    <cs:effectRef idx="0"/>
-    <cs:fontRef idx="minor">
-      <a:schemeClr val="tx1">
-        <a:lumMod val="65000"/>
-        <a:lumOff val="35000"/>
-      </a:schemeClr>
-    </cs:fontRef>
-    <cs:defRPr sz="1000" kern="1200"/>
-  </cs:axisTitle>
-  <cs:categoryAxis>
-    <cs:lnRef idx="0"/>
-    <cs:fillRef idx="0"/>
-    <cs:effectRef idx="0"/>
-    <cs:fontRef idx="minor">
-      <a:schemeClr val="tx1">
-        <a:lumMod val="65000"/>
-        <a:lumOff val="35000"/>
-      </a:schemeClr>
-    </cs:fontRef>
-    <cs:spPr>
-      <a:ln w="9525" cap="flat" cmpd="sng" algn="ctr">
-        <a:solidFill>
-          <a:schemeClr val="tx1">
-            <a:lumMod val="15000"/>
-            <a:lumOff val="85000"/>
-          </a:schemeClr>
-        </a:solidFill>
-        <a:round/>
-      </a:ln>
-    </cs:spPr>
-    <cs:defRPr sz="900" kern="1200"/>
-  </cs:categoryAxis>
-  <cs:chartArea mods="allowNoFillOverride allowNoLineOverride">
-    <cs:lnRef idx="0"/>
-    <cs:fillRef idx="0"/>
-    <cs:effectRef idx="0"/>
-    <cs:fontRef idx="minor">
-      <a:schemeClr val="tx1"/>
-    </cs:fontRef>
-    <cs:spPr>
-      <a:solidFill>
-        <a:schemeClr val="bg1"/>
-      </a:solidFill>
-      <a:ln w="9525" cap="flat" cmpd="sng" algn="ctr">
-        <a:solidFill>
-          <a:schemeClr val="tx1">
-            <a:lumMod val="15000"/>
-            <a:lumOff val="85000"/>
-          </a:schemeClr>
-        </a:solidFill>
-        <a:round/>
-      </a:ln>
-    </cs:spPr>
-    <cs:defRPr sz="1000" kern="1200"/>
-  </cs:chartArea>
-  <cs:dataLabel>
-    <cs:lnRef idx="0"/>
-    <cs:fillRef idx="0"/>
-    <cs:effectRef idx="0"/>
-    <cs:fontRef idx="minor">
-      <a:schemeClr val="tx1">
-        <a:lumMod val="75000"/>
-        <a:lumOff val="25000"/>
-      </a:schemeClr>
-    </cs:fontRef>
-    <cs:defRPr sz="900" kern="1200"/>
-  </cs:dataLabel>
-  <cs:dataLabelCallout>
-    <cs:lnRef idx="0"/>
-    <cs:fillRef idx="0"/>
-    <cs:effectRef idx="0"/>
-    <cs:fontRef idx="minor">
-      <a:schemeClr val="dk1">
-        <a:lumMod val="65000"/>
-        <a:lumOff val="35000"/>
-      </a:schemeClr>
-    </cs:fontRef>
-    <cs:spPr>
-      <a:solidFill>
-        <a:schemeClr val="lt1"/>
-      </a:solidFill>
-      <a:ln>
-        <a:solidFill>
-          <a:schemeClr val="dk1">
-            <a:lumMod val="25000"/>
-            <a:lumOff val="75000"/>
-          </a:schemeClr>
-        </a:solidFill>
-      </a:ln>
-    </cs:spPr>
-    <cs:defRPr sz="900" kern="1200"/>
-    <cs:bodyPr rot="0" spcFirstLastPara="1" vertOverflow="clip" horzOverflow="clip" vert="horz" wrap="square" lIns="36576" tIns="18288" rIns="36576" bIns="18288" anchor="ctr" anchorCtr="1">
-      <a:spAutoFit/>
-    </cs:bodyPr>
-  </cs:dataLabelCallout>
-  <cs:dataPoint>
-    <cs:lnRef idx="0"/>
-    <cs:fillRef idx="1">
-      <cs:styleClr val="auto"/>
-    </cs:fillRef>
-    <cs:effectRef idx="0"/>
-    <cs:fontRef idx="minor">
-      <a:schemeClr val="tx1"/>
-    </cs:fontRef>
-    <cs:spPr>
-      <a:solidFill>
-        <a:schemeClr val="phClr"/>
-      </a:solidFill>
-    </cs:spPr>
-  </cs:dataPoint>
-  <cs:dataPoint3D>
-    <cs:lnRef idx="0"/>
-    <cs:fillRef idx="1">
-      <cs:styleClr val="auto"/>
-    </cs:fillRef>
-    <cs:effectRef idx="0"/>
-    <cs:fontRef idx="minor">
-      <a:schemeClr val="tx1"/>
-    </cs:fontRef>
-    <cs:spPr>
-      <a:solidFill>
-        <a:schemeClr val="phClr"/>
-      </a:solidFill>
-    </cs:spPr>
-  </cs:dataPoint3D>
-  <cs:dataPointLine>
-    <cs:lnRef idx="0">
-      <cs:styleClr val="auto"/>
-    </cs:lnRef>
-    <cs:fillRef idx="1"/>
-    <cs:effectRef idx="0"/>
-    <cs:fontRef idx="minor">
-      <a:schemeClr val="tx1"/>
-    </cs:fontRef>
-    <cs:spPr>
-      <a:ln w="28575" cap="rnd">
-        <a:solidFill>
-          <a:schemeClr val="phClr"/>
-        </a:solidFill>
-        <a:round/>
-      </a:ln>
-    </cs:spPr>
-  </cs:dataPointLine>
-  <cs:dataPointMarker>
-    <cs:lnRef idx="0">
-      <cs:styleClr val="auto"/>
-    </cs:lnRef>
-    <cs:fillRef idx="1">
-      <cs:styleClr val="auto"/>
-    </cs:fillRef>
-    <cs:effectRef idx="0"/>
-    <cs:fontRef idx="minor">
-      <a:schemeClr val="tx1"/>
-    </cs:fontRef>
-    <cs:spPr>
-      <a:solidFill>
-        <a:schemeClr val="phClr"/>
-      </a:solidFill>
-      <a:ln w="9525">
-        <a:solidFill>
-          <a:schemeClr val="phClr"/>
-        </a:solidFill>
-      </a:ln>
-    </cs:spPr>
-  </cs:dataPointMarker>
-  <cs:dataPointMarkerLayout symbol="circle" size="5"/>
-  <cs:dataPointWireframe>
-    <cs:lnRef idx="0">
-      <cs:styleClr val="auto"/>
-    </cs:lnRef>
-    <cs:fillRef idx="1"/>
-    <cs:effectRef idx="0"/>
-    <cs:fontRef idx="minor">
-      <a:schemeClr val="tx1"/>
-    </cs:fontRef>
-    <cs:spPr>
-      <a:ln w="9525" cap="rnd">
-        <a:solidFill>
-          <a:schemeClr val="phClr"/>
-        </a:solidFill>
-        <a:round/>
-      </a:ln>
-    </cs:spPr>
-  </cs:dataPointWireframe>
-  <cs:dataTable>
-    <cs:lnRef idx="0"/>
-    <cs:fillRef idx="0"/>
-    <cs:effectRef idx="0"/>
-    <cs:fontRef idx="minor">
-      <a:schemeClr val="tx1">
-        <a:lumMod val="65000"/>
-        <a:lumOff val="35000"/>
-      </a:schemeClr>
-    </cs:fontRef>
-    <cs:spPr>
-      <a:noFill/>
-      <a:ln w="9525" cap="flat" cmpd="sng" algn="ctr">
-        <a:solidFill>
-          <a:schemeClr val="tx1">
-            <a:lumMod val="15000"/>
-            <a:lumOff val="85000"/>
-          </a:schemeClr>
-        </a:solidFill>
-        <a:round/>
-      </a:ln>
-    </cs:spPr>
-    <cs:defRPr sz="900" kern="1200"/>
-  </cs:dataTable>
-  <cs:downBar>
-    <cs:lnRef idx="0"/>
-    <cs:fillRef idx="0"/>
-    <cs:effectRef idx="0"/>
-    <cs:fontRef idx="minor">
-      <a:schemeClr val="dk1"/>
-    </cs:fontRef>
-    <cs:spPr>
-      <a:solidFill>
-        <a:schemeClr val="dk1">
-          <a:lumMod val="65000"/>
-          <a:lumOff val="35000"/>
-        </a:schemeClr>
-      </a:solidFill>
-      <a:ln w="9525">
-        <a:solidFill>
-          <a:schemeClr val="tx1">
-            <a:lumMod val="65000"/>
-            <a:lumOff val="35000"/>
-          </a:schemeClr>
-        </a:solidFill>
-      </a:ln>
-    </cs:spPr>
-  </cs:downBar>
-  <cs:dropLine>
-    <cs:lnRef idx="0"/>
-    <cs:fillRef idx="0"/>
-    <cs:effectRef idx="0"/>
-    <cs:fontRef idx="minor">
-      <a:schemeClr val="tx1"/>
-    </cs:fontRef>
-    <cs:spPr>
-      <a:ln w="9525" cap="flat" cmpd="sng" algn="ctr">
-        <a:solidFill>
-          <a:schemeClr val="tx1">
-            <a:lumMod val="35000"/>
-            <a:lumOff val="65000"/>
-          </a:schemeClr>
-        </a:solidFill>
-        <a:round/>
-      </a:ln>
-    </cs:spPr>
-  </cs:dropLine>
-  <cs:errorBar>
-    <cs:lnRef idx="0"/>
-    <cs:fillRef idx="0"/>
-    <cs:effectRef idx="0"/>
-    <cs:fontRef idx="minor">
-      <a:schemeClr val="tx1"/>
-    </cs:fontRef>
-    <cs:spPr>
-      <a:ln w="9525" cap="flat" cmpd="sng" algn="ctr">
-        <a:solidFill>
-          <a:schemeClr val="tx1">
-            <a:lumMod val="65000"/>
-            <a:lumOff val="35000"/>
-          </a:schemeClr>
-        </a:solidFill>
-        <a:round/>
-      </a:ln>
-    </cs:spPr>
-  </cs:errorBar>
-  <cs:floor>
-    <cs:lnRef idx="0"/>
-    <cs:fillRef idx="0"/>
-    <cs:effectRef idx="0"/>
-    <cs:fontRef idx="minor">
-      <a:schemeClr val="tx1"/>
-    </cs:fontRef>
-    <cs:spPr>
-      <a:noFill/>
-      <a:ln>
-        <a:noFill/>
-      </a:ln>
-    </cs:spPr>
-  </cs:floor>
-  <cs:gridlineMajor>
-    <cs:lnRef idx="0"/>
-    <cs:fillRef idx="0"/>
-    <cs:effectRef idx="0"/>
-    <cs:fontRef idx="minor">
-      <a:schemeClr val="tx1"/>
-    </cs:fontRef>
-    <cs:spPr>
-      <a:ln w="9525" cap="flat" cmpd="sng" algn="ctr">
-        <a:solidFill>
-          <a:schemeClr val="tx1">
-            <a:lumMod val="15000"/>
-            <a:lumOff val="85000"/>
-          </a:schemeClr>
-        </a:solidFill>
-        <a:round/>
-      </a:ln>
-    </cs:spPr>
-  </cs:gridlineMajor>
-  <cs:gridlineMinor>
-    <cs:lnRef idx="0"/>
-    <cs:fillRef idx="0"/>
-    <cs:effectRef idx="0"/>
-    <cs:fontRef idx="minor">
-      <a:schemeClr val="tx1"/>
-    </cs:fontRef>
-    <cs:spPr>
-      <a:ln w="9525" cap="flat" cmpd="sng" algn="ctr">
-        <a:solidFill>
-          <a:schemeClr val="tx1">
-            <a:lumMod val="5000"/>
-            <a:lumOff val="95000"/>
-          </a:schemeClr>
-        </a:solidFill>
-        <a:round/>
-      </a:ln>
-    </cs:spPr>
-  </cs:gridlineMinor>
-  <cs:hiLoLine>
-    <cs:lnRef idx="0"/>
-    <cs:fillRef idx="0"/>
-    <cs:effectRef idx="0"/>
-    <cs:fontRef idx="minor">
-      <a:schemeClr val="tx1"/>
-    </cs:fontRef>
-    <cs:spPr>
-      <a:ln w="9525" cap="flat" cmpd="sng" algn="ctr">
-        <a:solidFill>
-          <a:schemeClr val="tx1">
-            <a:lumMod val="75000"/>
-            <a:lumOff val="25000"/>
-          </a:schemeClr>
-        </a:solidFill>
-        <a:round/>
-      </a:ln>
-    </cs:spPr>
-  </cs:hiLoLine>
-  <cs:leaderLine>
-    <cs:lnRef idx="0"/>
-    <cs:fillRef idx="0"/>
-    <cs:effectRef idx="0"/>
-    <cs:fontRef idx="minor">
-      <a:schemeClr val="tx1"/>
-    </cs:fontRef>
-    <cs:spPr>
-      <a:ln w="9525" cap="flat" cmpd="sng" algn="ctr">
-        <a:solidFill>
-          <a:schemeClr val="tx1">
-            <a:lumMod val="35000"/>
-            <a:lumOff val="65000"/>
-          </a:schemeClr>
-        </a:solidFill>
-        <a:round/>
-      </a:ln>
-    </cs:spPr>
-  </cs:leaderLine>
-  <cs:legend>
-    <cs:lnRef idx="0"/>
-    <cs:fillRef idx="0"/>
-    <cs:effectRef idx="0"/>
-    <cs:fontRef idx="minor">
-      <a:schemeClr val="tx1">
-        <a:lumMod val="65000"/>
-        <a:lumOff val="35000"/>
-      </a:schemeClr>
-    </cs:fontRef>
-    <cs:defRPr sz="900" kern="1200"/>
-  </cs:legend>
-  <cs:plotArea mods="allowNoFillOverride allowNoLineOverride">
-    <cs:lnRef idx="0"/>
-    <cs:fillRef idx="0"/>
-    <cs:effectRef idx="0"/>
-    <cs:fontRef idx="minor">
-      <a:schemeClr val="tx1"/>
-    </cs:fontRef>
-  </cs:plotArea>
-  <cs:plotArea3D mods="allowNoFillOverride allowNoLineOverride">
-    <cs:lnRef idx="0"/>
-    <cs:fillRef idx="0"/>
-    <cs:effectRef idx="0"/>
-    <cs:fontRef idx="minor">
-      <a:schemeClr val="tx1"/>
-    </cs:fontRef>
-  </cs:plotArea3D>
-  <cs:seriesAxis>
-    <cs:lnRef idx="0"/>
-    <cs:fillRef idx="0"/>
-    <cs:effectRef idx="0"/>
-    <cs:fontRef idx="minor">
-      <a:schemeClr val="tx1">
-        <a:lumMod val="65000"/>
-        <a:lumOff val="35000"/>
-      </a:schemeClr>
-    </cs:fontRef>
-    <cs:defRPr sz="900" kern="1200"/>
-  </cs:seriesAxis>
-  <cs:seriesLine>
-    <cs:lnRef idx="0"/>
-    <cs:fillRef idx="0"/>
-    <cs:effectRef idx="0"/>
-    <cs:fontRef idx="minor">
-      <a:schemeClr val="tx1"/>
-    </cs:fontRef>
-    <cs:spPr>
-      <a:ln w="9525" cap="flat" cmpd="sng" algn="ctr">
-        <a:solidFill>
-          <a:schemeClr val="tx1">
-            <a:lumMod val="35000"/>
-            <a:lumOff val="65000"/>
-          </a:schemeClr>
-        </a:solidFill>
-        <a:round/>
-      </a:ln>
-    </cs:spPr>
-  </cs:seriesLine>
-  <cs:title>
-    <cs:lnRef idx="0"/>
-    <cs:fillRef idx="0"/>
-    <cs:effectRef idx="0"/>
-    <cs:fontRef idx="minor">
-      <a:schemeClr val="tx1">
-        <a:lumMod val="65000"/>
-        <a:lumOff val="35000"/>
-      </a:schemeClr>
-    </cs:fontRef>
-    <cs:defRPr sz="1400" b="0" kern="1200" spc="0" baseline="0"/>
-  </cs:title>
-  <cs:trendline>
-    <cs:lnRef idx="0">
-      <cs:styleClr val="auto"/>
-    </cs:lnRef>
-    <cs:fillRef idx="0"/>
-    <cs:effectRef idx="0"/>
-    <cs:fontRef idx="minor">
-      <a:schemeClr val="tx1"/>
-    </cs:fontRef>
-    <cs:spPr>
-      <a:ln w="19050" cap="rnd">
-        <a:solidFill>
-          <a:schemeClr val="phClr"/>
-        </a:solidFill>
-        <a:prstDash val="sysDot"/>
-      </a:ln>
-    </cs:spPr>
-  </cs:trendline>
-  <cs:trendlineLabel>
-    <cs:lnRef idx="0"/>
-    <cs:fillRef idx="0"/>
-    <cs:effectRef idx="0"/>
-    <cs:fontRef idx="minor">
-      <a:schemeClr val="tx1">
-        <a:lumMod val="65000"/>
-        <a:lumOff val="35000"/>
-      </a:schemeClr>
-    </cs:fontRef>
-    <cs:defRPr sz="900" kern="1200"/>
-  </cs:trendlineLabel>
-  <cs:upBar>
-    <cs:lnRef idx="0"/>
-    <cs:fillRef idx="0"/>
-    <cs:effectRef idx="0"/>
-    <cs:fontRef idx="minor">
-      <a:schemeClr val="dk1"/>
-    </cs:fontRef>
-    <cs:spPr>
-      <a:solidFill>
-        <a:schemeClr val="lt1"/>
-      </a:solidFill>
-      <a:ln w="9525">
-        <a:solidFill>
-          <a:schemeClr val="tx1">
-            <a:lumMod val="15000"/>
-            <a:lumOff val="85000"/>
-          </a:schemeClr>
-        </a:solidFill>
-      </a:ln>
-    </cs:spPr>
-  </cs:upBar>
-  <cs:valueAxis>
-    <cs:lnRef idx="0"/>
-    <cs:fillRef idx="0"/>
-    <cs:effectRef idx="0"/>
-    <cs:fontRef idx="minor">
-      <a:schemeClr val="tx1">
-        <a:lumMod val="65000"/>
-        <a:lumOff val="35000"/>
-      </a:schemeClr>
-    </cs:fontRef>
-    <cs:defRPr sz="900" kern="1200"/>
-  </cs:valueAxis>
-  <cs:wall>
-    <cs:lnRef idx="0"/>
-    <cs:fillRef idx="0"/>
-    <cs:effectRef idx="0"/>
-    <cs:fontRef idx="minor">
-      <a:schemeClr val="tx1"/>
-    </cs:fontRef>
-    <cs:spPr>
-      <a:noFill/>
-      <a:ln>
-        <a:noFill/>
-      </a:ln>
-    </cs:spPr>
-  </cs:wall>
-</cs:chartStyle>
-</file>
-
-<file path=ppt/charts/style5.xml><?xml version="1.0" encoding="utf-8"?>
 <cs:chartStyle xmlns:cs="http://schemas.microsoft.com/office/drawing/2012/chartStyle" xmlns:a="http://schemas.openxmlformats.org/drawingml/2006/main" id="216">
   <cs:axisTitle>
     <cs:lnRef idx="0"/>
@@ -7407,7 +6306,7 @@
 </cs:chartStyle>
 </file>
 
-<file path=ppt/charts/style6.xml><?xml version="1.0" encoding="utf-8"?>
+<file path=ppt/charts/style5.xml><?xml version="1.0" encoding="utf-8"?>
 <cs:chartStyle xmlns:cs="http://schemas.microsoft.com/office/drawing/2012/chartStyle" xmlns:a="http://schemas.openxmlformats.org/drawingml/2006/main" id="227">
   <cs:axisTitle>
     <cs:lnRef idx="0"/>
@@ -8901,14 +7800,35 @@
         </dgm:presLayoutVars>
       </dgm:prSet>
       <dgm:spPr/>
+      <dgm:t>
+        <a:bodyPr/>
+        <a:lstStyle/>
+        <a:p>
+          <a:endParaRPr lang="zh-CN" altLang="en-US"/>
+        </a:p>
+      </dgm:t>
     </dgm:pt>
     <dgm:pt modelId="{F5FBEB52-F380-428F-A52B-E509B0B64D9B}" type="pres">
       <dgm:prSet presAssocID="{57469C12-5C4B-48CE-AD46-FC1CA7004065}" presName="sibTrans" presStyleLbl="sibTrans2D1" presStyleIdx="0" presStyleCnt="3"/>
       <dgm:spPr/>
+      <dgm:t>
+        <a:bodyPr/>
+        <a:lstStyle/>
+        <a:p>
+          <a:endParaRPr lang="zh-CN" altLang="en-US"/>
+        </a:p>
+      </dgm:t>
     </dgm:pt>
     <dgm:pt modelId="{96DF5000-9F48-48EC-9107-A264B373EF5E}" type="pres">
       <dgm:prSet presAssocID="{57469C12-5C4B-48CE-AD46-FC1CA7004065}" presName="connectorText" presStyleLbl="sibTrans2D1" presStyleIdx="0" presStyleCnt="3"/>
       <dgm:spPr/>
+      <dgm:t>
+        <a:bodyPr/>
+        <a:lstStyle/>
+        <a:p>
+          <a:endParaRPr lang="zh-CN" altLang="en-US"/>
+        </a:p>
+      </dgm:t>
     </dgm:pt>
     <dgm:pt modelId="{C0E9562A-38B6-48BE-BBEB-4E161EC0DBFD}" type="pres">
       <dgm:prSet presAssocID="{8B2E764A-92C6-4B1E-9D84-8D29DC5B21A1}" presName="node" presStyleLbl="node1" presStyleIdx="1" presStyleCnt="4">
@@ -8917,14 +7837,35 @@
         </dgm:presLayoutVars>
       </dgm:prSet>
       <dgm:spPr/>
+      <dgm:t>
+        <a:bodyPr/>
+        <a:lstStyle/>
+        <a:p>
+          <a:endParaRPr lang="zh-CN" altLang="en-US"/>
+        </a:p>
+      </dgm:t>
     </dgm:pt>
     <dgm:pt modelId="{13322237-082E-4490-97FF-33701BD566AA}" type="pres">
       <dgm:prSet presAssocID="{95E04DC7-38D0-4F98-828A-49DB6D41FCFE}" presName="sibTrans" presStyleLbl="sibTrans2D1" presStyleIdx="1" presStyleCnt="3"/>
       <dgm:spPr/>
+      <dgm:t>
+        <a:bodyPr/>
+        <a:lstStyle/>
+        <a:p>
+          <a:endParaRPr lang="zh-CN" altLang="en-US"/>
+        </a:p>
+      </dgm:t>
     </dgm:pt>
     <dgm:pt modelId="{34C5F464-5F72-4F15-8CB8-07862D0A373D}" type="pres">
       <dgm:prSet presAssocID="{95E04DC7-38D0-4F98-828A-49DB6D41FCFE}" presName="connectorText" presStyleLbl="sibTrans2D1" presStyleIdx="1" presStyleCnt="3"/>
       <dgm:spPr/>
+      <dgm:t>
+        <a:bodyPr/>
+        <a:lstStyle/>
+        <a:p>
+          <a:endParaRPr lang="zh-CN" altLang="en-US"/>
+        </a:p>
+      </dgm:t>
     </dgm:pt>
     <dgm:pt modelId="{0AA9CAC6-2DB3-4B8A-AD5B-0AF02683767A}" type="pres">
       <dgm:prSet presAssocID="{6ED9BF36-F960-4BD1-A760-8DBDF9ACE913}" presName="node" presStyleLbl="node1" presStyleIdx="2" presStyleCnt="4">
@@ -8933,14 +7874,35 @@
         </dgm:presLayoutVars>
       </dgm:prSet>
       <dgm:spPr/>
+      <dgm:t>
+        <a:bodyPr/>
+        <a:lstStyle/>
+        <a:p>
+          <a:endParaRPr lang="zh-CN" altLang="en-US"/>
+        </a:p>
+      </dgm:t>
     </dgm:pt>
     <dgm:pt modelId="{05762B8E-68C8-45C5-8D0B-537B9CEC70AB}" type="pres">
       <dgm:prSet presAssocID="{A3E3ABA7-439C-4CFF-955A-4443823C888F}" presName="sibTrans" presStyleLbl="sibTrans2D1" presStyleIdx="2" presStyleCnt="3"/>
       <dgm:spPr/>
+      <dgm:t>
+        <a:bodyPr/>
+        <a:lstStyle/>
+        <a:p>
+          <a:endParaRPr lang="zh-CN" altLang="en-US"/>
+        </a:p>
+      </dgm:t>
     </dgm:pt>
     <dgm:pt modelId="{15DF2781-EE69-4AE8-8792-FC50EE20C15F}" type="pres">
       <dgm:prSet presAssocID="{A3E3ABA7-439C-4CFF-955A-4443823C888F}" presName="connectorText" presStyleLbl="sibTrans2D1" presStyleIdx="2" presStyleCnt="3"/>
       <dgm:spPr/>
+      <dgm:t>
+        <a:bodyPr/>
+        <a:lstStyle/>
+        <a:p>
+          <a:endParaRPr lang="zh-CN" altLang="en-US"/>
+        </a:p>
+      </dgm:t>
     </dgm:pt>
     <dgm:pt modelId="{00ECC25C-1A37-4C4B-A711-265C9ABB41AA}" type="pres">
       <dgm:prSet presAssocID="{BA3277BA-6268-46BE-891D-7B3A7836C527}" presName="node" presStyleLbl="node1" presStyleIdx="3" presStyleCnt="4">
@@ -8949,23 +7911,30 @@
         </dgm:presLayoutVars>
       </dgm:prSet>
       <dgm:spPr/>
+      <dgm:t>
+        <a:bodyPr/>
+        <a:lstStyle/>
+        <a:p>
+          <a:endParaRPr lang="zh-CN" altLang="en-US"/>
+        </a:p>
+      </dgm:t>
     </dgm:pt>
   </dgm:ptLst>
   <dgm:cxnLst>
-    <dgm:cxn modelId="{6CCA9300-2437-456F-BC47-13D30F7E2626}" type="presOf" srcId="{95E04DC7-38D0-4F98-828A-49DB6D41FCFE}" destId="{13322237-082E-4490-97FF-33701BD566AA}" srcOrd="0" destOrd="0" presId="urn:microsoft.com/office/officeart/2005/8/layout/process1"/>
-    <dgm:cxn modelId="{3231A714-5A3B-4E02-B933-EBC69F2B5942}" type="presOf" srcId="{8B2E764A-92C6-4B1E-9D84-8D29DC5B21A1}" destId="{C0E9562A-38B6-48BE-BBEB-4E161EC0DBFD}" srcOrd="0" destOrd="0" presId="urn:microsoft.com/office/officeart/2005/8/layout/process1"/>
-    <dgm:cxn modelId="{4C257731-3B01-442E-B043-06AF0515FEDE}" srcId="{13D4CA22-DD91-441F-BC78-7929ABC9E3AC}" destId="{BA3277BA-6268-46BE-891D-7B3A7836C527}" srcOrd="3" destOrd="0" parTransId="{E552D259-0E9E-49F8-8785-EB5FF317691E}" sibTransId="{748CA9B2-49BF-4352-9DE8-E846DFBB68D8}"/>
+    <dgm:cxn modelId="{0FCD6540-B83A-41AB-88D6-C245E26EEB91}" type="presOf" srcId="{13D4CA22-DD91-441F-BC78-7929ABC9E3AC}" destId="{29AF6F8B-7CD5-43BE-94DF-2F27E7A49B10}" srcOrd="0" destOrd="0" presId="urn:microsoft.com/office/officeart/2005/8/layout/process1"/>
+    <dgm:cxn modelId="{E288176E-FBE0-43E4-BFCE-FBC5670FA43E}" srcId="{13D4CA22-DD91-441F-BC78-7929ABC9E3AC}" destId="{C4DC6DC8-739A-4621-BB9E-1D0BA230A116}" srcOrd="0" destOrd="0" parTransId="{F9EBB251-D3B8-492E-9A40-AEC105E61BC0}" sibTransId="{57469C12-5C4B-48CE-AD46-FC1CA7004065}"/>
+    <dgm:cxn modelId="{46BBE841-00B1-4EB4-88B7-0E7F2BD93DE4}" type="presOf" srcId="{57469C12-5C4B-48CE-AD46-FC1CA7004065}" destId="{F5FBEB52-F380-428F-A52B-E509B0B64D9B}" srcOrd="0" destOrd="0" presId="urn:microsoft.com/office/officeart/2005/8/layout/process1"/>
+    <dgm:cxn modelId="{4CB8FFD8-5D23-423C-A288-EE926094BB76}" type="presOf" srcId="{C4DC6DC8-739A-4621-BB9E-1D0BA230A116}" destId="{B3E20A99-0B80-4ABC-AC09-4D736D3CF5F2}" srcOrd="0" destOrd="0" presId="urn:microsoft.com/office/officeart/2005/8/layout/process1"/>
+    <dgm:cxn modelId="{18FCEFA3-F66B-448D-A188-52AE1DF2A0AC}" srcId="{13D4CA22-DD91-441F-BC78-7929ABC9E3AC}" destId="{8B2E764A-92C6-4B1E-9D84-8D29DC5B21A1}" srcOrd="1" destOrd="0" parTransId="{7D4CA78E-6C1F-4B9B-9AAD-0CF534DF5126}" sibTransId="{95E04DC7-38D0-4F98-828A-49DB6D41FCFE}"/>
+    <dgm:cxn modelId="{A790CE53-6536-460C-90FA-1D67B04F6460}" type="presOf" srcId="{A3E3ABA7-439C-4CFF-955A-4443823C888F}" destId="{15DF2781-EE69-4AE8-8792-FC50EE20C15F}" srcOrd="1" destOrd="0" presId="urn:microsoft.com/office/officeart/2005/8/layout/process1"/>
     <dgm:cxn modelId="{35C2BC38-DF0C-40D1-89FB-8CF291DE9A17}" type="presOf" srcId="{95E04DC7-38D0-4F98-828A-49DB6D41FCFE}" destId="{34C5F464-5F72-4F15-8CB8-07862D0A373D}" srcOrd="1" destOrd="0" presId="urn:microsoft.com/office/officeart/2005/8/layout/process1"/>
     <dgm:cxn modelId="{B836883A-C40F-4DCD-BCE9-0FA3398725F1}" type="presOf" srcId="{57469C12-5C4B-48CE-AD46-FC1CA7004065}" destId="{96DF5000-9F48-48EC-9107-A264B373EF5E}" srcOrd="1" destOrd="0" presId="urn:microsoft.com/office/officeart/2005/8/layout/process1"/>
-    <dgm:cxn modelId="{0FCD6540-B83A-41AB-88D6-C245E26EEB91}" type="presOf" srcId="{13D4CA22-DD91-441F-BC78-7929ABC9E3AC}" destId="{29AF6F8B-7CD5-43BE-94DF-2F27E7A49B10}" srcOrd="0" destOrd="0" presId="urn:microsoft.com/office/officeart/2005/8/layout/process1"/>
-    <dgm:cxn modelId="{46BBE841-00B1-4EB4-88B7-0E7F2BD93DE4}" type="presOf" srcId="{57469C12-5C4B-48CE-AD46-FC1CA7004065}" destId="{F5FBEB52-F380-428F-A52B-E509B0B64D9B}" srcOrd="0" destOrd="0" presId="urn:microsoft.com/office/officeart/2005/8/layout/process1"/>
     <dgm:cxn modelId="{707CA54D-2C5A-4ACB-9A7A-964D669038A2}" type="presOf" srcId="{A3E3ABA7-439C-4CFF-955A-4443823C888F}" destId="{05762B8E-68C8-45C5-8D0B-537B9CEC70AB}" srcOrd="0" destOrd="0" presId="urn:microsoft.com/office/officeart/2005/8/layout/process1"/>
-    <dgm:cxn modelId="{E288176E-FBE0-43E4-BFCE-FBC5670FA43E}" srcId="{13D4CA22-DD91-441F-BC78-7929ABC9E3AC}" destId="{C4DC6DC8-739A-4621-BB9E-1D0BA230A116}" srcOrd="0" destOrd="0" parTransId="{F9EBB251-D3B8-492E-9A40-AEC105E61BC0}" sibTransId="{57469C12-5C4B-48CE-AD46-FC1CA7004065}"/>
-    <dgm:cxn modelId="{A790CE53-6536-460C-90FA-1D67B04F6460}" type="presOf" srcId="{A3E3ABA7-439C-4CFF-955A-4443823C888F}" destId="{15DF2781-EE69-4AE8-8792-FC50EE20C15F}" srcOrd="1" destOrd="0" presId="urn:microsoft.com/office/officeart/2005/8/layout/process1"/>
+    <dgm:cxn modelId="{6CCA9300-2437-456F-BC47-13D30F7E2626}" type="presOf" srcId="{95E04DC7-38D0-4F98-828A-49DB6D41FCFE}" destId="{13322237-082E-4490-97FF-33701BD566AA}" srcOrd="0" destOrd="0" presId="urn:microsoft.com/office/officeart/2005/8/layout/process1"/>
+    <dgm:cxn modelId="{B1ECBC9A-45A6-48D1-B6F1-F6E4CDBCF1E6}" srcId="{13D4CA22-DD91-441F-BC78-7929ABC9E3AC}" destId="{6ED9BF36-F960-4BD1-A760-8DBDF9ACE913}" srcOrd="2" destOrd="0" parTransId="{03BCDE3C-D152-4E63-A5A1-2B64C3F3D91F}" sibTransId="{A3E3ABA7-439C-4CFF-955A-4443823C888F}"/>
+    <dgm:cxn modelId="{4C257731-3B01-442E-B043-06AF0515FEDE}" srcId="{13D4CA22-DD91-441F-BC78-7929ABC9E3AC}" destId="{BA3277BA-6268-46BE-891D-7B3A7836C527}" srcOrd="3" destOrd="0" parTransId="{E552D259-0E9E-49F8-8785-EB5FF317691E}" sibTransId="{748CA9B2-49BF-4352-9DE8-E846DFBB68D8}"/>
     <dgm:cxn modelId="{03B0B293-1715-488C-8D1C-2E10B27AA226}" type="presOf" srcId="{6ED9BF36-F960-4BD1-A760-8DBDF9ACE913}" destId="{0AA9CAC6-2DB3-4B8A-AD5B-0AF02683767A}" srcOrd="0" destOrd="0" presId="urn:microsoft.com/office/officeart/2005/8/layout/process1"/>
-    <dgm:cxn modelId="{B1ECBC9A-45A6-48D1-B6F1-F6E4CDBCF1E6}" srcId="{13D4CA22-DD91-441F-BC78-7929ABC9E3AC}" destId="{6ED9BF36-F960-4BD1-A760-8DBDF9ACE913}" srcOrd="2" destOrd="0" parTransId="{03BCDE3C-D152-4E63-A5A1-2B64C3F3D91F}" sibTransId="{A3E3ABA7-439C-4CFF-955A-4443823C888F}"/>
-    <dgm:cxn modelId="{18FCEFA3-F66B-448D-A188-52AE1DF2A0AC}" srcId="{13D4CA22-DD91-441F-BC78-7929ABC9E3AC}" destId="{8B2E764A-92C6-4B1E-9D84-8D29DC5B21A1}" srcOrd="1" destOrd="0" parTransId="{7D4CA78E-6C1F-4B9B-9AAD-0CF534DF5126}" sibTransId="{95E04DC7-38D0-4F98-828A-49DB6D41FCFE}"/>
-    <dgm:cxn modelId="{4CB8FFD8-5D23-423C-A288-EE926094BB76}" type="presOf" srcId="{C4DC6DC8-739A-4621-BB9E-1D0BA230A116}" destId="{B3E20A99-0B80-4ABC-AC09-4D736D3CF5F2}" srcOrd="0" destOrd="0" presId="urn:microsoft.com/office/officeart/2005/8/layout/process1"/>
+    <dgm:cxn modelId="{3231A714-5A3B-4E02-B933-EBC69F2B5942}" type="presOf" srcId="{8B2E764A-92C6-4B1E-9D84-8D29DC5B21A1}" destId="{C0E9562A-38B6-48BE-BBEB-4E161EC0DBFD}" srcOrd="0" destOrd="0" presId="urn:microsoft.com/office/officeart/2005/8/layout/process1"/>
     <dgm:cxn modelId="{37E5A6F2-0E47-4ECF-8302-62449B8D5BD3}" type="presOf" srcId="{BA3277BA-6268-46BE-891D-7B3A7836C527}" destId="{00ECC25C-1A37-4C4B-A711-265C9ABB41AA}" srcOrd="0" destOrd="0" presId="urn:microsoft.com/office/officeart/2005/8/layout/process1"/>
     <dgm:cxn modelId="{0936E105-B8BE-41C1-8CC9-FAD7B11AED1D}" type="presParOf" srcId="{29AF6F8B-7CD5-43BE-94DF-2F27E7A49B10}" destId="{B3E20A99-0B80-4ABC-AC09-4D736D3CF5F2}" srcOrd="0" destOrd="0" presId="urn:microsoft.com/office/officeart/2005/8/layout/process1"/>
     <dgm:cxn modelId="{3BC3C9E3-F425-4E72-9617-6D66D453C2A3}" type="presParOf" srcId="{29AF6F8B-7CD5-43BE-94DF-2F27E7A49B10}" destId="{F5FBEB52-F380-428F-A52B-E509B0B64D9B}" srcOrd="1" destOrd="0" presId="urn:microsoft.com/office/officeart/2005/8/layout/process1"/>
@@ -9053,7 +8022,7 @@
         </a:bodyPr>
         <a:lstStyle/>
         <a:p>
-          <a:pPr marL="0" lvl="0" indent="0" algn="ctr" defTabSz="622300">
+          <a:pPr lvl="0" algn="ctr" defTabSz="622300">
             <a:lnSpc>
               <a:spcPct val="90000"/>
             </a:lnSpc>
@@ -9063,7 +8032,6 @@
             <a:spcAft>
               <a:spcPct val="35000"/>
             </a:spcAft>
-            <a:buNone/>
           </a:pPr>
           <a:r>
             <a:rPr lang="en-US" altLang="zh-CN" sz="1400" kern="1200" dirty="0"/>
@@ -9127,7 +8095,7 @@
         </a:bodyPr>
         <a:lstStyle/>
         <a:p>
-          <a:pPr marL="0" lvl="0" indent="0" algn="ctr" defTabSz="488950">
+          <a:pPr lvl="0" algn="ctr" defTabSz="488950">
             <a:lnSpc>
               <a:spcPct val="90000"/>
             </a:lnSpc>
@@ -9137,7 +8105,6 @@
             <a:spcAft>
               <a:spcPct val="35000"/>
             </a:spcAft>
-            <a:buNone/>
           </a:pPr>
           <a:endParaRPr lang="zh-CN" altLang="en-US" sz="1100" kern="1200"/>
         </a:p>
@@ -9204,7 +8171,7 @@
         </a:bodyPr>
         <a:lstStyle/>
         <a:p>
-          <a:pPr marL="0" lvl="0" indent="0" algn="ctr" defTabSz="622300">
+          <a:pPr lvl="0" algn="ctr" defTabSz="622300">
             <a:lnSpc>
               <a:spcPct val="90000"/>
             </a:lnSpc>
@@ -9214,7 +8181,6 @@
             <a:spcAft>
               <a:spcPct val="35000"/>
             </a:spcAft>
-            <a:buNone/>
           </a:pPr>
           <a:r>
             <a:rPr lang="en-US" altLang="zh-CN" sz="1400" kern="1200" dirty="0"/>
@@ -9278,7 +8244,7 @@
         </a:bodyPr>
         <a:lstStyle/>
         <a:p>
-          <a:pPr marL="0" lvl="0" indent="0" algn="ctr" defTabSz="488950">
+          <a:pPr lvl="0" algn="ctr" defTabSz="488950">
             <a:lnSpc>
               <a:spcPct val="90000"/>
             </a:lnSpc>
@@ -9288,7 +8254,6 @@
             <a:spcAft>
               <a:spcPct val="35000"/>
             </a:spcAft>
-            <a:buNone/>
           </a:pPr>
           <a:endParaRPr lang="zh-CN" altLang="en-US" sz="1100" kern="1200"/>
         </a:p>
@@ -9355,7 +8320,7 @@
         </a:bodyPr>
         <a:lstStyle/>
         <a:p>
-          <a:pPr marL="0" lvl="0" indent="0" algn="ctr" defTabSz="622300">
+          <a:pPr lvl="0" algn="ctr" defTabSz="622300">
             <a:lnSpc>
               <a:spcPct val="90000"/>
             </a:lnSpc>
@@ -9365,7 +8330,6 @@
             <a:spcAft>
               <a:spcPct val="35000"/>
             </a:spcAft>
-            <a:buNone/>
           </a:pPr>
           <a:r>
             <a:rPr lang="en-US" altLang="zh-CN" sz="1400" kern="1200" dirty="0"/>
@@ -9429,7 +8393,7 @@
         </a:bodyPr>
         <a:lstStyle/>
         <a:p>
-          <a:pPr marL="0" lvl="0" indent="0" algn="ctr" defTabSz="488950">
+          <a:pPr lvl="0" algn="ctr" defTabSz="488950">
             <a:lnSpc>
               <a:spcPct val="90000"/>
             </a:lnSpc>
@@ -9439,7 +8403,6 @@
             <a:spcAft>
               <a:spcPct val="35000"/>
             </a:spcAft>
-            <a:buNone/>
           </a:pPr>
           <a:endParaRPr lang="zh-CN" altLang="en-US" sz="1100" kern="1200"/>
         </a:p>
@@ -9506,7 +8469,7 @@
         </a:bodyPr>
         <a:lstStyle/>
         <a:p>
-          <a:pPr marL="0" lvl="0" indent="0" algn="ctr" defTabSz="622300">
+          <a:pPr lvl="0" algn="ctr" defTabSz="622300">
             <a:lnSpc>
               <a:spcPct val="90000"/>
             </a:lnSpc>
@@ -9516,7 +8479,6 @@
             <a:spcAft>
               <a:spcPct val="35000"/>
             </a:spcAft>
-            <a:buNone/>
           </a:pPr>
           <a:r>
             <a:rPr lang="en-US" altLang="zh-CN" sz="1400" kern="1200" dirty="0"/>
@@ -10744,7 +9706,7 @@
           <p:cNvPr id="2" name="頁首版面配置區 1">
             <a:extLst>
               <a:ext uri="{FF2B5EF4-FFF2-40B4-BE49-F238E27FC236}">
-                <a16:creationId xmlns:a16="http://schemas.microsoft.com/office/drawing/2014/main" id="{E76CB522-063C-4334-8637-97AE96CE7E41}"/>
+                <a16:creationId xmlns="" xmlns:a16="http://schemas.microsoft.com/office/drawing/2014/main" id="{E76CB522-063C-4334-8637-97AE96CE7E41}"/>
               </a:ext>
             </a:extLst>
           </p:cNvPr>
@@ -10785,7 +9747,7 @@
           <p:cNvPr id="3" name="日期版面配置區 2">
             <a:extLst>
               <a:ext uri="{FF2B5EF4-FFF2-40B4-BE49-F238E27FC236}">
-                <a16:creationId xmlns:a16="http://schemas.microsoft.com/office/drawing/2014/main" id="{1FF28336-5BB1-4345-A8B6-A9CB3F1E0B20}"/>
+                <a16:creationId xmlns="" xmlns:a16="http://schemas.microsoft.com/office/drawing/2014/main" id="{1FF28336-5BB1-4345-A8B6-A9CB3F1E0B20}"/>
               </a:ext>
             </a:extLst>
           </p:cNvPr>
@@ -10825,7 +9787,7 @@
               <a:pPr>
                 <a:defRPr/>
               </a:pPr>
-              <a:t>6/1/2018</a:t>
+              <a:t>6/3/2018</a:t>
             </a:fld>
             <a:endParaRPr lang="en-US" altLang="zh-CN"/>
           </a:p>
@@ -10836,7 +9798,7 @@
           <p:cNvPr id="4" name="頁尾版面配置區 3">
             <a:extLst>
               <a:ext uri="{FF2B5EF4-FFF2-40B4-BE49-F238E27FC236}">
-                <a16:creationId xmlns:a16="http://schemas.microsoft.com/office/drawing/2014/main" id="{47BB12A5-DAD5-481C-9C8E-5F5C317E84F6}"/>
+                <a16:creationId xmlns="" xmlns:a16="http://schemas.microsoft.com/office/drawing/2014/main" id="{47BB12A5-DAD5-481C-9C8E-5F5C317E84F6}"/>
               </a:ext>
             </a:extLst>
           </p:cNvPr>
@@ -10877,7 +9839,7 @@
           <p:cNvPr id="5" name="投影片編號版面配置區 4">
             <a:extLst>
               <a:ext uri="{FF2B5EF4-FFF2-40B4-BE49-F238E27FC236}">
-                <a16:creationId xmlns:a16="http://schemas.microsoft.com/office/drawing/2014/main" id="{C0FA3E16-78E2-4232-9D50-BE176A269F88}"/>
+                <a16:creationId xmlns="" xmlns:a16="http://schemas.microsoft.com/office/drawing/2014/main" id="{C0FA3E16-78E2-4232-9D50-BE176A269F88}"/>
               </a:ext>
             </a:extLst>
           </p:cNvPr>
@@ -10924,6 +9886,11 @@
         </p:txBody>
       </p:sp>
     </p:spTree>
+    <p:extLst>
+      <p:ext uri="{BB962C8B-B14F-4D97-AF65-F5344CB8AC3E}">
+        <p14:creationId xmlns:p14="http://schemas.microsoft.com/office/powerpoint/2010/main" val="1461421375"/>
+      </p:ext>
+    </p:extLst>
   </p:cSld>
   <p:clrMap bg1="lt1" tx1="dk1" bg2="lt2" tx2="dk2" accent1="accent1" accent2="accent2" accent3="accent3" accent4="accent4" accent5="accent5" accent6="accent6" hlink="hlink" folHlink="folHlink"/>
   <p:hf hdr="0" ftr="0" dt="0"/>
@@ -10960,7 +9927,7 @@
           <p:cNvPr id="7170" name="Rectangle 2">
             <a:extLst>
               <a:ext uri="{FF2B5EF4-FFF2-40B4-BE49-F238E27FC236}">
-                <a16:creationId xmlns:a16="http://schemas.microsoft.com/office/drawing/2014/main" id="{3C49F939-3C39-479D-944D-4415793FC36E}"/>
+                <a16:creationId xmlns="" xmlns:a16="http://schemas.microsoft.com/office/drawing/2014/main" id="{3C49F939-3C39-479D-944D-4415793FC36E}"/>
               </a:ext>
             </a:extLst>
           </p:cNvPr>
@@ -11014,7 +9981,7 @@
           <p:cNvPr id="7171" name="Rectangle 3">
             <a:extLst>
               <a:ext uri="{FF2B5EF4-FFF2-40B4-BE49-F238E27FC236}">
-                <a16:creationId xmlns:a16="http://schemas.microsoft.com/office/drawing/2014/main" id="{3FB9CBBF-A2B5-4E64-A6B5-E8484880BBE3}"/>
+                <a16:creationId xmlns="" xmlns:a16="http://schemas.microsoft.com/office/drawing/2014/main" id="{3FB9CBBF-A2B5-4E64-A6B5-E8484880BBE3}"/>
               </a:ext>
             </a:extLst>
           </p:cNvPr>
@@ -11068,7 +10035,7 @@
           <p:cNvPr id="3076" name="Rectangle 4">
             <a:extLst>
               <a:ext uri="{FF2B5EF4-FFF2-40B4-BE49-F238E27FC236}">
-                <a16:creationId xmlns:a16="http://schemas.microsoft.com/office/drawing/2014/main" id="{87D7CD1D-83A5-461F-B699-103997521F9A}"/>
+                <a16:creationId xmlns="" xmlns:a16="http://schemas.microsoft.com/office/drawing/2014/main" id="{87D7CD1D-83A5-461F-B699-103997521F9A}"/>
               </a:ext>
             </a:extLst>
           </p:cNvPr>
@@ -11112,7 +10079,7 @@
           <p:cNvPr id="7173" name="Rectangle 5">
             <a:extLst>
               <a:ext uri="{FF2B5EF4-FFF2-40B4-BE49-F238E27FC236}">
-                <a16:creationId xmlns:a16="http://schemas.microsoft.com/office/drawing/2014/main" id="{577B9827-BA1E-4004-95E2-BBB1034A4168}"/>
+                <a16:creationId xmlns="" xmlns:a16="http://schemas.microsoft.com/office/drawing/2014/main" id="{577B9827-BA1E-4004-95E2-BBB1034A4168}"/>
               </a:ext>
             </a:extLst>
           </p:cNvPr>
@@ -11189,7 +10156,7 @@
           <p:cNvPr id="7174" name="Rectangle 6">
             <a:extLst>
               <a:ext uri="{FF2B5EF4-FFF2-40B4-BE49-F238E27FC236}">
-                <a16:creationId xmlns:a16="http://schemas.microsoft.com/office/drawing/2014/main" id="{6579FDA9-7F25-4C42-B37F-2BE0A8025C9D}"/>
+                <a16:creationId xmlns="" xmlns:a16="http://schemas.microsoft.com/office/drawing/2014/main" id="{6579FDA9-7F25-4C42-B37F-2BE0A8025C9D}"/>
               </a:ext>
             </a:extLst>
           </p:cNvPr>
@@ -11243,7 +10210,7 @@
           <p:cNvPr id="7175" name="Rectangle 7">
             <a:extLst>
               <a:ext uri="{FF2B5EF4-FFF2-40B4-BE49-F238E27FC236}">
-                <a16:creationId xmlns:a16="http://schemas.microsoft.com/office/drawing/2014/main" id="{8594F320-7541-47E1-8974-4F6AF22707CE}"/>
+                <a16:creationId xmlns="" xmlns:a16="http://schemas.microsoft.com/office/drawing/2014/main" id="{8594F320-7541-47E1-8974-4F6AF22707CE}"/>
               </a:ext>
             </a:extLst>
           </p:cNvPr>
@@ -11298,6 +10265,11 @@
         </p:txBody>
       </p:sp>
     </p:spTree>
+    <p:extLst>
+      <p:ext uri="{BB962C8B-B14F-4D97-AF65-F5344CB8AC3E}">
+        <p14:creationId xmlns:p14="http://schemas.microsoft.com/office/powerpoint/2010/main" val="1063113707"/>
+      </p:ext>
+    </p:extLst>
   </p:cSld>
   <p:clrMap bg1="lt1" tx1="dk1" bg2="lt2" tx2="dk2" accent1="accent1" accent2="accent2" accent3="accent3" accent4="accent4" accent5="accent5" accent6="accent6" hlink="hlink" folHlink="folHlink"/>
   <p:hf hdr="0" ftr="0" dt="0"/>
@@ -11448,7 +10420,7 @@
           <p:cNvPr id="6146" name="投影片圖像版面配置區 1">
             <a:extLst>
               <a:ext uri="{FF2B5EF4-FFF2-40B4-BE49-F238E27FC236}">
-                <a16:creationId xmlns:a16="http://schemas.microsoft.com/office/drawing/2014/main" id="{EC3C8F7D-833E-43DE-A6AC-EF11F4306F0C}"/>
+                <a16:creationId xmlns="" xmlns:a16="http://schemas.microsoft.com/office/drawing/2014/main" id="{EC3C8F7D-833E-43DE-A6AC-EF11F4306F0C}"/>
               </a:ext>
             </a:extLst>
           </p:cNvPr>
@@ -11468,7 +10440,7 @@
           <p:cNvPr id="6147" name="備忘稿版面配置區 2">
             <a:extLst>
               <a:ext uri="{FF2B5EF4-FFF2-40B4-BE49-F238E27FC236}">
-                <a16:creationId xmlns:a16="http://schemas.microsoft.com/office/drawing/2014/main" id="{389768CC-7F5A-49CE-AFE7-AA960A3C4774}"/>
+                <a16:creationId xmlns="" xmlns:a16="http://schemas.microsoft.com/office/drawing/2014/main" id="{389768CC-7F5A-49CE-AFE7-AA960A3C4774}"/>
               </a:ext>
             </a:extLst>
           </p:cNvPr>
@@ -11517,7 +10489,7 @@
           <p:cNvPr id="6148" name="投影片編號版面配置區 3">
             <a:extLst>
               <a:ext uri="{FF2B5EF4-FFF2-40B4-BE49-F238E27FC236}">
-                <a16:creationId xmlns:a16="http://schemas.microsoft.com/office/drawing/2014/main" id="{5BA5B0CF-DD84-460E-9ADC-5E6EE6C76D3A}"/>
+                <a16:creationId xmlns="" xmlns:a16="http://schemas.microsoft.com/office/drawing/2014/main" id="{5BA5B0CF-DD84-460E-9ADC-5E6EE6C76D3A}"/>
               </a:ext>
             </a:extLst>
           </p:cNvPr>
@@ -11662,6 +10634,11 @@
         </p:txBody>
       </p:sp>
     </p:spTree>
+    <p:extLst>
+      <p:ext uri="{BB962C8B-B14F-4D97-AF65-F5344CB8AC3E}">
+        <p14:creationId xmlns:p14="http://schemas.microsoft.com/office/powerpoint/2010/main" val="1795937601"/>
+      </p:ext>
+    </p:extLst>
   </p:cSld>
   <p:clrMapOvr>
     <a:masterClrMapping/>
@@ -11691,7 +10668,7 @@
           <p:cNvPr id="4" name="Freeform 7">
             <a:extLst>
               <a:ext uri="{FF2B5EF4-FFF2-40B4-BE49-F238E27FC236}">
-                <a16:creationId xmlns:a16="http://schemas.microsoft.com/office/drawing/2014/main" id="{750F7EFC-738B-40F4-9228-80138CA09E8F}"/>
+                <a16:creationId xmlns="" xmlns:a16="http://schemas.microsoft.com/office/drawing/2014/main" id="{750F7EFC-738B-40F4-9228-80138CA09E8F}"/>
               </a:ext>
             </a:extLst>
           </p:cNvPr>
@@ -11778,7 +10755,7 @@
           <p:cNvPr id="5" name="Line 8">
             <a:extLst>
               <a:ext uri="{FF2B5EF4-FFF2-40B4-BE49-F238E27FC236}">
-                <a16:creationId xmlns:a16="http://schemas.microsoft.com/office/drawing/2014/main" id="{A8BF059F-E7DC-474A-BE4E-D8D52EB414AC}"/>
+                <a16:creationId xmlns="" xmlns:a16="http://schemas.microsoft.com/office/drawing/2014/main" id="{A8BF059F-E7DC-474A-BE4E-D8D52EB414AC}"/>
               </a:ext>
             </a:extLst>
           </p:cNvPr>
@@ -11889,7 +10866,7 @@
           <p:cNvPr id="6" name="Rectangle 4">
             <a:extLst>
               <a:ext uri="{FF2B5EF4-FFF2-40B4-BE49-F238E27FC236}">
-                <a16:creationId xmlns:a16="http://schemas.microsoft.com/office/drawing/2014/main" id="{FBB55CE5-91D8-4D08-83DA-0DEDB2ADFC0A}"/>
+                <a16:creationId xmlns="" xmlns:a16="http://schemas.microsoft.com/office/drawing/2014/main" id="{FBB55CE5-91D8-4D08-83DA-0DEDB2ADFC0A}"/>
               </a:ext>
             </a:extLst>
           </p:cNvPr>
@@ -11917,7 +10894,7 @@
               <a:pPr>
                 <a:defRPr/>
               </a:pPr>
-              <a:t>6/1/2018</a:t>
+              <a:t>6/3/2018</a:t>
             </a:fld>
             <a:endParaRPr lang="en-US" altLang="en-US"/>
           </a:p>
@@ -11928,7 +10905,7 @@
           <p:cNvPr id="7" name="Rectangle 5">
             <a:extLst>
               <a:ext uri="{FF2B5EF4-FFF2-40B4-BE49-F238E27FC236}">
-                <a16:creationId xmlns:a16="http://schemas.microsoft.com/office/drawing/2014/main" id="{C58A5409-A0DD-4267-9925-17BCB34C939B}"/>
+                <a16:creationId xmlns="" xmlns:a16="http://schemas.microsoft.com/office/drawing/2014/main" id="{C58A5409-A0DD-4267-9925-17BCB34C939B}"/>
               </a:ext>
             </a:extLst>
           </p:cNvPr>
@@ -11968,7 +10945,7 @@
           <p:cNvPr id="8" name="Rectangle 6">
             <a:extLst>
               <a:ext uri="{FF2B5EF4-FFF2-40B4-BE49-F238E27FC236}">
-                <a16:creationId xmlns:a16="http://schemas.microsoft.com/office/drawing/2014/main" id="{B0C2239C-9B9F-446B-8FD7-2836F0894AA8}"/>
+                <a16:creationId xmlns="" xmlns:a16="http://schemas.microsoft.com/office/drawing/2014/main" id="{B0C2239C-9B9F-446B-8FD7-2836F0894AA8}"/>
               </a:ext>
             </a:extLst>
           </p:cNvPr>
@@ -12110,7 +11087,7 @@
           <p:cNvPr id="4" name="Rectangle 4">
             <a:extLst>
               <a:ext uri="{FF2B5EF4-FFF2-40B4-BE49-F238E27FC236}">
-                <a16:creationId xmlns:a16="http://schemas.microsoft.com/office/drawing/2014/main" id="{37BC324B-21BF-46E8-979C-0D030E9B739A}"/>
+                <a16:creationId xmlns="" xmlns:a16="http://schemas.microsoft.com/office/drawing/2014/main" id="{37BC324B-21BF-46E8-979C-0D030E9B739A}"/>
               </a:ext>
             </a:extLst>
           </p:cNvPr>
@@ -12140,7 +11117,7 @@
               <a:pPr>
                 <a:defRPr/>
               </a:pPr>
-              <a:t>6/1/2018</a:t>
+              <a:t>6/3/2018</a:t>
             </a:fld>
             <a:endParaRPr lang="en-US" altLang="en-US"/>
           </a:p>
@@ -12151,7 +11128,7 @@
           <p:cNvPr id="5" name="Rectangle 5">
             <a:extLst>
               <a:ext uri="{FF2B5EF4-FFF2-40B4-BE49-F238E27FC236}">
-                <a16:creationId xmlns:a16="http://schemas.microsoft.com/office/drawing/2014/main" id="{DDB84B02-B344-4624-87BA-EA01364FB784}"/>
+                <a16:creationId xmlns="" xmlns:a16="http://schemas.microsoft.com/office/drawing/2014/main" id="{DDB84B02-B344-4624-87BA-EA01364FB784}"/>
               </a:ext>
             </a:extLst>
           </p:cNvPr>
@@ -12188,7 +11165,7 @@
           <p:cNvPr id="6" name="Rectangle 6">
             <a:extLst>
               <a:ext uri="{FF2B5EF4-FFF2-40B4-BE49-F238E27FC236}">
-                <a16:creationId xmlns:a16="http://schemas.microsoft.com/office/drawing/2014/main" id="{C70ED082-D478-4A11-8003-89087A2F42C9}"/>
+                <a16:creationId xmlns="" xmlns:a16="http://schemas.microsoft.com/office/drawing/2014/main" id="{C70ED082-D478-4A11-8003-89087A2F42C9}"/>
               </a:ext>
             </a:extLst>
           </p:cNvPr>
@@ -12342,7 +11319,7 @@
           <p:cNvPr id="4" name="Rectangle 4">
             <a:extLst>
               <a:ext uri="{FF2B5EF4-FFF2-40B4-BE49-F238E27FC236}">
-                <a16:creationId xmlns:a16="http://schemas.microsoft.com/office/drawing/2014/main" id="{5E9577C0-2E7B-488E-A10E-3BBD17FE4AF3}"/>
+                <a16:creationId xmlns="" xmlns:a16="http://schemas.microsoft.com/office/drawing/2014/main" id="{5E9577C0-2E7B-488E-A10E-3BBD17FE4AF3}"/>
               </a:ext>
             </a:extLst>
           </p:cNvPr>
@@ -12372,7 +11349,7 @@
               <a:pPr>
                 <a:defRPr/>
               </a:pPr>
-              <a:t>6/1/2018</a:t>
+              <a:t>6/3/2018</a:t>
             </a:fld>
             <a:endParaRPr lang="en-US" altLang="en-US"/>
           </a:p>
@@ -12383,7 +11360,7 @@
           <p:cNvPr id="5" name="Rectangle 5">
             <a:extLst>
               <a:ext uri="{FF2B5EF4-FFF2-40B4-BE49-F238E27FC236}">
-                <a16:creationId xmlns:a16="http://schemas.microsoft.com/office/drawing/2014/main" id="{D4B3C37B-B762-468B-BA68-1DDAF00C018E}"/>
+                <a16:creationId xmlns="" xmlns:a16="http://schemas.microsoft.com/office/drawing/2014/main" id="{D4B3C37B-B762-468B-BA68-1DDAF00C018E}"/>
               </a:ext>
             </a:extLst>
           </p:cNvPr>
@@ -12420,7 +11397,7 @@
           <p:cNvPr id="6" name="Rectangle 6">
             <a:extLst>
               <a:ext uri="{FF2B5EF4-FFF2-40B4-BE49-F238E27FC236}">
-                <a16:creationId xmlns:a16="http://schemas.microsoft.com/office/drawing/2014/main" id="{0760838C-7777-4119-88CD-4E09EC6ABAF3}"/>
+                <a16:creationId xmlns="" xmlns:a16="http://schemas.microsoft.com/office/drawing/2014/main" id="{0760838C-7777-4119-88CD-4E09EC6ABAF3}"/>
               </a:ext>
             </a:extLst>
           </p:cNvPr>
@@ -12564,7 +11541,7 @@
           <p:cNvPr id="4" name="Rectangle 4">
             <a:extLst>
               <a:ext uri="{FF2B5EF4-FFF2-40B4-BE49-F238E27FC236}">
-                <a16:creationId xmlns:a16="http://schemas.microsoft.com/office/drawing/2014/main" id="{049B014D-7241-4E18-AB5A-4C46ED058690}"/>
+                <a16:creationId xmlns="" xmlns:a16="http://schemas.microsoft.com/office/drawing/2014/main" id="{049B014D-7241-4E18-AB5A-4C46ED058690}"/>
               </a:ext>
             </a:extLst>
           </p:cNvPr>
@@ -12594,7 +11571,7 @@
               <a:pPr>
                 <a:defRPr/>
               </a:pPr>
-              <a:t>6/1/2018</a:t>
+              <a:t>6/3/2018</a:t>
             </a:fld>
             <a:endParaRPr lang="en-US" altLang="en-US"/>
           </a:p>
@@ -12605,7 +11582,7 @@
           <p:cNvPr id="5" name="Rectangle 5">
             <a:extLst>
               <a:ext uri="{FF2B5EF4-FFF2-40B4-BE49-F238E27FC236}">
-                <a16:creationId xmlns:a16="http://schemas.microsoft.com/office/drawing/2014/main" id="{47722A8C-F6DB-41A2-9448-70324F8B326D}"/>
+                <a16:creationId xmlns="" xmlns:a16="http://schemas.microsoft.com/office/drawing/2014/main" id="{47722A8C-F6DB-41A2-9448-70324F8B326D}"/>
               </a:ext>
             </a:extLst>
           </p:cNvPr>
@@ -12642,7 +11619,7 @@
           <p:cNvPr id="6" name="Rectangle 6">
             <a:extLst>
               <a:ext uri="{FF2B5EF4-FFF2-40B4-BE49-F238E27FC236}">
-                <a16:creationId xmlns:a16="http://schemas.microsoft.com/office/drawing/2014/main" id="{DDCE198D-04AD-48C0-84E7-17D0BF50DC5F}"/>
+                <a16:creationId xmlns="" xmlns:a16="http://schemas.microsoft.com/office/drawing/2014/main" id="{DDCE198D-04AD-48C0-84E7-17D0BF50DC5F}"/>
               </a:ext>
             </a:extLst>
           </p:cNvPr>
@@ -12809,7 +11786,7 @@
           <p:cNvPr id="4" name="Rectangle 4">
             <a:extLst>
               <a:ext uri="{FF2B5EF4-FFF2-40B4-BE49-F238E27FC236}">
-                <a16:creationId xmlns:a16="http://schemas.microsoft.com/office/drawing/2014/main" id="{6140A0DF-FC79-4CCC-B828-C4D50483270F}"/>
+                <a16:creationId xmlns="" xmlns:a16="http://schemas.microsoft.com/office/drawing/2014/main" id="{6140A0DF-FC79-4CCC-B828-C4D50483270F}"/>
               </a:ext>
             </a:extLst>
           </p:cNvPr>
@@ -12839,7 +11816,7 @@
               <a:pPr>
                 <a:defRPr/>
               </a:pPr>
-              <a:t>6/1/2018</a:t>
+              <a:t>6/3/2018</a:t>
             </a:fld>
             <a:endParaRPr lang="en-US" altLang="en-US"/>
           </a:p>
@@ -12850,7 +11827,7 @@
           <p:cNvPr id="5" name="Rectangle 5">
             <a:extLst>
               <a:ext uri="{FF2B5EF4-FFF2-40B4-BE49-F238E27FC236}">
-                <a16:creationId xmlns:a16="http://schemas.microsoft.com/office/drawing/2014/main" id="{B3CB3378-EC84-499D-8783-5F96E8F395F2}"/>
+                <a16:creationId xmlns="" xmlns:a16="http://schemas.microsoft.com/office/drawing/2014/main" id="{B3CB3378-EC84-499D-8783-5F96E8F395F2}"/>
               </a:ext>
             </a:extLst>
           </p:cNvPr>
@@ -12887,7 +11864,7 @@
           <p:cNvPr id="6" name="Rectangle 6">
             <a:extLst>
               <a:ext uri="{FF2B5EF4-FFF2-40B4-BE49-F238E27FC236}">
-                <a16:creationId xmlns:a16="http://schemas.microsoft.com/office/drawing/2014/main" id="{D6BD10CE-E746-4821-9F60-9AB249B1BD38}"/>
+                <a16:creationId xmlns="" xmlns:a16="http://schemas.microsoft.com/office/drawing/2014/main" id="{D6BD10CE-E746-4821-9F60-9AB249B1BD38}"/>
               </a:ext>
             </a:extLst>
           </p:cNvPr>
@@ -13148,7 +12125,7 @@
           <p:cNvPr id="5" name="Rectangle 4">
             <a:extLst>
               <a:ext uri="{FF2B5EF4-FFF2-40B4-BE49-F238E27FC236}">
-                <a16:creationId xmlns:a16="http://schemas.microsoft.com/office/drawing/2014/main" id="{1A6810D0-2ACA-402F-B6BE-1FEC9EC74019}"/>
+                <a16:creationId xmlns="" xmlns:a16="http://schemas.microsoft.com/office/drawing/2014/main" id="{1A6810D0-2ACA-402F-B6BE-1FEC9EC74019}"/>
               </a:ext>
             </a:extLst>
           </p:cNvPr>
@@ -13178,7 +12155,7 @@
               <a:pPr>
                 <a:defRPr/>
               </a:pPr>
-              <a:t>6/1/2018</a:t>
+              <a:t>6/3/2018</a:t>
             </a:fld>
             <a:endParaRPr lang="en-US" altLang="en-US"/>
           </a:p>
@@ -13189,7 +12166,7 @@
           <p:cNvPr id="6" name="Rectangle 5">
             <a:extLst>
               <a:ext uri="{FF2B5EF4-FFF2-40B4-BE49-F238E27FC236}">
-                <a16:creationId xmlns:a16="http://schemas.microsoft.com/office/drawing/2014/main" id="{8BF396A8-A290-48E2-A3E8-03A0A0056749}"/>
+                <a16:creationId xmlns="" xmlns:a16="http://schemas.microsoft.com/office/drawing/2014/main" id="{8BF396A8-A290-48E2-A3E8-03A0A0056749}"/>
               </a:ext>
             </a:extLst>
           </p:cNvPr>
@@ -13226,7 +12203,7 @@
           <p:cNvPr id="7" name="Rectangle 6">
             <a:extLst>
               <a:ext uri="{FF2B5EF4-FFF2-40B4-BE49-F238E27FC236}">
-                <a16:creationId xmlns:a16="http://schemas.microsoft.com/office/drawing/2014/main" id="{87051A76-03F9-4828-B950-7A2D88B17274}"/>
+                <a16:creationId xmlns="" xmlns:a16="http://schemas.microsoft.com/office/drawing/2014/main" id="{87051A76-03F9-4828-B950-7A2D88B17274}"/>
               </a:ext>
             </a:extLst>
           </p:cNvPr>
@@ -13626,7 +12603,7 @@
           <p:cNvPr id="7" name="Rectangle 4">
             <a:extLst>
               <a:ext uri="{FF2B5EF4-FFF2-40B4-BE49-F238E27FC236}">
-                <a16:creationId xmlns:a16="http://schemas.microsoft.com/office/drawing/2014/main" id="{AF525112-F03B-4073-BAC4-872C33216E32}"/>
+                <a16:creationId xmlns="" xmlns:a16="http://schemas.microsoft.com/office/drawing/2014/main" id="{AF525112-F03B-4073-BAC4-872C33216E32}"/>
               </a:ext>
             </a:extLst>
           </p:cNvPr>
@@ -13656,7 +12633,7 @@
               <a:pPr>
                 <a:defRPr/>
               </a:pPr>
-              <a:t>6/1/2018</a:t>
+              <a:t>6/3/2018</a:t>
             </a:fld>
             <a:endParaRPr lang="en-US" altLang="en-US"/>
           </a:p>
@@ -13667,7 +12644,7 @@
           <p:cNvPr id="8" name="Rectangle 5">
             <a:extLst>
               <a:ext uri="{FF2B5EF4-FFF2-40B4-BE49-F238E27FC236}">
-                <a16:creationId xmlns:a16="http://schemas.microsoft.com/office/drawing/2014/main" id="{C7C32BD4-CE63-4425-BE82-11E5CC1F4AF0}"/>
+                <a16:creationId xmlns="" xmlns:a16="http://schemas.microsoft.com/office/drawing/2014/main" id="{C7C32BD4-CE63-4425-BE82-11E5CC1F4AF0}"/>
               </a:ext>
             </a:extLst>
           </p:cNvPr>
@@ -13704,7 +12681,7 @@
           <p:cNvPr id="9" name="Rectangle 6">
             <a:extLst>
               <a:ext uri="{FF2B5EF4-FFF2-40B4-BE49-F238E27FC236}">
-                <a16:creationId xmlns:a16="http://schemas.microsoft.com/office/drawing/2014/main" id="{1D1371EF-C441-4B96-A23A-A7AC3C829D04}"/>
+                <a16:creationId xmlns="" xmlns:a16="http://schemas.microsoft.com/office/drawing/2014/main" id="{1D1371EF-C441-4B96-A23A-A7AC3C829D04}"/>
               </a:ext>
             </a:extLst>
           </p:cNvPr>
@@ -13797,7 +12774,7 @@
           <p:cNvPr id="3" name="Rectangle 4">
             <a:extLst>
               <a:ext uri="{FF2B5EF4-FFF2-40B4-BE49-F238E27FC236}">
-                <a16:creationId xmlns:a16="http://schemas.microsoft.com/office/drawing/2014/main" id="{81744BEC-618E-4446-8389-33E024CB658B}"/>
+                <a16:creationId xmlns="" xmlns:a16="http://schemas.microsoft.com/office/drawing/2014/main" id="{81744BEC-618E-4446-8389-33E024CB658B}"/>
               </a:ext>
             </a:extLst>
           </p:cNvPr>
@@ -13827,7 +12804,7 @@
               <a:pPr>
                 <a:defRPr/>
               </a:pPr>
-              <a:t>6/1/2018</a:t>
+              <a:t>6/3/2018</a:t>
             </a:fld>
             <a:endParaRPr lang="en-US" altLang="en-US"/>
           </a:p>
@@ -13838,7 +12815,7 @@
           <p:cNvPr id="4" name="Rectangle 5">
             <a:extLst>
               <a:ext uri="{FF2B5EF4-FFF2-40B4-BE49-F238E27FC236}">
-                <a16:creationId xmlns:a16="http://schemas.microsoft.com/office/drawing/2014/main" id="{1474A5BD-30F3-4C7E-AC68-5C45BA919BA0}"/>
+                <a16:creationId xmlns="" xmlns:a16="http://schemas.microsoft.com/office/drawing/2014/main" id="{1474A5BD-30F3-4C7E-AC68-5C45BA919BA0}"/>
               </a:ext>
             </a:extLst>
           </p:cNvPr>
@@ -13875,7 +12852,7 @@
           <p:cNvPr id="5" name="Rectangle 6">
             <a:extLst>
               <a:ext uri="{FF2B5EF4-FFF2-40B4-BE49-F238E27FC236}">
-                <a16:creationId xmlns:a16="http://schemas.microsoft.com/office/drawing/2014/main" id="{F4CE630B-0F4B-4B03-9D85-7E9166752E52}"/>
+                <a16:creationId xmlns="" xmlns:a16="http://schemas.microsoft.com/office/drawing/2014/main" id="{F4CE630B-0F4B-4B03-9D85-7E9166752E52}"/>
               </a:ext>
             </a:extLst>
           </p:cNvPr>
@@ -13946,7 +12923,7 @@
           <p:cNvPr id="2" name="Rectangle 4">
             <a:extLst>
               <a:ext uri="{FF2B5EF4-FFF2-40B4-BE49-F238E27FC236}">
-                <a16:creationId xmlns:a16="http://schemas.microsoft.com/office/drawing/2014/main" id="{9423D919-F1A7-419D-BDFF-8FCEE374561D}"/>
+                <a16:creationId xmlns="" xmlns:a16="http://schemas.microsoft.com/office/drawing/2014/main" id="{9423D919-F1A7-419D-BDFF-8FCEE374561D}"/>
               </a:ext>
             </a:extLst>
           </p:cNvPr>
@@ -13976,7 +12953,7 @@
               <a:pPr>
                 <a:defRPr/>
               </a:pPr>
-              <a:t>6/1/2018</a:t>
+              <a:t>6/3/2018</a:t>
             </a:fld>
             <a:endParaRPr lang="en-US" altLang="en-US"/>
           </a:p>
@@ -13987,7 +12964,7 @@
           <p:cNvPr id="3" name="Rectangle 5">
             <a:extLst>
               <a:ext uri="{FF2B5EF4-FFF2-40B4-BE49-F238E27FC236}">
-                <a16:creationId xmlns:a16="http://schemas.microsoft.com/office/drawing/2014/main" id="{F24FA310-1868-40EB-8CC9-3E57A5D01C61}"/>
+                <a16:creationId xmlns="" xmlns:a16="http://schemas.microsoft.com/office/drawing/2014/main" id="{F24FA310-1868-40EB-8CC9-3E57A5D01C61}"/>
               </a:ext>
             </a:extLst>
           </p:cNvPr>
@@ -14024,7 +13001,7 @@
           <p:cNvPr id="4" name="Rectangle 6">
             <a:extLst>
               <a:ext uri="{FF2B5EF4-FFF2-40B4-BE49-F238E27FC236}">
-                <a16:creationId xmlns:a16="http://schemas.microsoft.com/office/drawing/2014/main" id="{4988301E-8CFE-43F6-A5AC-3F956931AC00}"/>
+                <a16:creationId xmlns="" xmlns:a16="http://schemas.microsoft.com/office/drawing/2014/main" id="{4988301E-8CFE-43F6-A5AC-3F956931AC00}"/>
               </a:ext>
             </a:extLst>
           </p:cNvPr>
@@ -14275,7 +13252,7 @@
           <p:cNvPr id="5" name="Rectangle 4">
             <a:extLst>
               <a:ext uri="{FF2B5EF4-FFF2-40B4-BE49-F238E27FC236}">
-                <a16:creationId xmlns:a16="http://schemas.microsoft.com/office/drawing/2014/main" id="{5AB9D794-1AD6-4F84-A1B1-9D5E26F6C0DF}"/>
+                <a16:creationId xmlns="" xmlns:a16="http://schemas.microsoft.com/office/drawing/2014/main" id="{5AB9D794-1AD6-4F84-A1B1-9D5E26F6C0DF}"/>
               </a:ext>
             </a:extLst>
           </p:cNvPr>
@@ -14305,7 +13282,7 @@
               <a:pPr>
                 <a:defRPr/>
               </a:pPr>
-              <a:t>6/1/2018</a:t>
+              <a:t>6/3/2018</a:t>
             </a:fld>
             <a:endParaRPr lang="en-US" altLang="en-US"/>
           </a:p>
@@ -14316,7 +13293,7 @@
           <p:cNvPr id="6" name="Rectangle 5">
             <a:extLst>
               <a:ext uri="{FF2B5EF4-FFF2-40B4-BE49-F238E27FC236}">
-                <a16:creationId xmlns:a16="http://schemas.microsoft.com/office/drawing/2014/main" id="{B01753F8-35B8-4FA7-B585-B8230C5EDF7A}"/>
+                <a16:creationId xmlns="" xmlns:a16="http://schemas.microsoft.com/office/drawing/2014/main" id="{B01753F8-35B8-4FA7-B585-B8230C5EDF7A}"/>
               </a:ext>
             </a:extLst>
           </p:cNvPr>
@@ -14353,7 +13330,7 @@
           <p:cNvPr id="7" name="Rectangle 6">
             <a:extLst>
               <a:ext uri="{FF2B5EF4-FFF2-40B4-BE49-F238E27FC236}">
-                <a16:creationId xmlns:a16="http://schemas.microsoft.com/office/drawing/2014/main" id="{3647C9DE-8024-47FA-9275-DDACB077EB36}"/>
+                <a16:creationId xmlns="" xmlns:a16="http://schemas.microsoft.com/office/drawing/2014/main" id="{3647C9DE-8024-47FA-9275-DDACB077EB36}"/>
               </a:ext>
             </a:extLst>
           </p:cNvPr>
@@ -14582,7 +13559,7 @@
           <p:cNvPr id="5" name="Rectangle 4">
             <a:extLst>
               <a:ext uri="{FF2B5EF4-FFF2-40B4-BE49-F238E27FC236}">
-                <a16:creationId xmlns:a16="http://schemas.microsoft.com/office/drawing/2014/main" id="{E1F19CE6-5EFD-43DC-8341-C001D1EC7334}"/>
+                <a16:creationId xmlns="" xmlns:a16="http://schemas.microsoft.com/office/drawing/2014/main" id="{E1F19CE6-5EFD-43DC-8341-C001D1EC7334}"/>
               </a:ext>
             </a:extLst>
           </p:cNvPr>
@@ -14612,7 +13589,7 @@
               <a:pPr>
                 <a:defRPr/>
               </a:pPr>
-              <a:t>6/1/2018</a:t>
+              <a:t>6/3/2018</a:t>
             </a:fld>
             <a:endParaRPr lang="en-US" altLang="en-US"/>
           </a:p>
@@ -14623,7 +13600,7 @@
           <p:cNvPr id="6" name="Rectangle 5">
             <a:extLst>
               <a:ext uri="{FF2B5EF4-FFF2-40B4-BE49-F238E27FC236}">
-                <a16:creationId xmlns:a16="http://schemas.microsoft.com/office/drawing/2014/main" id="{4831FE9B-DC75-48EA-B7D3-BE027C625E13}"/>
+                <a16:creationId xmlns="" xmlns:a16="http://schemas.microsoft.com/office/drawing/2014/main" id="{4831FE9B-DC75-48EA-B7D3-BE027C625E13}"/>
               </a:ext>
             </a:extLst>
           </p:cNvPr>
@@ -14660,7 +13637,7 @@
           <p:cNvPr id="7" name="Rectangle 6">
             <a:extLst>
               <a:ext uri="{FF2B5EF4-FFF2-40B4-BE49-F238E27FC236}">
-                <a16:creationId xmlns:a16="http://schemas.microsoft.com/office/drawing/2014/main" id="{1D344D9F-8881-4D4F-98DD-72F9F62D83E1}"/>
+                <a16:creationId xmlns="" xmlns:a16="http://schemas.microsoft.com/office/drawing/2014/main" id="{1D344D9F-8881-4D4F-98DD-72F9F62D83E1}"/>
               </a:ext>
             </a:extLst>
           </p:cNvPr>
@@ -14739,7 +13716,7 @@
           <p:cNvPr id="1026" name="Rectangle 2">
             <a:extLst>
               <a:ext uri="{FF2B5EF4-FFF2-40B4-BE49-F238E27FC236}">
-                <a16:creationId xmlns:a16="http://schemas.microsoft.com/office/drawing/2014/main" id="{D7261492-9218-424C-9F14-3630BCD89A53}"/>
+                <a16:creationId xmlns="" xmlns:a16="http://schemas.microsoft.com/office/drawing/2014/main" id="{D7261492-9218-424C-9F14-3630BCD89A53}"/>
               </a:ext>
             </a:extLst>
           </p:cNvPr>
@@ -14803,7 +13780,7 @@
           <p:cNvPr id="1027" name="Rectangle 3">
             <a:extLst>
               <a:ext uri="{FF2B5EF4-FFF2-40B4-BE49-F238E27FC236}">
-                <a16:creationId xmlns:a16="http://schemas.microsoft.com/office/drawing/2014/main" id="{586D1FB6-B989-45DC-8A27-73391A5015EE}"/>
+                <a16:creationId xmlns="" xmlns:a16="http://schemas.microsoft.com/office/drawing/2014/main" id="{586D1FB6-B989-45DC-8A27-73391A5015EE}"/>
               </a:ext>
             </a:extLst>
           </p:cNvPr>
@@ -14895,7 +13872,7 @@
           <p:cNvPr id="184324" name="Rectangle 4">
             <a:extLst>
               <a:ext uri="{FF2B5EF4-FFF2-40B4-BE49-F238E27FC236}">
-                <a16:creationId xmlns:a16="http://schemas.microsoft.com/office/drawing/2014/main" id="{D64214E5-B94E-4E3B-A185-6D49F6004B8E}"/>
+                <a16:creationId xmlns="" xmlns:a16="http://schemas.microsoft.com/office/drawing/2014/main" id="{D64214E5-B94E-4E3B-A185-6D49F6004B8E}"/>
               </a:ext>
             </a:extLst>
           </p:cNvPr>
@@ -14945,7 +13922,7 @@
               <a:pPr>
                 <a:defRPr/>
               </a:pPr>
-              <a:t>6/1/2018</a:t>
+              <a:t>6/3/2018</a:t>
             </a:fld>
             <a:endParaRPr lang="en-US" altLang="en-US"/>
           </a:p>
@@ -14956,7 +13933,7 @@
           <p:cNvPr id="184325" name="Rectangle 5">
             <a:extLst>
               <a:ext uri="{FF2B5EF4-FFF2-40B4-BE49-F238E27FC236}">
-                <a16:creationId xmlns:a16="http://schemas.microsoft.com/office/drawing/2014/main" id="{6445AC17-FD62-474A-81A5-1F634F7AB540}"/>
+                <a16:creationId xmlns="" xmlns:a16="http://schemas.microsoft.com/office/drawing/2014/main" id="{6445AC17-FD62-474A-81A5-1F634F7AB540}"/>
               </a:ext>
             </a:extLst>
           </p:cNvPr>
@@ -15013,7 +13990,7 @@
           <p:cNvPr id="184326" name="Rectangle 6">
             <a:extLst>
               <a:ext uri="{FF2B5EF4-FFF2-40B4-BE49-F238E27FC236}">
-                <a16:creationId xmlns:a16="http://schemas.microsoft.com/office/drawing/2014/main" id="{DE84DF5B-2093-4567-8988-316B46575C74}"/>
+                <a16:creationId xmlns="" xmlns:a16="http://schemas.microsoft.com/office/drawing/2014/main" id="{DE84DF5B-2093-4567-8988-316B46575C74}"/>
               </a:ext>
             </a:extLst>
           </p:cNvPr>
@@ -15074,7 +14051,7 @@
           <p:cNvPr id="1031" name="Freeform 7">
             <a:extLst>
               <a:ext uri="{FF2B5EF4-FFF2-40B4-BE49-F238E27FC236}">
-                <a16:creationId xmlns:a16="http://schemas.microsoft.com/office/drawing/2014/main" id="{1045231D-3107-4D0F-B6B9-84A7137E8DC3}"/>
+                <a16:creationId xmlns="" xmlns:a16="http://schemas.microsoft.com/office/drawing/2014/main" id="{1045231D-3107-4D0F-B6B9-84A7137E8DC3}"/>
               </a:ext>
             </a:extLst>
           </p:cNvPr>
@@ -15161,7 +14138,7 @@
           <p:cNvPr id="1032" name="Line 8">
             <a:extLst>
               <a:ext uri="{FF2B5EF4-FFF2-40B4-BE49-F238E27FC236}">
-                <a16:creationId xmlns:a16="http://schemas.microsoft.com/office/drawing/2014/main" id="{5CBE764C-7F1D-41CE-B35C-C16E8D74705D}"/>
+                <a16:creationId xmlns="" xmlns:a16="http://schemas.microsoft.com/office/drawing/2014/main" id="{5CBE764C-7F1D-41CE-B35C-C16E8D74705D}"/>
               </a:ext>
             </a:extLst>
           </p:cNvPr>
@@ -15656,7 +14633,7 @@
           <p:cNvPr id="5122" name="Rectangle 2">
             <a:extLst>
               <a:ext uri="{FF2B5EF4-FFF2-40B4-BE49-F238E27FC236}">
-                <a16:creationId xmlns:a16="http://schemas.microsoft.com/office/drawing/2014/main" id="{FAB6A4D5-CC55-4B47-B964-4430E6BA7792}"/>
+                <a16:creationId xmlns="" xmlns:a16="http://schemas.microsoft.com/office/drawing/2014/main" id="{FAB6A4D5-CC55-4B47-B964-4430E6BA7792}"/>
               </a:ext>
             </a:extLst>
           </p:cNvPr>
@@ -15687,7 +14664,7 @@
           <p:cNvPr id="5123" name="Rectangle 3">
             <a:extLst>
               <a:ext uri="{FF2B5EF4-FFF2-40B4-BE49-F238E27FC236}">
-                <a16:creationId xmlns:a16="http://schemas.microsoft.com/office/drawing/2014/main" id="{5EABE032-D161-4123-841F-A13306CACD14}"/>
+                <a16:creationId xmlns="" xmlns:a16="http://schemas.microsoft.com/office/drawing/2014/main" id="{5EABE032-D161-4123-841F-A13306CACD14}"/>
               </a:ext>
             </a:extLst>
           </p:cNvPr>
@@ -15768,7 +14745,7 @@
           <p:cNvPr id="2" name="日期版面配置區 1">
             <a:extLst>
               <a:ext uri="{FF2B5EF4-FFF2-40B4-BE49-F238E27FC236}">
-                <a16:creationId xmlns:a16="http://schemas.microsoft.com/office/drawing/2014/main" id="{5E073E5D-FF66-46A7-AA04-D9EA500CB10B}"/>
+                <a16:creationId xmlns="" xmlns:a16="http://schemas.microsoft.com/office/drawing/2014/main" id="{5E073E5D-FF66-46A7-AA04-D9EA500CB10B}"/>
               </a:ext>
             </a:extLst>
           </p:cNvPr>
@@ -15792,7 +14769,7 @@
               <a:pPr>
                 <a:defRPr/>
               </a:pPr>
-              <a:t>6/1/2018</a:t>
+              <a:t>6/3/2018</a:t>
             </a:fld>
             <a:endParaRPr lang="en-US" altLang="en-US" dirty="0"/>
           </a:p>
@@ -15803,6 +14780,13 @@
   <p:clrMapOvr>
     <a:masterClrMapping/>
   </p:clrMapOvr>
+  <p:timing>
+    <p:tnLst>
+      <p:par>
+        <p:cTn id="1" dur="indefinite" restart="never" nodeType="tmRoot"/>
+      </p:par>
+    </p:tnLst>
+  </p:timing>
 </p:sld>
 </file>
 
@@ -15828,7 +14812,7 @@
           <p:cNvPr id="13314" name="Title 1">
             <a:extLst>
               <a:ext uri="{FF2B5EF4-FFF2-40B4-BE49-F238E27FC236}">
-                <a16:creationId xmlns:a16="http://schemas.microsoft.com/office/drawing/2014/main" id="{A3FB24C1-DD16-4D31-96FE-40461E6C9FF3}"/>
+                <a16:creationId xmlns="" xmlns:a16="http://schemas.microsoft.com/office/drawing/2014/main" id="{A3FB24C1-DD16-4D31-96FE-40461E6C9FF3}"/>
               </a:ext>
             </a:extLst>
           </p:cNvPr>
@@ -15872,7 +14856,7 @@
           <p:cNvPr id="2" name="日期版面配置區 1">
             <a:extLst>
               <a:ext uri="{FF2B5EF4-FFF2-40B4-BE49-F238E27FC236}">
-                <a16:creationId xmlns:a16="http://schemas.microsoft.com/office/drawing/2014/main" id="{EBBA9EE1-CF91-48B5-A5FC-39944E1C0D91}"/>
+                <a16:creationId xmlns="" xmlns:a16="http://schemas.microsoft.com/office/drawing/2014/main" id="{EBBA9EE1-CF91-48B5-A5FC-39944E1C0D91}"/>
               </a:ext>
             </a:extLst>
           </p:cNvPr>
@@ -15896,40 +14880,9 @@
               <a:pPr>
                 <a:defRPr/>
               </a:pPr>
-              <a:t>6/1/2018</a:t>
+              <a:t>6/3/2018</a:t>
             </a:fld>
             <a:endParaRPr lang="en-US" altLang="en-US"/>
-          </a:p>
-        </p:txBody>
-      </p:sp>
-      <p:sp>
-        <p:nvSpPr>
-          <p:cNvPr id="3" name="頁尾版面配置區 2">
-            <a:extLst>
-              <a:ext uri="{FF2B5EF4-FFF2-40B4-BE49-F238E27FC236}">
-                <a16:creationId xmlns:a16="http://schemas.microsoft.com/office/drawing/2014/main" id="{D314DF1B-4A89-41DD-9B72-AB49D5D45D1C}"/>
-              </a:ext>
-            </a:extLst>
-          </p:cNvPr>
-          <p:cNvSpPr>
-            <a:spLocks noGrp="1"/>
-          </p:cNvSpPr>
-          <p:nvPr>
-            <p:ph type="ftr" sz="quarter" idx="11"/>
-          </p:nvPr>
-        </p:nvSpPr>
-        <p:spPr/>
-        <p:txBody>
-          <a:bodyPr/>
-          <a:lstStyle/>
-          <a:p>
-            <a:pPr>
-              <a:defRPr/>
-            </a:pPr>
-            <a:r>
-              <a:rPr lang="en-US" altLang="en-US"/>
-              <a:t>Academic Editing Proofreading Service</a:t>
-            </a:r>
           </a:p>
         </p:txBody>
       </p:sp>
@@ -15938,7 +14891,7 @@
           <p:cNvPr id="5" name="图片 4">
             <a:extLst>
               <a:ext uri="{FF2B5EF4-FFF2-40B4-BE49-F238E27FC236}">
-                <a16:creationId xmlns:a16="http://schemas.microsoft.com/office/drawing/2014/main" id="{3A713946-82C2-4519-8130-EB26204D78F8}"/>
+                <a16:creationId xmlns="" xmlns:a16="http://schemas.microsoft.com/office/drawing/2014/main" id="{3A713946-82C2-4519-8130-EB26204D78F8}"/>
               </a:ext>
             </a:extLst>
           </p:cNvPr>
@@ -15969,6 +14922,43 @@
           </a:prstGeom>
         </p:spPr>
       </p:pic>
+      <p:sp>
+        <p:nvSpPr>
+          <p:cNvPr id="6" name="頁尾版面配置區 2">
+            <a:extLst>
+              <a:ext uri="{FF2B5EF4-FFF2-40B4-BE49-F238E27FC236}">
+                <a16:creationId xmlns="" xmlns:a16="http://schemas.microsoft.com/office/drawing/2014/main" id="{61D255B9-2D4F-4013-951E-B50709A0B821}"/>
+              </a:ext>
+            </a:extLst>
+          </p:cNvPr>
+          <p:cNvSpPr>
+            <a:spLocks noGrp="1"/>
+          </p:cNvSpPr>
+          <p:nvPr>
+            <p:ph type="ftr" sz="quarter" idx="11"/>
+          </p:nvPr>
+        </p:nvSpPr>
+        <p:spPr>
+          <a:xfrm>
+            <a:off x="3056012" y="6246036"/>
+            <a:ext cx="3031976" cy="457200"/>
+          </a:xfrm>
+        </p:spPr>
+        <p:txBody>
+          <a:bodyPr/>
+          <a:lstStyle/>
+          <a:p>
+            <a:pPr>
+              <a:defRPr/>
+            </a:pPr>
+            <a:r>
+              <a:rPr lang="en-US" altLang="zh-CN" dirty="0" smtClean="0"/>
+              <a:t>Southern University of Science and Technology</a:t>
+            </a:r>
+            <a:endParaRPr lang="en-US" altLang="en-US" dirty="0"/>
+          </a:p>
+        </p:txBody>
+      </p:sp>
     </p:spTree>
     <p:extLst>
       <p:ext uri="{BB962C8B-B14F-4D97-AF65-F5344CB8AC3E}">
@@ -15979,6 +14969,13 @@
   <p:clrMapOvr>
     <a:masterClrMapping/>
   </p:clrMapOvr>
+  <p:timing>
+    <p:tnLst>
+      <p:par>
+        <p:cTn id="1" dur="indefinite" restart="never" nodeType="tmRoot"/>
+      </p:par>
+    </p:tnLst>
+  </p:timing>
 </p:sld>
 </file>
 
@@ -16004,7 +15001,7 @@
           <p:cNvPr id="13314" name="Title 1">
             <a:extLst>
               <a:ext uri="{FF2B5EF4-FFF2-40B4-BE49-F238E27FC236}">
-                <a16:creationId xmlns:a16="http://schemas.microsoft.com/office/drawing/2014/main" id="{A3FB24C1-DD16-4D31-96FE-40461E6C9FF3}"/>
+                <a16:creationId xmlns="" xmlns:a16="http://schemas.microsoft.com/office/drawing/2014/main" id="{A3FB24C1-DD16-4D31-96FE-40461E6C9FF3}"/>
               </a:ext>
             </a:extLst>
           </p:cNvPr>
@@ -16048,7 +15045,7 @@
           <p:cNvPr id="2" name="日期版面配置區 1">
             <a:extLst>
               <a:ext uri="{FF2B5EF4-FFF2-40B4-BE49-F238E27FC236}">
-                <a16:creationId xmlns:a16="http://schemas.microsoft.com/office/drawing/2014/main" id="{EBBA9EE1-CF91-48B5-A5FC-39944E1C0D91}"/>
+                <a16:creationId xmlns="" xmlns:a16="http://schemas.microsoft.com/office/drawing/2014/main" id="{EBBA9EE1-CF91-48B5-A5FC-39944E1C0D91}"/>
               </a:ext>
             </a:extLst>
           </p:cNvPr>
@@ -16072,40 +15069,9 @@
               <a:pPr>
                 <a:defRPr/>
               </a:pPr>
-              <a:t>6/1/2018</a:t>
+              <a:t>6/3/2018</a:t>
             </a:fld>
             <a:endParaRPr lang="en-US" altLang="en-US"/>
-          </a:p>
-        </p:txBody>
-      </p:sp>
-      <p:sp>
-        <p:nvSpPr>
-          <p:cNvPr id="3" name="頁尾版面配置區 2">
-            <a:extLst>
-              <a:ext uri="{FF2B5EF4-FFF2-40B4-BE49-F238E27FC236}">
-                <a16:creationId xmlns:a16="http://schemas.microsoft.com/office/drawing/2014/main" id="{D314DF1B-4A89-41DD-9B72-AB49D5D45D1C}"/>
-              </a:ext>
-            </a:extLst>
-          </p:cNvPr>
-          <p:cNvSpPr>
-            <a:spLocks noGrp="1"/>
-          </p:cNvSpPr>
-          <p:nvPr>
-            <p:ph type="ftr" sz="quarter" idx="11"/>
-          </p:nvPr>
-        </p:nvSpPr>
-        <p:spPr/>
-        <p:txBody>
-          <a:bodyPr/>
-          <a:lstStyle/>
-          <a:p>
-            <a:pPr>
-              <a:defRPr/>
-            </a:pPr>
-            <a:r>
-              <a:rPr lang="en-US" altLang="en-US"/>
-              <a:t>Academic Editing Proofreading Service</a:t>
-            </a:r>
           </a:p>
         </p:txBody>
       </p:sp>
@@ -16114,7 +15080,7 @@
           <p:cNvPr id="6" name="图片 5">
             <a:extLst>
               <a:ext uri="{FF2B5EF4-FFF2-40B4-BE49-F238E27FC236}">
-                <a16:creationId xmlns:a16="http://schemas.microsoft.com/office/drawing/2014/main" id="{95415909-6CD6-44A7-A6F4-5E907358133F}"/>
+                <a16:creationId xmlns="" xmlns:a16="http://schemas.microsoft.com/office/drawing/2014/main" id="{95415909-6CD6-44A7-A6F4-5E907358133F}"/>
               </a:ext>
             </a:extLst>
           </p:cNvPr>
@@ -16145,6 +15111,43 @@
           </a:prstGeom>
         </p:spPr>
       </p:pic>
+      <p:sp>
+        <p:nvSpPr>
+          <p:cNvPr id="7" name="頁尾版面配置區 2">
+            <a:extLst>
+              <a:ext uri="{FF2B5EF4-FFF2-40B4-BE49-F238E27FC236}">
+                <a16:creationId xmlns="" xmlns:a16="http://schemas.microsoft.com/office/drawing/2014/main" id="{61D255B9-2D4F-4013-951E-B50709A0B821}"/>
+              </a:ext>
+            </a:extLst>
+          </p:cNvPr>
+          <p:cNvSpPr>
+            <a:spLocks noGrp="1"/>
+          </p:cNvSpPr>
+          <p:nvPr>
+            <p:ph type="ftr" sz="quarter" idx="11"/>
+          </p:nvPr>
+        </p:nvSpPr>
+        <p:spPr>
+          <a:xfrm>
+            <a:off x="3056012" y="6246036"/>
+            <a:ext cx="3031976" cy="457200"/>
+          </a:xfrm>
+        </p:spPr>
+        <p:txBody>
+          <a:bodyPr/>
+          <a:lstStyle/>
+          <a:p>
+            <a:pPr>
+              <a:defRPr/>
+            </a:pPr>
+            <a:r>
+              <a:rPr lang="en-US" altLang="zh-CN" dirty="0" smtClean="0"/>
+              <a:t>Southern University of Science and Technology</a:t>
+            </a:r>
+            <a:endParaRPr lang="en-US" altLang="en-US" dirty="0"/>
+          </a:p>
+        </p:txBody>
+      </p:sp>
     </p:spTree>
     <p:extLst>
       <p:ext uri="{BB962C8B-B14F-4D97-AF65-F5344CB8AC3E}">
@@ -16155,6 +15158,13 @@
   <p:clrMapOvr>
     <a:masterClrMapping/>
   </p:clrMapOvr>
+  <p:timing>
+    <p:tnLst>
+      <p:par>
+        <p:cTn id="1" dur="indefinite" restart="never" nodeType="tmRoot"/>
+      </p:par>
+    </p:tnLst>
+  </p:timing>
 </p:sld>
 </file>
 
@@ -16180,7 +15190,7 @@
           <p:cNvPr id="13314" name="Title 1">
             <a:extLst>
               <a:ext uri="{FF2B5EF4-FFF2-40B4-BE49-F238E27FC236}">
-                <a16:creationId xmlns:a16="http://schemas.microsoft.com/office/drawing/2014/main" id="{A3FB24C1-DD16-4D31-96FE-40461E6C9FF3}"/>
+                <a16:creationId xmlns="" xmlns:a16="http://schemas.microsoft.com/office/drawing/2014/main" id="{A3FB24C1-DD16-4D31-96FE-40461E6C9FF3}"/>
               </a:ext>
             </a:extLst>
           </p:cNvPr>
@@ -16224,7 +15234,7 @@
           <p:cNvPr id="2" name="日期版面配置區 1">
             <a:extLst>
               <a:ext uri="{FF2B5EF4-FFF2-40B4-BE49-F238E27FC236}">
-                <a16:creationId xmlns:a16="http://schemas.microsoft.com/office/drawing/2014/main" id="{EBBA9EE1-CF91-48B5-A5FC-39944E1C0D91}"/>
+                <a16:creationId xmlns="" xmlns:a16="http://schemas.microsoft.com/office/drawing/2014/main" id="{EBBA9EE1-CF91-48B5-A5FC-39944E1C0D91}"/>
               </a:ext>
             </a:extLst>
           </p:cNvPr>
@@ -16248,40 +15258,9 @@
               <a:pPr>
                 <a:defRPr/>
               </a:pPr>
-              <a:t>6/1/2018</a:t>
+              <a:t>6/3/2018</a:t>
             </a:fld>
             <a:endParaRPr lang="en-US" altLang="en-US"/>
-          </a:p>
-        </p:txBody>
-      </p:sp>
-      <p:sp>
-        <p:nvSpPr>
-          <p:cNvPr id="3" name="頁尾版面配置區 2">
-            <a:extLst>
-              <a:ext uri="{FF2B5EF4-FFF2-40B4-BE49-F238E27FC236}">
-                <a16:creationId xmlns:a16="http://schemas.microsoft.com/office/drawing/2014/main" id="{D314DF1B-4A89-41DD-9B72-AB49D5D45D1C}"/>
-              </a:ext>
-            </a:extLst>
-          </p:cNvPr>
-          <p:cNvSpPr>
-            <a:spLocks noGrp="1"/>
-          </p:cNvSpPr>
-          <p:nvPr>
-            <p:ph type="ftr" sz="quarter" idx="11"/>
-          </p:nvPr>
-        </p:nvSpPr>
-        <p:spPr/>
-        <p:txBody>
-          <a:bodyPr/>
-          <a:lstStyle/>
-          <a:p>
-            <a:pPr>
-              <a:defRPr/>
-            </a:pPr>
-            <a:r>
-              <a:rPr lang="en-US" altLang="en-US"/>
-              <a:t>Academic Editing Proofreading Service</a:t>
-            </a:r>
           </a:p>
         </p:txBody>
       </p:sp>
@@ -16290,7 +15269,7 @@
           <p:cNvPr id="8" name="Content Placeholder 2">
             <a:extLst>
               <a:ext uri="{FF2B5EF4-FFF2-40B4-BE49-F238E27FC236}">
-                <a16:creationId xmlns:a16="http://schemas.microsoft.com/office/drawing/2014/main" id="{F3847F1D-69C6-45F2-8115-884991D25622}"/>
+                <a16:creationId xmlns="" xmlns:a16="http://schemas.microsoft.com/office/drawing/2014/main" id="{F3847F1D-69C6-45F2-8115-884991D25622}"/>
               </a:ext>
             </a:extLst>
           </p:cNvPr>
@@ -16541,6 +15520,73 @@
           </a:p>
         </p:txBody>
       </p:sp>
+      <p:sp>
+        <p:nvSpPr>
+          <p:cNvPr id="6" name="頁尾版面配置區 2">
+            <a:extLst>
+              <a:ext uri="{FF2B5EF4-FFF2-40B4-BE49-F238E27FC236}">
+                <a16:creationId xmlns="" xmlns:a16="http://schemas.microsoft.com/office/drawing/2014/main" id="{61D255B9-2D4F-4013-951E-B50709A0B821}"/>
+              </a:ext>
+            </a:extLst>
+          </p:cNvPr>
+          <p:cNvSpPr>
+            <a:spLocks noGrp="1"/>
+          </p:cNvSpPr>
+          <p:nvPr>
+            <p:ph type="ftr" sz="quarter" idx="11"/>
+          </p:nvPr>
+        </p:nvSpPr>
+        <p:spPr>
+          <a:xfrm>
+            <a:off x="3056012" y="6246036"/>
+            <a:ext cx="3031976" cy="457200"/>
+          </a:xfrm>
+        </p:spPr>
+        <p:txBody>
+          <a:bodyPr/>
+          <a:lstStyle/>
+          <a:p>
+            <a:pPr>
+              <a:defRPr/>
+            </a:pPr>
+            <a:r>
+              <a:rPr lang="en-US" altLang="zh-CN" dirty="0" smtClean="0"/>
+              <a:t>Southern University of Science and Technology</a:t>
+            </a:r>
+            <a:endParaRPr lang="en-US" altLang="en-US" dirty="0"/>
+          </a:p>
+        </p:txBody>
+      </p:sp>
+      <p:pic>
+        <p:nvPicPr>
+          <p:cNvPr id="3" name="图片 2" descr="屏幕剪辑"/>
+          <p:cNvPicPr>
+            <a:picLocks noChangeAspect="1"/>
+          </p:cNvPicPr>
+          <p:nvPr/>
+        </p:nvPicPr>
+        <p:blipFill>
+          <a:blip r:embed="rId2">
+            <a:extLst>
+              <a:ext uri="{28A0092B-C50C-407E-A947-70E740481C1C}">
+                <a14:useLocalDpi xmlns:a14="http://schemas.microsoft.com/office/drawing/2010/main" val="0"/>
+              </a:ext>
+            </a:extLst>
+          </a:blip>
+          <a:stretch>
+            <a:fillRect/>
+          </a:stretch>
+        </p:blipFill>
+        <p:spPr>
+          <a:xfrm>
+            <a:off x="1418555" y="2420888"/>
+            <a:ext cx="6306890" cy="830820"/>
+          </a:xfrm>
+          <a:prstGeom prst="rect">
+            <a:avLst/>
+          </a:prstGeom>
+        </p:spPr>
+      </p:pic>
     </p:spTree>
     <p:extLst>
       <p:ext uri="{BB962C8B-B14F-4D97-AF65-F5344CB8AC3E}">
@@ -16551,6 +15597,13 @@
   <p:clrMapOvr>
     <a:masterClrMapping/>
   </p:clrMapOvr>
+  <p:timing>
+    <p:tnLst>
+      <p:par>
+        <p:cTn id="1" dur="indefinite" restart="never" nodeType="tmRoot"/>
+      </p:par>
+    </p:tnLst>
+  </p:timing>
 </p:sld>
 </file>
 
@@ -16576,7 +15629,7 @@
           <p:cNvPr id="13314" name="Title 1">
             <a:extLst>
               <a:ext uri="{FF2B5EF4-FFF2-40B4-BE49-F238E27FC236}">
-                <a16:creationId xmlns:a16="http://schemas.microsoft.com/office/drawing/2014/main" id="{A3FB24C1-DD16-4D31-96FE-40461E6C9FF3}"/>
+                <a16:creationId xmlns="" xmlns:a16="http://schemas.microsoft.com/office/drawing/2014/main" id="{A3FB24C1-DD16-4D31-96FE-40461E6C9FF3}"/>
               </a:ext>
             </a:extLst>
           </p:cNvPr>
@@ -16620,7 +15673,7 @@
           <p:cNvPr id="2" name="日期版面配置區 1">
             <a:extLst>
               <a:ext uri="{FF2B5EF4-FFF2-40B4-BE49-F238E27FC236}">
-                <a16:creationId xmlns:a16="http://schemas.microsoft.com/office/drawing/2014/main" id="{EBBA9EE1-CF91-48B5-A5FC-39944E1C0D91}"/>
+                <a16:creationId xmlns="" xmlns:a16="http://schemas.microsoft.com/office/drawing/2014/main" id="{EBBA9EE1-CF91-48B5-A5FC-39944E1C0D91}"/>
               </a:ext>
             </a:extLst>
           </p:cNvPr>
@@ -16644,40 +15697,9 @@
               <a:pPr>
                 <a:defRPr/>
               </a:pPr>
-              <a:t>6/1/2018</a:t>
+              <a:t>6/3/2018</a:t>
             </a:fld>
             <a:endParaRPr lang="en-US" altLang="en-US"/>
-          </a:p>
-        </p:txBody>
-      </p:sp>
-      <p:sp>
-        <p:nvSpPr>
-          <p:cNvPr id="3" name="頁尾版面配置區 2">
-            <a:extLst>
-              <a:ext uri="{FF2B5EF4-FFF2-40B4-BE49-F238E27FC236}">
-                <a16:creationId xmlns:a16="http://schemas.microsoft.com/office/drawing/2014/main" id="{D314DF1B-4A89-41DD-9B72-AB49D5D45D1C}"/>
-              </a:ext>
-            </a:extLst>
-          </p:cNvPr>
-          <p:cNvSpPr>
-            <a:spLocks noGrp="1"/>
-          </p:cNvSpPr>
-          <p:nvPr>
-            <p:ph type="ftr" sz="quarter" idx="11"/>
-          </p:nvPr>
-        </p:nvSpPr>
-        <p:spPr/>
-        <p:txBody>
-          <a:bodyPr/>
-          <a:lstStyle/>
-          <a:p>
-            <a:pPr>
-              <a:defRPr/>
-            </a:pPr>
-            <a:r>
-              <a:rPr lang="en-US" altLang="en-US"/>
-              <a:t>Academic Editing Proofreading Service</a:t>
-            </a:r>
           </a:p>
         </p:txBody>
       </p:sp>
@@ -16686,7 +15708,7 @@
           <p:cNvPr id="5" name="图片 4">
             <a:extLst>
               <a:ext uri="{FF2B5EF4-FFF2-40B4-BE49-F238E27FC236}">
-                <a16:creationId xmlns:a16="http://schemas.microsoft.com/office/drawing/2014/main" id="{2CD3BD92-BA54-443D-B0D8-D2EB4A75798F}"/>
+                <a16:creationId xmlns="" xmlns:a16="http://schemas.microsoft.com/office/drawing/2014/main" id="{2CD3BD92-BA54-443D-B0D8-D2EB4A75798F}"/>
               </a:ext>
             </a:extLst>
           </p:cNvPr>
@@ -16717,6 +15739,43 @@
           </a:prstGeom>
         </p:spPr>
       </p:pic>
+      <p:sp>
+        <p:nvSpPr>
+          <p:cNvPr id="6" name="頁尾版面配置區 2">
+            <a:extLst>
+              <a:ext uri="{FF2B5EF4-FFF2-40B4-BE49-F238E27FC236}">
+                <a16:creationId xmlns="" xmlns:a16="http://schemas.microsoft.com/office/drawing/2014/main" id="{61D255B9-2D4F-4013-951E-B50709A0B821}"/>
+              </a:ext>
+            </a:extLst>
+          </p:cNvPr>
+          <p:cNvSpPr>
+            <a:spLocks noGrp="1"/>
+          </p:cNvSpPr>
+          <p:nvPr>
+            <p:ph type="ftr" sz="quarter" idx="11"/>
+          </p:nvPr>
+        </p:nvSpPr>
+        <p:spPr>
+          <a:xfrm>
+            <a:off x="3056012" y="6246036"/>
+            <a:ext cx="3031976" cy="457200"/>
+          </a:xfrm>
+        </p:spPr>
+        <p:txBody>
+          <a:bodyPr/>
+          <a:lstStyle/>
+          <a:p>
+            <a:pPr>
+              <a:defRPr/>
+            </a:pPr>
+            <a:r>
+              <a:rPr lang="en-US" altLang="zh-CN" dirty="0" smtClean="0"/>
+              <a:t>Southern University of Science and Technology</a:t>
+            </a:r>
+            <a:endParaRPr lang="en-US" altLang="en-US" dirty="0"/>
+          </a:p>
+        </p:txBody>
+      </p:sp>
     </p:spTree>
     <p:extLst>
       <p:ext uri="{BB962C8B-B14F-4D97-AF65-F5344CB8AC3E}">
@@ -16727,6 +15786,13 @@
   <p:clrMapOvr>
     <a:masterClrMapping/>
   </p:clrMapOvr>
+  <p:timing>
+    <p:tnLst>
+      <p:par>
+        <p:cTn id="1" dur="indefinite" restart="never" nodeType="tmRoot"/>
+      </p:par>
+    </p:tnLst>
+  </p:timing>
 </p:sld>
 </file>
 
@@ -16752,7 +15818,7 @@
           <p:cNvPr id="12290" name="Title 1">
             <a:extLst>
               <a:ext uri="{FF2B5EF4-FFF2-40B4-BE49-F238E27FC236}">
-                <a16:creationId xmlns:a16="http://schemas.microsoft.com/office/drawing/2014/main" id="{312D1348-727E-43BC-9440-FAC69CECF262}"/>
+                <a16:creationId xmlns="" xmlns:a16="http://schemas.microsoft.com/office/drawing/2014/main" id="{312D1348-727E-43BC-9440-FAC69CECF262}"/>
               </a:ext>
             </a:extLst>
           </p:cNvPr>
@@ -16788,7 +15854,7 @@
           <p:cNvPr id="2" name="日期版面配置區 1">
             <a:extLst>
               <a:ext uri="{FF2B5EF4-FFF2-40B4-BE49-F238E27FC236}">
-                <a16:creationId xmlns:a16="http://schemas.microsoft.com/office/drawing/2014/main" id="{C55F9B2A-AB82-491B-A507-61EBC6B57F16}"/>
+                <a16:creationId xmlns="" xmlns:a16="http://schemas.microsoft.com/office/drawing/2014/main" id="{C55F9B2A-AB82-491B-A507-61EBC6B57F16}"/>
               </a:ext>
             </a:extLst>
           </p:cNvPr>
@@ -16812,7 +15878,7 @@
               <a:pPr>
                 <a:defRPr/>
               </a:pPr>
-              <a:t>6/1/2018</a:t>
+              <a:t>6/3/2018</a:t>
             </a:fld>
             <a:endParaRPr lang="en-US" altLang="en-US"/>
           </a:p>
@@ -16820,10 +15886,10 @@
       </p:sp>
       <p:sp>
         <p:nvSpPr>
-          <p:cNvPr id="3" name="頁尾版面配置區 2">
+          <p:cNvPr id="5" name="頁尾版面配置區 2">
             <a:extLst>
               <a:ext uri="{FF2B5EF4-FFF2-40B4-BE49-F238E27FC236}">
-                <a16:creationId xmlns:a16="http://schemas.microsoft.com/office/drawing/2014/main" id="{2D16B038-ECE3-4C9C-9B2D-D3F8CA2A38E3}"/>
+                <a16:creationId xmlns="" xmlns:a16="http://schemas.microsoft.com/office/drawing/2014/main" id="{61D255B9-2D4F-4013-951E-B50709A0B821}"/>
               </a:ext>
             </a:extLst>
           </p:cNvPr>
@@ -16834,7 +15900,12 @@
             <p:ph type="ftr" sz="quarter" idx="11"/>
           </p:nvPr>
         </p:nvSpPr>
-        <p:spPr/>
+        <p:spPr>
+          <a:xfrm>
+            <a:off x="3056012" y="6246036"/>
+            <a:ext cx="3031976" cy="457200"/>
+          </a:xfrm>
+        </p:spPr>
         <p:txBody>
           <a:bodyPr/>
           <a:lstStyle/>
@@ -16843,9 +15914,10 @@
               <a:defRPr/>
             </a:pPr>
             <a:r>
-              <a:rPr lang="en-US" altLang="en-US"/>
-              <a:t>Academic Editing Proofreading Service</a:t>
+              <a:rPr lang="en-US" altLang="zh-CN" dirty="0" smtClean="0"/>
+              <a:t>Southern University of Science and Technology</a:t>
             </a:r>
+            <a:endParaRPr lang="en-US" altLang="en-US" dirty="0"/>
           </a:p>
         </p:txBody>
       </p:sp>
@@ -16859,6 +15931,13 @@
   <p:clrMapOvr>
     <a:masterClrMapping/>
   </p:clrMapOvr>
+  <p:timing>
+    <p:tnLst>
+      <p:par>
+        <p:cTn id="1" dur="indefinite" restart="never" nodeType="tmRoot"/>
+      </p:par>
+    </p:tnLst>
+  </p:timing>
 </p:sld>
 </file>
 
@@ -16884,7 +15963,7 @@
           <p:cNvPr id="2" name="日期版面配置區 1">
             <a:extLst>
               <a:ext uri="{FF2B5EF4-FFF2-40B4-BE49-F238E27FC236}">
-                <a16:creationId xmlns:a16="http://schemas.microsoft.com/office/drawing/2014/main" id="{EBBA9EE1-CF91-48B5-A5FC-39944E1C0D91}"/>
+                <a16:creationId xmlns="" xmlns:a16="http://schemas.microsoft.com/office/drawing/2014/main" id="{EBBA9EE1-CF91-48B5-A5FC-39944E1C0D91}"/>
               </a:ext>
             </a:extLst>
           </p:cNvPr>
@@ -16908,40 +15987,9 @@
               <a:pPr>
                 <a:defRPr/>
               </a:pPr>
-              <a:t>6/1/2018</a:t>
+              <a:t>6/3/2018</a:t>
             </a:fld>
             <a:endParaRPr lang="en-US" altLang="en-US"/>
-          </a:p>
-        </p:txBody>
-      </p:sp>
-      <p:sp>
-        <p:nvSpPr>
-          <p:cNvPr id="3" name="頁尾版面配置區 2">
-            <a:extLst>
-              <a:ext uri="{FF2B5EF4-FFF2-40B4-BE49-F238E27FC236}">
-                <a16:creationId xmlns:a16="http://schemas.microsoft.com/office/drawing/2014/main" id="{D314DF1B-4A89-41DD-9B72-AB49D5D45D1C}"/>
-              </a:ext>
-            </a:extLst>
-          </p:cNvPr>
-          <p:cNvSpPr>
-            <a:spLocks noGrp="1"/>
-          </p:cNvSpPr>
-          <p:nvPr>
-            <p:ph type="ftr" sz="quarter" idx="11"/>
-          </p:nvPr>
-        </p:nvSpPr>
-        <p:spPr/>
-        <p:txBody>
-          <a:bodyPr/>
-          <a:lstStyle/>
-          <a:p>
-            <a:pPr>
-              <a:defRPr/>
-            </a:pPr>
-            <a:r>
-              <a:rPr lang="en-US" altLang="en-US"/>
-              <a:t>Academic Editing Proofreading Service</a:t>
-            </a:r>
           </a:p>
         </p:txBody>
       </p:sp>
@@ -16950,7 +15998,7 @@
           <p:cNvPr id="13" name="图片 12">
             <a:extLst>
               <a:ext uri="{FF2B5EF4-FFF2-40B4-BE49-F238E27FC236}">
-                <a16:creationId xmlns:a16="http://schemas.microsoft.com/office/drawing/2014/main" id="{98933AB8-C154-4EAD-9362-E39C93EA2BFB}"/>
+                <a16:creationId xmlns="" xmlns:a16="http://schemas.microsoft.com/office/drawing/2014/main" id="{98933AB8-C154-4EAD-9362-E39C93EA2BFB}"/>
               </a:ext>
             </a:extLst>
           </p:cNvPr>
@@ -16981,6 +16029,43 @@
           </a:prstGeom>
         </p:spPr>
       </p:pic>
+      <p:sp>
+        <p:nvSpPr>
+          <p:cNvPr id="5" name="頁尾版面配置區 2">
+            <a:extLst>
+              <a:ext uri="{FF2B5EF4-FFF2-40B4-BE49-F238E27FC236}">
+                <a16:creationId xmlns="" xmlns:a16="http://schemas.microsoft.com/office/drawing/2014/main" id="{61D255B9-2D4F-4013-951E-B50709A0B821}"/>
+              </a:ext>
+            </a:extLst>
+          </p:cNvPr>
+          <p:cNvSpPr>
+            <a:spLocks noGrp="1"/>
+          </p:cNvSpPr>
+          <p:nvPr>
+            <p:ph type="ftr" sz="quarter" idx="11"/>
+          </p:nvPr>
+        </p:nvSpPr>
+        <p:spPr>
+          <a:xfrm>
+            <a:off x="3056012" y="6246036"/>
+            <a:ext cx="3031976" cy="457200"/>
+          </a:xfrm>
+        </p:spPr>
+        <p:txBody>
+          <a:bodyPr/>
+          <a:lstStyle/>
+          <a:p>
+            <a:pPr>
+              <a:defRPr/>
+            </a:pPr>
+            <a:r>
+              <a:rPr lang="en-US" altLang="zh-CN" dirty="0" smtClean="0"/>
+              <a:t>Southern University of Science and Technology</a:t>
+            </a:r>
+            <a:endParaRPr lang="en-US" altLang="en-US" dirty="0"/>
+          </a:p>
+        </p:txBody>
+      </p:sp>
     </p:spTree>
     <p:extLst>
       <p:ext uri="{BB962C8B-B14F-4D97-AF65-F5344CB8AC3E}">
@@ -16991,6 +16076,13 @@
   <p:clrMapOvr>
     <a:masterClrMapping/>
   </p:clrMapOvr>
+  <p:timing>
+    <p:tnLst>
+      <p:par>
+        <p:cTn id="1" dur="indefinite" restart="never" nodeType="tmRoot"/>
+      </p:par>
+    </p:tnLst>
+  </p:timing>
 </p:sld>
 </file>
 
@@ -17016,7 +16108,7 @@
           <p:cNvPr id="2" name="日期版面配置區 1">
             <a:extLst>
               <a:ext uri="{FF2B5EF4-FFF2-40B4-BE49-F238E27FC236}">
-                <a16:creationId xmlns:a16="http://schemas.microsoft.com/office/drawing/2014/main" id="{EBBA9EE1-CF91-48B5-A5FC-39944E1C0D91}"/>
+                <a16:creationId xmlns="" xmlns:a16="http://schemas.microsoft.com/office/drawing/2014/main" id="{EBBA9EE1-CF91-48B5-A5FC-39944E1C0D91}"/>
               </a:ext>
             </a:extLst>
           </p:cNvPr>
@@ -17040,40 +16132,9 @@
               <a:pPr>
                 <a:defRPr/>
               </a:pPr>
-              <a:t>6/1/2018</a:t>
+              <a:t>6/3/2018</a:t>
             </a:fld>
             <a:endParaRPr lang="en-US" altLang="en-US"/>
-          </a:p>
-        </p:txBody>
-      </p:sp>
-      <p:sp>
-        <p:nvSpPr>
-          <p:cNvPr id="3" name="頁尾版面配置區 2">
-            <a:extLst>
-              <a:ext uri="{FF2B5EF4-FFF2-40B4-BE49-F238E27FC236}">
-                <a16:creationId xmlns:a16="http://schemas.microsoft.com/office/drawing/2014/main" id="{D314DF1B-4A89-41DD-9B72-AB49D5D45D1C}"/>
-              </a:ext>
-            </a:extLst>
-          </p:cNvPr>
-          <p:cNvSpPr>
-            <a:spLocks noGrp="1"/>
-          </p:cNvSpPr>
-          <p:nvPr>
-            <p:ph type="ftr" sz="quarter" idx="11"/>
-          </p:nvPr>
-        </p:nvSpPr>
-        <p:spPr/>
-        <p:txBody>
-          <a:bodyPr/>
-          <a:lstStyle/>
-          <a:p>
-            <a:pPr>
-              <a:defRPr/>
-            </a:pPr>
-            <a:r>
-              <a:rPr lang="en-US" altLang="en-US"/>
-              <a:t>Academic Editing Proofreading Service</a:t>
-            </a:r>
           </a:p>
         </p:txBody>
       </p:sp>
@@ -17082,7 +16143,7 @@
           <p:cNvPr id="15" name="图片 14">
             <a:extLst>
               <a:ext uri="{FF2B5EF4-FFF2-40B4-BE49-F238E27FC236}">
-                <a16:creationId xmlns:a16="http://schemas.microsoft.com/office/drawing/2014/main" id="{9ED7EE39-1E13-424C-8C7B-0E1E29831831}"/>
+                <a16:creationId xmlns="" xmlns:a16="http://schemas.microsoft.com/office/drawing/2014/main" id="{9ED7EE39-1E13-424C-8C7B-0E1E29831831}"/>
               </a:ext>
             </a:extLst>
           </p:cNvPr>
@@ -17113,6 +16174,43 @@
           </a:prstGeom>
         </p:spPr>
       </p:pic>
+      <p:sp>
+        <p:nvSpPr>
+          <p:cNvPr id="5" name="頁尾版面配置區 2">
+            <a:extLst>
+              <a:ext uri="{FF2B5EF4-FFF2-40B4-BE49-F238E27FC236}">
+                <a16:creationId xmlns="" xmlns:a16="http://schemas.microsoft.com/office/drawing/2014/main" id="{61D255B9-2D4F-4013-951E-B50709A0B821}"/>
+              </a:ext>
+            </a:extLst>
+          </p:cNvPr>
+          <p:cNvSpPr>
+            <a:spLocks noGrp="1"/>
+          </p:cNvSpPr>
+          <p:nvPr>
+            <p:ph type="ftr" sz="quarter" idx="11"/>
+          </p:nvPr>
+        </p:nvSpPr>
+        <p:spPr>
+          <a:xfrm>
+            <a:off x="3056012" y="6246036"/>
+            <a:ext cx="3031976" cy="457200"/>
+          </a:xfrm>
+        </p:spPr>
+        <p:txBody>
+          <a:bodyPr/>
+          <a:lstStyle/>
+          <a:p>
+            <a:pPr>
+              <a:defRPr/>
+            </a:pPr>
+            <a:r>
+              <a:rPr lang="en-US" altLang="zh-CN" dirty="0" smtClean="0"/>
+              <a:t>Southern University of Science and Technology</a:t>
+            </a:r>
+            <a:endParaRPr lang="en-US" altLang="en-US" dirty="0"/>
+          </a:p>
+        </p:txBody>
+      </p:sp>
     </p:spTree>
     <p:extLst>
       <p:ext uri="{BB962C8B-B14F-4D97-AF65-F5344CB8AC3E}">
@@ -17123,6 +16221,13 @@
   <p:clrMapOvr>
     <a:masterClrMapping/>
   </p:clrMapOvr>
+  <p:timing>
+    <p:tnLst>
+      <p:par>
+        <p:cTn id="1" dur="indefinite" restart="never" nodeType="tmRoot"/>
+      </p:par>
+    </p:tnLst>
+  </p:timing>
 </p:sld>
 </file>
 
@@ -17148,7 +16253,7 @@
           <p:cNvPr id="2" name="日期版面配置區 1">
             <a:extLst>
               <a:ext uri="{FF2B5EF4-FFF2-40B4-BE49-F238E27FC236}">
-                <a16:creationId xmlns:a16="http://schemas.microsoft.com/office/drawing/2014/main" id="{EBBA9EE1-CF91-48B5-A5FC-39944E1C0D91}"/>
+                <a16:creationId xmlns="" xmlns:a16="http://schemas.microsoft.com/office/drawing/2014/main" id="{EBBA9EE1-CF91-48B5-A5FC-39944E1C0D91}"/>
               </a:ext>
             </a:extLst>
           </p:cNvPr>
@@ -17172,40 +16277,9 @@
               <a:pPr>
                 <a:defRPr/>
               </a:pPr>
-              <a:t>6/1/2018</a:t>
+              <a:t>6/3/2018</a:t>
             </a:fld>
             <a:endParaRPr lang="en-US" altLang="en-US"/>
-          </a:p>
-        </p:txBody>
-      </p:sp>
-      <p:sp>
-        <p:nvSpPr>
-          <p:cNvPr id="3" name="頁尾版面配置區 2">
-            <a:extLst>
-              <a:ext uri="{FF2B5EF4-FFF2-40B4-BE49-F238E27FC236}">
-                <a16:creationId xmlns:a16="http://schemas.microsoft.com/office/drawing/2014/main" id="{D314DF1B-4A89-41DD-9B72-AB49D5D45D1C}"/>
-              </a:ext>
-            </a:extLst>
-          </p:cNvPr>
-          <p:cNvSpPr>
-            <a:spLocks noGrp="1"/>
-          </p:cNvSpPr>
-          <p:nvPr>
-            <p:ph type="ftr" sz="quarter" idx="11"/>
-          </p:nvPr>
-        </p:nvSpPr>
-        <p:spPr/>
-        <p:txBody>
-          <a:bodyPr/>
-          <a:lstStyle/>
-          <a:p>
-            <a:pPr>
-              <a:defRPr/>
-            </a:pPr>
-            <a:r>
-              <a:rPr lang="en-US" altLang="en-US"/>
-              <a:t>Academic Editing Proofreading Service</a:t>
-            </a:r>
           </a:p>
         </p:txBody>
       </p:sp>
@@ -17214,7 +16288,7 @@
           <p:cNvPr id="17" name="图片 16">
             <a:extLst>
               <a:ext uri="{FF2B5EF4-FFF2-40B4-BE49-F238E27FC236}">
-                <a16:creationId xmlns:a16="http://schemas.microsoft.com/office/drawing/2014/main" id="{E6C34729-680A-4461-ADE7-CDB3A67F72A2}"/>
+                <a16:creationId xmlns="" xmlns:a16="http://schemas.microsoft.com/office/drawing/2014/main" id="{E6C34729-680A-4461-ADE7-CDB3A67F72A2}"/>
               </a:ext>
             </a:extLst>
           </p:cNvPr>
@@ -17245,6 +16319,43 @@
           </a:prstGeom>
         </p:spPr>
       </p:pic>
+      <p:sp>
+        <p:nvSpPr>
+          <p:cNvPr id="5" name="頁尾版面配置區 2">
+            <a:extLst>
+              <a:ext uri="{FF2B5EF4-FFF2-40B4-BE49-F238E27FC236}">
+                <a16:creationId xmlns="" xmlns:a16="http://schemas.microsoft.com/office/drawing/2014/main" id="{61D255B9-2D4F-4013-951E-B50709A0B821}"/>
+              </a:ext>
+            </a:extLst>
+          </p:cNvPr>
+          <p:cNvSpPr>
+            <a:spLocks noGrp="1"/>
+          </p:cNvSpPr>
+          <p:nvPr>
+            <p:ph type="ftr" sz="quarter" idx="11"/>
+          </p:nvPr>
+        </p:nvSpPr>
+        <p:spPr>
+          <a:xfrm>
+            <a:off x="3056012" y="6246036"/>
+            <a:ext cx="3031976" cy="457200"/>
+          </a:xfrm>
+        </p:spPr>
+        <p:txBody>
+          <a:bodyPr/>
+          <a:lstStyle/>
+          <a:p>
+            <a:pPr>
+              <a:defRPr/>
+            </a:pPr>
+            <a:r>
+              <a:rPr lang="en-US" altLang="zh-CN" dirty="0" smtClean="0"/>
+              <a:t>Southern University of Science and Technology</a:t>
+            </a:r>
+            <a:endParaRPr lang="en-US" altLang="en-US" dirty="0"/>
+          </a:p>
+        </p:txBody>
+      </p:sp>
     </p:spTree>
     <p:extLst>
       <p:ext uri="{BB962C8B-B14F-4D97-AF65-F5344CB8AC3E}">
@@ -17255,6 +16366,13 @@
   <p:clrMapOvr>
     <a:masterClrMapping/>
   </p:clrMapOvr>
+  <p:timing>
+    <p:tnLst>
+      <p:par>
+        <p:cTn id="1" dur="indefinite" restart="never" nodeType="tmRoot"/>
+      </p:par>
+    </p:tnLst>
+  </p:timing>
 </p:sld>
 </file>
 
@@ -17280,7 +16398,7 @@
           <p:cNvPr id="12290" name="Title 1">
             <a:extLst>
               <a:ext uri="{FF2B5EF4-FFF2-40B4-BE49-F238E27FC236}">
-                <a16:creationId xmlns:a16="http://schemas.microsoft.com/office/drawing/2014/main" id="{312D1348-727E-43BC-9440-FAC69CECF262}"/>
+                <a16:creationId xmlns="" xmlns:a16="http://schemas.microsoft.com/office/drawing/2014/main" id="{312D1348-727E-43BC-9440-FAC69CECF262}"/>
               </a:ext>
             </a:extLst>
           </p:cNvPr>
@@ -17306,8 +16424,17 @@
               <a:rPr lang="fr-FR" altLang="zh-TW" sz="5400" b="1" dirty="0">
                 <a:ea typeface="新細明體" panose="02020500000000000000" pitchFamily="18" charset="-120"/>
               </a:rPr>
-              <a:t>Performance analyses </a:t>
+              <a:t>Performance </a:t>
             </a:r>
+            <a:r>
+              <a:rPr lang="fr-FR" altLang="zh-TW" sz="5400" b="1" dirty="0" smtClean="0">
+                <a:ea typeface="新細明體" panose="02020500000000000000" pitchFamily="18" charset="-120"/>
+              </a:rPr>
+              <a:t>Analyses </a:t>
+            </a:r>
+            <a:endParaRPr lang="fr-FR" altLang="zh-TW" sz="5400" b="1" dirty="0">
+              <a:ea typeface="新細明體" panose="02020500000000000000" pitchFamily="18" charset="-120"/>
+            </a:endParaRPr>
           </a:p>
         </p:txBody>
       </p:sp>
@@ -17316,7 +16443,7 @@
           <p:cNvPr id="2" name="日期版面配置區 1">
             <a:extLst>
               <a:ext uri="{FF2B5EF4-FFF2-40B4-BE49-F238E27FC236}">
-                <a16:creationId xmlns:a16="http://schemas.microsoft.com/office/drawing/2014/main" id="{C55F9B2A-AB82-491B-A507-61EBC6B57F16}"/>
+                <a16:creationId xmlns="" xmlns:a16="http://schemas.microsoft.com/office/drawing/2014/main" id="{C55F9B2A-AB82-491B-A507-61EBC6B57F16}"/>
               </a:ext>
             </a:extLst>
           </p:cNvPr>
@@ -17340,7 +16467,7 @@
               <a:pPr>
                 <a:defRPr/>
               </a:pPr>
-              <a:t>6/1/2018</a:t>
+              <a:t>6/3/2018</a:t>
             </a:fld>
             <a:endParaRPr lang="en-US" altLang="en-US"/>
           </a:p>
@@ -17348,10 +16475,10 @@
       </p:sp>
       <p:sp>
         <p:nvSpPr>
-          <p:cNvPr id="3" name="頁尾版面配置區 2">
+          <p:cNvPr id="5" name="頁尾版面配置區 2">
             <a:extLst>
               <a:ext uri="{FF2B5EF4-FFF2-40B4-BE49-F238E27FC236}">
-                <a16:creationId xmlns:a16="http://schemas.microsoft.com/office/drawing/2014/main" id="{2D16B038-ECE3-4C9C-9B2D-D3F8CA2A38E3}"/>
+                <a16:creationId xmlns="" xmlns:a16="http://schemas.microsoft.com/office/drawing/2014/main" id="{61D255B9-2D4F-4013-951E-B50709A0B821}"/>
               </a:ext>
             </a:extLst>
           </p:cNvPr>
@@ -17362,7 +16489,12 @@
             <p:ph type="ftr" sz="quarter" idx="11"/>
           </p:nvPr>
         </p:nvSpPr>
-        <p:spPr/>
+        <p:spPr>
+          <a:xfrm>
+            <a:off x="3056012" y="6246036"/>
+            <a:ext cx="3031976" cy="457200"/>
+          </a:xfrm>
+        </p:spPr>
         <p:txBody>
           <a:bodyPr/>
           <a:lstStyle/>
@@ -17371,9 +16503,10 @@
               <a:defRPr/>
             </a:pPr>
             <a:r>
-              <a:rPr lang="en-US" altLang="en-US"/>
-              <a:t>Academic Editing Proofreading Service</a:t>
+              <a:rPr lang="en-US" altLang="zh-CN" dirty="0" smtClean="0"/>
+              <a:t>Southern University of Science and Technology</a:t>
             </a:r>
+            <a:endParaRPr lang="en-US" altLang="en-US" dirty="0"/>
           </a:p>
         </p:txBody>
       </p:sp>
@@ -17387,6 +16520,13 @@
   <p:clrMapOvr>
     <a:masterClrMapping/>
   </p:clrMapOvr>
+  <p:timing>
+    <p:tnLst>
+      <p:par>
+        <p:cTn id="1" dur="indefinite" restart="never" nodeType="tmRoot"/>
+      </p:par>
+    </p:tnLst>
+  </p:timing>
 </p:sld>
 </file>
 
@@ -17412,7 +16552,7 @@
           <p:cNvPr id="13314" name="Title 1">
             <a:extLst>
               <a:ext uri="{FF2B5EF4-FFF2-40B4-BE49-F238E27FC236}">
-                <a16:creationId xmlns:a16="http://schemas.microsoft.com/office/drawing/2014/main" id="{A3FB24C1-DD16-4D31-96FE-40461E6C9FF3}"/>
+                <a16:creationId xmlns="" xmlns:a16="http://schemas.microsoft.com/office/drawing/2014/main" id="{A3FB24C1-DD16-4D31-96FE-40461E6C9FF3}"/>
               </a:ext>
             </a:extLst>
           </p:cNvPr>
@@ -17456,7 +16596,7 @@
           <p:cNvPr id="2" name="日期版面配置區 1">
             <a:extLst>
               <a:ext uri="{FF2B5EF4-FFF2-40B4-BE49-F238E27FC236}">
-                <a16:creationId xmlns:a16="http://schemas.microsoft.com/office/drawing/2014/main" id="{EBBA9EE1-CF91-48B5-A5FC-39944E1C0D91}"/>
+                <a16:creationId xmlns="" xmlns:a16="http://schemas.microsoft.com/office/drawing/2014/main" id="{EBBA9EE1-CF91-48B5-A5FC-39944E1C0D91}"/>
               </a:ext>
             </a:extLst>
           </p:cNvPr>
@@ -17480,40 +16620,9 @@
               <a:pPr>
                 <a:defRPr/>
               </a:pPr>
-              <a:t>6/1/2018</a:t>
+              <a:t>6/3/2018</a:t>
             </a:fld>
             <a:endParaRPr lang="en-US" altLang="en-US"/>
-          </a:p>
-        </p:txBody>
-      </p:sp>
-      <p:sp>
-        <p:nvSpPr>
-          <p:cNvPr id="3" name="頁尾版面配置區 2">
-            <a:extLst>
-              <a:ext uri="{FF2B5EF4-FFF2-40B4-BE49-F238E27FC236}">
-                <a16:creationId xmlns:a16="http://schemas.microsoft.com/office/drawing/2014/main" id="{D314DF1B-4A89-41DD-9B72-AB49D5D45D1C}"/>
-              </a:ext>
-            </a:extLst>
-          </p:cNvPr>
-          <p:cNvSpPr>
-            <a:spLocks noGrp="1"/>
-          </p:cNvSpPr>
-          <p:nvPr>
-            <p:ph type="ftr" sz="quarter" idx="11"/>
-          </p:nvPr>
-        </p:nvSpPr>
-        <p:spPr/>
-        <p:txBody>
-          <a:bodyPr/>
-          <a:lstStyle/>
-          <a:p>
-            <a:pPr>
-              <a:defRPr/>
-            </a:pPr>
-            <a:r>
-              <a:rPr lang="en-US" altLang="en-US"/>
-              <a:t>Academic Editing Proofreading Service</a:t>
-            </a:r>
           </a:p>
         </p:txBody>
       </p:sp>
@@ -17522,7 +16631,7 @@
           <p:cNvPr id="8" name="Content Placeholder 2">
             <a:extLst>
               <a:ext uri="{FF2B5EF4-FFF2-40B4-BE49-F238E27FC236}">
-                <a16:creationId xmlns:a16="http://schemas.microsoft.com/office/drawing/2014/main" id="{F3847F1D-69C6-45F2-8115-884991D25622}"/>
+                <a16:creationId xmlns="" xmlns:a16="http://schemas.microsoft.com/office/drawing/2014/main" id="{F3847F1D-69C6-45F2-8115-884991D25622}"/>
               </a:ext>
             </a:extLst>
           </p:cNvPr>
@@ -17777,8 +16886,17 @@
               <a:rPr lang="en-US" altLang="zh-CN" sz="2100" kern="0" dirty="0">
                 <a:ea typeface="新細明體" panose="02020500000000000000" pitchFamily="18" charset="-120"/>
               </a:rPr>
-              <a:t>Images with fog</a:t>
+              <a:t>Images </a:t>
             </a:r>
+            <a:r>
+              <a:rPr lang="en-US" altLang="zh-CN" sz="2100" kern="0" dirty="0" smtClean="0">
+                <a:ea typeface="新細明體" panose="02020500000000000000" pitchFamily="18" charset="-120"/>
+              </a:rPr>
+              <a:t>without fog + fog</a:t>
+            </a:r>
+            <a:endParaRPr lang="en-US" altLang="zh-CN" sz="2100" kern="0" dirty="0">
+              <a:ea typeface="新細明體" panose="02020500000000000000" pitchFamily="18" charset="-120"/>
+            </a:endParaRPr>
           </a:p>
           <a:p>
             <a:pPr lvl="1" eaLnBrk="1" hangingPunct="1"/>
@@ -17859,7 +16977,7 @@
           <p:cNvPr id="4" name="图示 3">
             <a:extLst>
               <a:ext uri="{FF2B5EF4-FFF2-40B4-BE49-F238E27FC236}">
-                <a16:creationId xmlns:a16="http://schemas.microsoft.com/office/drawing/2014/main" id="{FF8917FA-E82F-41EE-8BA9-C50719FE5AA9}"/>
+                <a16:creationId xmlns="" xmlns:a16="http://schemas.microsoft.com/office/drawing/2014/main" id="{FF8917FA-E82F-41EE-8BA9-C50719FE5AA9}"/>
               </a:ext>
             </a:extLst>
           </p:cNvPr>
@@ -17867,7 +16985,7 @@
           <p:nvPr>
             <p:extLst>
               <p:ext uri="{D42A27DB-BD31-4B8C-83A1-F6EECF244321}">
-                <p14:modId xmlns:p14="http://schemas.microsoft.com/office/powerpoint/2010/main" val="194609478"/>
+                <p14:modId xmlns:p14="http://schemas.microsoft.com/office/powerpoint/2010/main" val="4150971906"/>
               </p:ext>
             </p:extLst>
           </p:nvPr>
@@ -17882,6 +17000,43 @@
           </a:graphicData>
         </a:graphic>
       </p:graphicFrame>
+      <p:sp>
+        <p:nvSpPr>
+          <p:cNvPr id="7" name="頁尾版面配置區 2">
+            <a:extLst>
+              <a:ext uri="{FF2B5EF4-FFF2-40B4-BE49-F238E27FC236}">
+                <a16:creationId xmlns="" xmlns:a16="http://schemas.microsoft.com/office/drawing/2014/main" id="{61D255B9-2D4F-4013-951E-B50709A0B821}"/>
+              </a:ext>
+            </a:extLst>
+          </p:cNvPr>
+          <p:cNvSpPr>
+            <a:spLocks noGrp="1"/>
+          </p:cNvSpPr>
+          <p:nvPr>
+            <p:ph type="ftr" sz="quarter" idx="11"/>
+          </p:nvPr>
+        </p:nvSpPr>
+        <p:spPr>
+          <a:xfrm>
+            <a:off x="3056012" y="6246036"/>
+            <a:ext cx="3031976" cy="457200"/>
+          </a:xfrm>
+        </p:spPr>
+        <p:txBody>
+          <a:bodyPr/>
+          <a:lstStyle/>
+          <a:p>
+            <a:pPr>
+              <a:defRPr/>
+            </a:pPr>
+            <a:r>
+              <a:rPr lang="en-US" altLang="zh-CN" dirty="0" smtClean="0"/>
+              <a:t>Southern University of Science and Technology</a:t>
+            </a:r>
+            <a:endParaRPr lang="en-US" altLang="en-US" dirty="0"/>
+          </a:p>
+        </p:txBody>
+      </p:sp>
     </p:spTree>
     <p:extLst>
       <p:ext uri="{BB962C8B-B14F-4D97-AF65-F5344CB8AC3E}">
@@ -17892,6 +17047,13 @@
   <p:clrMapOvr>
     <a:masterClrMapping/>
   </p:clrMapOvr>
+  <p:timing>
+    <p:tnLst>
+      <p:par>
+        <p:cTn id="1" dur="indefinite" restart="never" nodeType="tmRoot"/>
+      </p:par>
+    </p:tnLst>
+  </p:timing>
 </p:sld>
 </file>
 
@@ -17917,7 +17079,7 @@
           <p:cNvPr id="9218" name="Rectangle 2">
             <a:extLst>
               <a:ext uri="{FF2B5EF4-FFF2-40B4-BE49-F238E27FC236}">
-                <a16:creationId xmlns:a16="http://schemas.microsoft.com/office/drawing/2014/main" id="{5FD2D989-1AB5-4288-93BB-8C63D75167DF}"/>
+                <a16:creationId xmlns="" xmlns:a16="http://schemas.microsoft.com/office/drawing/2014/main" id="{5FD2D989-1AB5-4288-93BB-8C63D75167DF}"/>
               </a:ext>
             </a:extLst>
           </p:cNvPr>
@@ -17953,7 +17115,7 @@
           <p:cNvPr id="9219" name="Rectangle 3">
             <a:extLst>
               <a:ext uri="{FF2B5EF4-FFF2-40B4-BE49-F238E27FC236}">
-                <a16:creationId xmlns:a16="http://schemas.microsoft.com/office/drawing/2014/main" id="{B89574CA-10BF-4AEB-8714-D32A0D9ED57A}"/>
+                <a16:creationId xmlns="" xmlns:a16="http://schemas.microsoft.com/office/drawing/2014/main" id="{B89574CA-10BF-4AEB-8714-D32A0D9ED57A}"/>
               </a:ext>
             </a:extLst>
           </p:cNvPr>
@@ -18027,7 +17189,7 @@
           <p:cNvPr id="2" name="日期版面配置區 1">
             <a:extLst>
               <a:ext uri="{FF2B5EF4-FFF2-40B4-BE49-F238E27FC236}">
-                <a16:creationId xmlns:a16="http://schemas.microsoft.com/office/drawing/2014/main" id="{609ADBB6-FF92-45B7-BD03-6264CA3777A3}"/>
+                <a16:creationId xmlns="" xmlns:a16="http://schemas.microsoft.com/office/drawing/2014/main" id="{609ADBB6-FF92-45B7-BD03-6264CA3777A3}"/>
               </a:ext>
             </a:extLst>
           </p:cNvPr>
@@ -18051,7 +17213,7 @@
               <a:pPr>
                 <a:defRPr/>
               </a:pPr>
-              <a:t>6/1/2018</a:t>
+              <a:t>6/3/2018</a:t>
             </a:fld>
             <a:endParaRPr lang="en-US" altLang="en-US"/>
           </a:p>
@@ -18062,7 +17224,7 @@
           <p:cNvPr id="3" name="頁尾版面配置區 2">
             <a:extLst>
               <a:ext uri="{FF2B5EF4-FFF2-40B4-BE49-F238E27FC236}">
-                <a16:creationId xmlns:a16="http://schemas.microsoft.com/office/drawing/2014/main" id="{61D255B9-2D4F-4013-951E-B50709A0B821}"/>
+                <a16:creationId xmlns="" xmlns:a16="http://schemas.microsoft.com/office/drawing/2014/main" id="{61D255B9-2D4F-4013-951E-B50709A0B821}"/>
               </a:ext>
             </a:extLst>
           </p:cNvPr>
@@ -18073,7 +17235,12 @@
             <p:ph type="ftr" sz="quarter" idx="11"/>
           </p:nvPr>
         </p:nvSpPr>
-        <p:spPr/>
+        <p:spPr>
+          <a:xfrm>
+            <a:off x="3056012" y="6246036"/>
+            <a:ext cx="3031976" cy="457200"/>
+          </a:xfrm>
+        </p:spPr>
         <p:txBody>
           <a:bodyPr/>
           <a:lstStyle/>
@@ -18082,9 +17249,10 @@
               <a:defRPr/>
             </a:pPr>
             <a:r>
-              <a:rPr lang="en-US" altLang="en-US"/>
-              <a:t>Academic Editing Proofreading Service</a:t>
+              <a:rPr lang="en-US" altLang="zh-CN" dirty="0" smtClean="0"/>
+              <a:t>Southern University of Science and Technology</a:t>
             </a:r>
+            <a:endParaRPr lang="en-US" altLang="en-US" dirty="0"/>
           </a:p>
         </p:txBody>
       </p:sp>
@@ -18093,6 +17261,13 @@
   <p:clrMapOvr>
     <a:masterClrMapping/>
   </p:clrMapOvr>
+  <p:timing>
+    <p:tnLst>
+      <p:par>
+        <p:cTn id="1" dur="indefinite" restart="never" nodeType="tmRoot"/>
+      </p:par>
+    </p:tnLst>
+  </p:timing>
 </p:sld>
 </file>
 
@@ -18118,7 +17293,7 @@
           <p:cNvPr id="13314" name="Title 1">
             <a:extLst>
               <a:ext uri="{FF2B5EF4-FFF2-40B4-BE49-F238E27FC236}">
-                <a16:creationId xmlns:a16="http://schemas.microsoft.com/office/drawing/2014/main" id="{A3FB24C1-DD16-4D31-96FE-40461E6C9FF3}"/>
+                <a16:creationId xmlns="" xmlns:a16="http://schemas.microsoft.com/office/drawing/2014/main" id="{A3FB24C1-DD16-4D31-96FE-40461E6C9FF3}"/>
               </a:ext>
             </a:extLst>
           </p:cNvPr>
@@ -18173,7 +17348,7 @@
           <p:cNvPr id="2" name="日期版面配置區 1">
             <a:extLst>
               <a:ext uri="{FF2B5EF4-FFF2-40B4-BE49-F238E27FC236}">
-                <a16:creationId xmlns:a16="http://schemas.microsoft.com/office/drawing/2014/main" id="{EBBA9EE1-CF91-48B5-A5FC-39944E1C0D91}"/>
+                <a16:creationId xmlns="" xmlns:a16="http://schemas.microsoft.com/office/drawing/2014/main" id="{EBBA9EE1-CF91-48B5-A5FC-39944E1C0D91}"/>
               </a:ext>
             </a:extLst>
           </p:cNvPr>
@@ -18197,18 +17372,48 @@
               <a:pPr>
                 <a:defRPr/>
               </a:pPr>
-              <a:t>6/1/2018</a:t>
+              <a:t>6/3/2018</a:t>
             </a:fld>
             <a:endParaRPr lang="en-US" altLang="en-US"/>
           </a:p>
         </p:txBody>
       </p:sp>
+      <p:graphicFrame>
+        <p:nvGraphicFramePr>
+          <p:cNvPr id="6" name="图表 5">
+            <a:extLst>
+              <a:ext uri="{FF2B5EF4-FFF2-40B4-BE49-F238E27FC236}">
+                <a16:creationId xmlns="" xmlns:a16="http://schemas.microsoft.com/office/drawing/2014/main" id="{2AB1AFE6-FBB8-41F2-B492-88C06A2124A2}"/>
+              </a:ext>
+            </a:extLst>
+          </p:cNvPr>
+          <p:cNvGraphicFramePr>
+            <a:graphicFrameLocks/>
+          </p:cNvGraphicFramePr>
+          <p:nvPr>
+            <p:extLst>
+              <p:ext uri="{D42A27DB-BD31-4B8C-83A1-F6EECF244321}">
+                <p14:modId xmlns:p14="http://schemas.microsoft.com/office/powerpoint/2010/main" val="2495026847"/>
+              </p:ext>
+            </p:extLst>
+          </p:nvPr>
+        </p:nvGraphicFramePr>
+        <p:xfrm>
+          <a:off x="1370149" y="1556792"/>
+          <a:ext cx="6403702" cy="4412134"/>
+        </p:xfrm>
+        <a:graphic>
+          <a:graphicData uri="http://schemas.openxmlformats.org/drawingml/2006/chart">
+            <c:chart xmlns:c="http://schemas.openxmlformats.org/drawingml/2006/chart" xmlns:r="http://schemas.openxmlformats.org/officeDocument/2006/relationships" r:id="rId2"/>
+          </a:graphicData>
+        </a:graphic>
+      </p:graphicFrame>
       <p:sp>
         <p:nvSpPr>
-          <p:cNvPr id="3" name="頁尾版面配置區 2">
+          <p:cNvPr id="7" name="頁尾版面配置區 2">
             <a:extLst>
               <a:ext uri="{FF2B5EF4-FFF2-40B4-BE49-F238E27FC236}">
-                <a16:creationId xmlns:a16="http://schemas.microsoft.com/office/drawing/2014/main" id="{D314DF1B-4A89-41DD-9B72-AB49D5D45D1C}"/>
+                <a16:creationId xmlns="" xmlns:a16="http://schemas.microsoft.com/office/drawing/2014/main" id="{61D255B9-2D4F-4013-951E-B50709A0B821}"/>
               </a:ext>
             </a:extLst>
           </p:cNvPr>
@@ -18219,7 +17424,12 @@
             <p:ph type="ftr" sz="quarter" idx="11"/>
           </p:nvPr>
         </p:nvSpPr>
-        <p:spPr/>
+        <p:spPr>
+          <a:xfrm>
+            <a:off x="3056012" y="6246036"/>
+            <a:ext cx="3031976" cy="457200"/>
+          </a:xfrm>
+        </p:spPr>
         <p:txBody>
           <a:bodyPr/>
           <a:lstStyle/>
@@ -18228,42 +17438,13 @@
               <a:defRPr/>
             </a:pPr>
             <a:r>
-              <a:rPr lang="en-US" altLang="en-US"/>
-              <a:t>Academic Editing Proofreading Service</a:t>
+              <a:rPr lang="en-US" altLang="zh-CN" dirty="0" smtClean="0"/>
+              <a:t>Southern University of Science and Technology</a:t>
             </a:r>
+            <a:endParaRPr lang="en-US" altLang="en-US" dirty="0"/>
           </a:p>
         </p:txBody>
       </p:sp>
-      <p:graphicFrame>
-        <p:nvGraphicFramePr>
-          <p:cNvPr id="6" name="图表 5">
-            <a:extLst>
-              <a:ext uri="{FF2B5EF4-FFF2-40B4-BE49-F238E27FC236}">
-                <a16:creationId xmlns:a16="http://schemas.microsoft.com/office/drawing/2014/main" id="{2AB1AFE6-FBB8-41F2-B492-88C06A2124A2}"/>
-              </a:ext>
-            </a:extLst>
-          </p:cNvPr>
-          <p:cNvGraphicFramePr>
-            <a:graphicFrameLocks/>
-          </p:cNvGraphicFramePr>
-          <p:nvPr>
-            <p:extLst>
-              <p:ext uri="{D42A27DB-BD31-4B8C-83A1-F6EECF244321}">
-                <p14:modId xmlns:p14="http://schemas.microsoft.com/office/powerpoint/2010/main" val="1047223035"/>
-              </p:ext>
-            </p:extLst>
-          </p:nvPr>
-        </p:nvGraphicFramePr>
-        <p:xfrm>
-          <a:off x="1840706" y="1681162"/>
-          <a:ext cx="5462588" cy="3495675"/>
-        </p:xfrm>
-        <a:graphic>
-          <a:graphicData uri="http://schemas.openxmlformats.org/drawingml/2006/chart">
-            <c:chart xmlns:c="http://schemas.openxmlformats.org/drawingml/2006/chart" xmlns:r="http://schemas.openxmlformats.org/officeDocument/2006/relationships" r:id="rId2"/>
-          </a:graphicData>
-        </a:graphic>
-      </p:graphicFrame>
     </p:spTree>
     <p:extLst>
       <p:ext uri="{BB962C8B-B14F-4D97-AF65-F5344CB8AC3E}">
@@ -18274,6 +17455,13 @@
   <p:clrMapOvr>
     <a:masterClrMapping/>
   </p:clrMapOvr>
+  <p:timing>
+    <p:tnLst>
+      <p:par>
+        <p:cTn id="1" dur="indefinite" restart="never" nodeType="tmRoot"/>
+      </p:par>
+    </p:tnLst>
+  </p:timing>
 </p:sld>
 </file>
 
@@ -18299,7 +17487,7 @@
           <p:cNvPr id="13314" name="Title 1">
             <a:extLst>
               <a:ext uri="{FF2B5EF4-FFF2-40B4-BE49-F238E27FC236}">
-                <a16:creationId xmlns:a16="http://schemas.microsoft.com/office/drawing/2014/main" id="{A3FB24C1-DD16-4D31-96FE-40461E6C9FF3}"/>
+                <a16:creationId xmlns="" xmlns:a16="http://schemas.microsoft.com/office/drawing/2014/main" id="{A3FB24C1-DD16-4D31-96FE-40461E6C9FF3}"/>
               </a:ext>
             </a:extLst>
           </p:cNvPr>
@@ -18354,7 +17542,7 @@
           <p:cNvPr id="2" name="日期版面配置區 1">
             <a:extLst>
               <a:ext uri="{FF2B5EF4-FFF2-40B4-BE49-F238E27FC236}">
-                <a16:creationId xmlns:a16="http://schemas.microsoft.com/office/drawing/2014/main" id="{EBBA9EE1-CF91-48B5-A5FC-39944E1C0D91}"/>
+                <a16:creationId xmlns="" xmlns:a16="http://schemas.microsoft.com/office/drawing/2014/main" id="{EBBA9EE1-CF91-48B5-A5FC-39944E1C0D91}"/>
               </a:ext>
             </a:extLst>
           </p:cNvPr>
@@ -18378,18 +17566,48 @@
               <a:pPr>
                 <a:defRPr/>
               </a:pPr>
-              <a:t>6/1/2018</a:t>
+              <a:t>6/3/2018</a:t>
             </a:fld>
             <a:endParaRPr lang="en-US" altLang="en-US"/>
           </a:p>
         </p:txBody>
       </p:sp>
+      <p:graphicFrame>
+        <p:nvGraphicFramePr>
+          <p:cNvPr id="8" name="图表 7">
+            <a:extLst>
+              <a:ext uri="{FF2B5EF4-FFF2-40B4-BE49-F238E27FC236}">
+                <a16:creationId xmlns="" xmlns:a16="http://schemas.microsoft.com/office/drawing/2014/main" id="{B84AFF77-1482-478E-A610-57FDE1D1CC24}"/>
+              </a:ext>
+            </a:extLst>
+          </p:cNvPr>
+          <p:cNvGraphicFramePr>
+            <a:graphicFrameLocks/>
+          </p:cNvGraphicFramePr>
+          <p:nvPr>
+            <p:extLst>
+              <p:ext uri="{D42A27DB-BD31-4B8C-83A1-F6EECF244321}">
+                <p14:modId xmlns:p14="http://schemas.microsoft.com/office/powerpoint/2010/main" val="2703582890"/>
+              </p:ext>
+            </p:extLst>
+          </p:nvPr>
+        </p:nvGraphicFramePr>
+        <p:xfrm>
+          <a:off x="1369800" y="1556792"/>
+          <a:ext cx="6404400" cy="4413600"/>
+        </p:xfrm>
+        <a:graphic>
+          <a:graphicData uri="http://schemas.openxmlformats.org/drawingml/2006/chart">
+            <c:chart xmlns:c="http://schemas.openxmlformats.org/drawingml/2006/chart" xmlns:r="http://schemas.openxmlformats.org/officeDocument/2006/relationships" r:id="rId2"/>
+          </a:graphicData>
+        </a:graphic>
+      </p:graphicFrame>
       <p:sp>
         <p:nvSpPr>
-          <p:cNvPr id="3" name="頁尾版面配置區 2">
+          <p:cNvPr id="6" name="頁尾版面配置區 2">
             <a:extLst>
               <a:ext uri="{FF2B5EF4-FFF2-40B4-BE49-F238E27FC236}">
-                <a16:creationId xmlns:a16="http://schemas.microsoft.com/office/drawing/2014/main" id="{D314DF1B-4A89-41DD-9B72-AB49D5D45D1C}"/>
+                <a16:creationId xmlns="" xmlns:a16="http://schemas.microsoft.com/office/drawing/2014/main" id="{61D255B9-2D4F-4013-951E-B50709A0B821}"/>
               </a:ext>
             </a:extLst>
           </p:cNvPr>
@@ -18400,7 +17618,12 @@
             <p:ph type="ftr" sz="quarter" idx="11"/>
           </p:nvPr>
         </p:nvSpPr>
-        <p:spPr/>
+        <p:spPr>
+          <a:xfrm>
+            <a:off x="3056012" y="6246036"/>
+            <a:ext cx="3031976" cy="457200"/>
+          </a:xfrm>
+        </p:spPr>
         <p:txBody>
           <a:bodyPr/>
           <a:lstStyle/>
@@ -18409,42 +17632,13 @@
               <a:defRPr/>
             </a:pPr>
             <a:r>
-              <a:rPr lang="en-US" altLang="en-US"/>
-              <a:t>Academic Editing Proofreading Service</a:t>
+              <a:rPr lang="en-US" altLang="zh-CN" dirty="0" smtClean="0"/>
+              <a:t>Southern University of Science and Technology</a:t>
             </a:r>
+            <a:endParaRPr lang="en-US" altLang="en-US" dirty="0"/>
           </a:p>
         </p:txBody>
       </p:sp>
-      <p:graphicFrame>
-        <p:nvGraphicFramePr>
-          <p:cNvPr id="8" name="图表 7">
-            <a:extLst>
-              <a:ext uri="{FF2B5EF4-FFF2-40B4-BE49-F238E27FC236}">
-                <a16:creationId xmlns:a16="http://schemas.microsoft.com/office/drawing/2014/main" id="{B84AFF77-1482-478E-A610-57FDE1D1CC24}"/>
-              </a:ext>
-            </a:extLst>
-          </p:cNvPr>
-          <p:cNvGraphicFramePr>
-            <a:graphicFrameLocks/>
-          </p:cNvGraphicFramePr>
-          <p:nvPr>
-            <p:extLst>
-              <p:ext uri="{D42A27DB-BD31-4B8C-83A1-F6EECF244321}">
-                <p14:modId xmlns:p14="http://schemas.microsoft.com/office/powerpoint/2010/main" val="2696038998"/>
-              </p:ext>
-            </p:extLst>
-          </p:nvPr>
-        </p:nvGraphicFramePr>
-        <p:xfrm>
-          <a:off x="1841400" y="1681200"/>
-          <a:ext cx="5461200" cy="3495600"/>
-        </p:xfrm>
-        <a:graphic>
-          <a:graphicData uri="http://schemas.openxmlformats.org/drawingml/2006/chart">
-            <c:chart xmlns:c="http://schemas.openxmlformats.org/drawingml/2006/chart" xmlns:r="http://schemas.openxmlformats.org/officeDocument/2006/relationships" r:id="rId2"/>
-          </a:graphicData>
-        </a:graphic>
-      </p:graphicFrame>
     </p:spTree>
     <p:extLst>
       <p:ext uri="{BB962C8B-B14F-4D97-AF65-F5344CB8AC3E}">
@@ -18455,6 +17649,13 @@
   <p:clrMapOvr>
     <a:masterClrMapping/>
   </p:clrMapOvr>
+  <p:timing>
+    <p:tnLst>
+      <p:par>
+        <p:cTn id="1" dur="indefinite" restart="never" nodeType="tmRoot"/>
+      </p:par>
+    </p:tnLst>
+  </p:timing>
 </p:sld>
 </file>
 
@@ -18480,7 +17681,7 @@
           <p:cNvPr id="13314" name="Title 1">
             <a:extLst>
               <a:ext uri="{FF2B5EF4-FFF2-40B4-BE49-F238E27FC236}">
-                <a16:creationId xmlns:a16="http://schemas.microsoft.com/office/drawing/2014/main" id="{A3FB24C1-DD16-4D31-96FE-40461E6C9FF3}"/>
+                <a16:creationId xmlns="" xmlns:a16="http://schemas.microsoft.com/office/drawing/2014/main" id="{A3FB24C1-DD16-4D31-96FE-40461E6C9FF3}"/>
               </a:ext>
             </a:extLst>
           </p:cNvPr>
@@ -18506,182 +17707,13 @@
               <a:rPr lang="en-US" altLang="zh-TW" b="1" dirty="0">
                 <a:ea typeface="新細明體" panose="02020500000000000000" pitchFamily="18" charset="-120"/>
               </a:rPr>
-              <a:t>Dark Channel Construction </a:t>
+              <a:t>Dark Channel Construction</a:t>
             </a:r>
-            <a:br>
-              <a:rPr lang="en-US" altLang="zh-TW" b="1" dirty="0">
-                <a:ea typeface="新細明體" panose="02020500000000000000" pitchFamily="18" charset="-120"/>
-              </a:rPr>
-            </a:br>
             <a:r>
               <a:rPr lang="en-US" altLang="zh-TW" b="1" dirty="0">
                 <a:ea typeface="新細明體" panose="02020500000000000000" pitchFamily="18" charset="-120"/>
               </a:rPr>
-              <a:t>– Total Time Consumption</a:t>
-            </a:r>
-            <a:br>
-              <a:rPr lang="en-US" altLang="zh-TW" b="1" dirty="0">
-                <a:ea typeface="新細明體" panose="02020500000000000000" pitchFamily="18" charset="-120"/>
-              </a:rPr>
-            </a:br>
-            <a:endParaRPr lang="zh-TW" altLang="en-US" b="1" dirty="0">
-              <a:ea typeface="新細明體" panose="02020500000000000000" pitchFamily="18" charset="-120"/>
-            </a:endParaRPr>
-          </a:p>
-        </p:txBody>
-      </p:sp>
-      <p:sp>
-        <p:nvSpPr>
-          <p:cNvPr id="2" name="日期版面配置區 1">
-            <a:extLst>
-              <a:ext uri="{FF2B5EF4-FFF2-40B4-BE49-F238E27FC236}">
-                <a16:creationId xmlns:a16="http://schemas.microsoft.com/office/drawing/2014/main" id="{EBBA9EE1-CF91-48B5-A5FC-39944E1C0D91}"/>
-              </a:ext>
-            </a:extLst>
-          </p:cNvPr>
-          <p:cNvSpPr>
-            <a:spLocks noGrp="1"/>
-          </p:cNvSpPr>
-          <p:nvPr>
-            <p:ph type="dt" sz="quarter" idx="10"/>
-          </p:nvPr>
-        </p:nvSpPr>
-        <p:spPr/>
-        <p:txBody>
-          <a:bodyPr/>
-          <a:lstStyle/>
-          <a:p>
-            <a:pPr>
-              <a:defRPr/>
-            </a:pPr>
-            <a:fld id="{579B02EA-46D1-47B1-8324-179A3B4D3F83}" type="datetime1">
-              <a:rPr lang="en-US" altLang="en-US"/>
-              <a:pPr>
-                <a:defRPr/>
-              </a:pPr>
-              <a:t>6/1/2018</a:t>
-            </a:fld>
-            <a:endParaRPr lang="en-US" altLang="en-US"/>
-          </a:p>
-        </p:txBody>
-      </p:sp>
-      <p:sp>
-        <p:nvSpPr>
-          <p:cNvPr id="3" name="頁尾版面配置區 2">
-            <a:extLst>
-              <a:ext uri="{FF2B5EF4-FFF2-40B4-BE49-F238E27FC236}">
-                <a16:creationId xmlns:a16="http://schemas.microsoft.com/office/drawing/2014/main" id="{D314DF1B-4A89-41DD-9B72-AB49D5D45D1C}"/>
-              </a:ext>
-            </a:extLst>
-          </p:cNvPr>
-          <p:cNvSpPr>
-            <a:spLocks noGrp="1"/>
-          </p:cNvSpPr>
-          <p:nvPr>
-            <p:ph type="ftr" sz="quarter" idx="11"/>
-          </p:nvPr>
-        </p:nvSpPr>
-        <p:spPr/>
-        <p:txBody>
-          <a:bodyPr/>
-          <a:lstStyle/>
-          <a:p>
-            <a:pPr>
-              <a:defRPr/>
-            </a:pPr>
-            <a:r>
-              <a:rPr lang="en-US" altLang="en-US"/>
-              <a:t>Academic Editing Proofreading Service</a:t>
-            </a:r>
-          </a:p>
-        </p:txBody>
-      </p:sp>
-      <p:graphicFrame>
-        <p:nvGraphicFramePr>
-          <p:cNvPr id="6" name="图表 5">
-            <a:extLst>
-              <a:ext uri="{FF2B5EF4-FFF2-40B4-BE49-F238E27FC236}">
-                <a16:creationId xmlns:a16="http://schemas.microsoft.com/office/drawing/2014/main" id="{A1FF9DA2-9C83-4FF5-A0CC-DFC69B3D224A}"/>
-              </a:ext>
-            </a:extLst>
-          </p:cNvPr>
-          <p:cNvGraphicFramePr>
-            <a:graphicFrameLocks/>
-          </p:cNvGraphicFramePr>
-          <p:nvPr/>
-        </p:nvGraphicFramePr>
-        <p:xfrm>
-          <a:off x="1841400" y="1681200"/>
-          <a:ext cx="5461200" cy="3495600"/>
-        </p:xfrm>
-        <a:graphic>
-          <a:graphicData uri="http://schemas.openxmlformats.org/drawingml/2006/chart">
-            <c:chart xmlns:c="http://schemas.openxmlformats.org/drawingml/2006/chart" xmlns:r="http://schemas.openxmlformats.org/officeDocument/2006/relationships" r:id="rId2"/>
-          </a:graphicData>
-        </a:graphic>
-      </p:graphicFrame>
-    </p:spTree>
-    <p:extLst>
-      <p:ext uri="{BB962C8B-B14F-4D97-AF65-F5344CB8AC3E}">
-        <p14:creationId xmlns:p14="http://schemas.microsoft.com/office/powerpoint/2010/main" val="2285042505"/>
-      </p:ext>
-    </p:extLst>
-  </p:cSld>
-  <p:clrMapOvr>
-    <a:masterClrMapping/>
-  </p:clrMapOvr>
-</p:sld>
-</file>
-
-<file path=ppt/slides/slide23.xml><?xml version="1.0" encoding="utf-8"?>
-<p:sld xmlns:a="http://schemas.openxmlformats.org/drawingml/2006/main" xmlns:r="http://schemas.openxmlformats.org/officeDocument/2006/relationships" xmlns:p="http://schemas.openxmlformats.org/presentationml/2006/main">
-  <p:cSld>
-    <p:spTree>
-      <p:nvGrpSpPr>
-        <p:cNvPr id="1" name=""/>
-        <p:cNvGrpSpPr/>
-        <p:nvPr/>
-      </p:nvGrpSpPr>
-      <p:grpSpPr>
-        <a:xfrm>
-          <a:off x="0" y="0"/>
-          <a:ext cx="0" cy="0"/>
-          <a:chOff x="0" y="0"/>
-          <a:chExt cx="0" cy="0"/>
-        </a:xfrm>
-      </p:grpSpPr>
-      <p:sp>
-        <p:nvSpPr>
-          <p:cNvPr id="13314" name="Title 1">
-            <a:extLst>
-              <a:ext uri="{FF2B5EF4-FFF2-40B4-BE49-F238E27FC236}">
-                <a16:creationId xmlns:a16="http://schemas.microsoft.com/office/drawing/2014/main" id="{A3FB24C1-DD16-4D31-96FE-40461E6C9FF3}"/>
-              </a:ext>
-            </a:extLst>
-          </p:cNvPr>
-          <p:cNvSpPr>
-            <a:spLocks noGrp="1" noChangeArrowheads="1"/>
-          </p:cNvSpPr>
-          <p:nvPr>
-            <p:ph type="title" idx="4294967295"/>
-          </p:nvPr>
-        </p:nvSpPr>
-        <p:spPr>
-          <a:xfrm>
-            <a:off x="530638" y="692696"/>
-            <a:ext cx="8229600" cy="1139825"/>
-          </a:xfrm>
-        </p:spPr>
-        <p:txBody>
-          <a:bodyPr anchor="ctr"/>
-          <a:lstStyle/>
-          <a:p>
-            <a:pPr eaLnBrk="1" hangingPunct="1"/>
-            <a:r>
-              <a:rPr lang="en-US" altLang="zh-TW" b="1" dirty="0">
-                <a:ea typeface="新細明體" panose="02020500000000000000" pitchFamily="18" charset="-120"/>
-              </a:rPr>
-              <a:t>Dark Channel Construction </a:t>
+              <a:t/>
             </a:r>
             <a:br>
               <a:rPr lang="en-US" altLang="zh-TW" b="1" dirty="0">
@@ -18710,7 +17742,7 @@
           <p:cNvPr id="2" name="日期版面配置區 1">
             <a:extLst>
               <a:ext uri="{FF2B5EF4-FFF2-40B4-BE49-F238E27FC236}">
-                <a16:creationId xmlns:a16="http://schemas.microsoft.com/office/drawing/2014/main" id="{EBBA9EE1-CF91-48B5-A5FC-39944E1C0D91}"/>
+                <a16:creationId xmlns="" xmlns:a16="http://schemas.microsoft.com/office/drawing/2014/main" id="{EBBA9EE1-CF91-48B5-A5FC-39944E1C0D91}"/>
               </a:ext>
             </a:extLst>
           </p:cNvPr>
@@ -18734,7 +17766,7 @@
               <a:pPr>
                 <a:defRPr/>
               </a:pPr>
-              <a:t>6/1/2018</a:t>
+              <a:t>6/3/2018</a:t>
             </a:fld>
             <a:endParaRPr lang="en-US" altLang="en-US"/>
           </a:p>
@@ -18742,10 +17774,10 @@
       </p:sp>
       <p:sp>
         <p:nvSpPr>
-          <p:cNvPr id="3" name="頁尾版面配置區 2">
+          <p:cNvPr id="7" name="頁尾版面配置區 2">
             <a:extLst>
               <a:ext uri="{FF2B5EF4-FFF2-40B4-BE49-F238E27FC236}">
-                <a16:creationId xmlns:a16="http://schemas.microsoft.com/office/drawing/2014/main" id="{D314DF1B-4A89-41DD-9B72-AB49D5D45D1C}"/>
+                <a16:creationId xmlns="" xmlns:a16="http://schemas.microsoft.com/office/drawing/2014/main" id="{61D255B9-2D4F-4013-951E-B50709A0B821}"/>
               </a:ext>
             </a:extLst>
           </p:cNvPr>
@@ -18756,7 +17788,12 @@
             <p:ph type="ftr" sz="quarter" idx="11"/>
           </p:nvPr>
         </p:nvSpPr>
-        <p:spPr/>
+        <p:spPr>
+          <a:xfrm>
+            <a:off x="3056012" y="6246036"/>
+            <a:ext cx="3031976" cy="457200"/>
+          </a:xfrm>
+        </p:spPr>
         <p:txBody>
           <a:bodyPr/>
           <a:lstStyle/>
@@ -18765,29 +17802,210 @@
               <a:defRPr/>
             </a:pPr>
             <a:r>
-              <a:rPr lang="en-US" altLang="en-US"/>
-              <a:t>Academic Editing Proofreading Service</a:t>
+              <a:rPr lang="en-US" altLang="zh-CN" dirty="0" smtClean="0"/>
+              <a:t>Southern University of Science and Technology</a:t>
             </a:r>
+            <a:endParaRPr lang="en-US" altLang="en-US" dirty="0"/>
+          </a:p>
+        </p:txBody>
+      </p:sp>
+      <p:sp>
+        <p:nvSpPr>
+          <p:cNvPr id="8" name="頁尾版面配置區 2">
+            <a:extLst>
+              <a:ext uri="{FF2B5EF4-FFF2-40B4-BE49-F238E27FC236}">
+                <a16:creationId xmlns="" xmlns:a16="http://schemas.microsoft.com/office/drawing/2014/main" id="{61D255B9-2D4F-4013-951E-B50709A0B821}"/>
+              </a:ext>
+            </a:extLst>
+          </p:cNvPr>
+          <p:cNvSpPr txBox="1">
+            <a:spLocks/>
+          </p:cNvSpPr>
+          <p:nvPr/>
+        </p:nvSpPr>
+        <p:spPr bwMode="auto">
+          <a:xfrm>
+            <a:off x="3208412" y="6398436"/>
+            <a:ext cx="3031976" cy="457200"/>
+          </a:xfrm>
+          <a:prstGeom prst="rect">
+            <a:avLst/>
+          </a:prstGeom>
+          <a:noFill/>
+          <a:ln w="9525">
+            <a:noFill/>
+            <a:miter lim="800000"/>
+            <a:headEnd/>
+            <a:tailEnd/>
+          </a:ln>
+          <a:effectLst/>
+        </p:spPr>
+        <p:txBody>
+          <a:bodyPr vert="horz" wrap="square" lIns="91440" tIns="45720" rIns="91440" bIns="45720" numCol="1" anchor="b" anchorCtr="0" compatLnSpc="1">
+            <a:prstTxWarp prst="textNoShape">
+              <a:avLst/>
+            </a:prstTxWarp>
+          </a:bodyPr>
+          <a:lstStyle>
+            <a:defPPr>
+              <a:defRPr lang="en-US"/>
+            </a:defPPr>
+            <a:lvl1pPr algn="ctr" rtl="0" eaLnBrk="1" fontAlgn="base" hangingPunct="1">
+              <a:spcBef>
+                <a:spcPct val="0"/>
+              </a:spcBef>
+              <a:spcAft>
+                <a:spcPct val="0"/>
+              </a:spcAft>
+              <a:defRPr sz="1200" kern="1200">
+                <a:solidFill>
+                  <a:schemeClr val="tx1"/>
+                </a:solidFill>
+                <a:latin typeface="+mj-lt"/>
+                <a:ea typeface="+mn-ea"/>
+                <a:cs typeface="+mn-cs"/>
+              </a:defRPr>
+            </a:lvl1pPr>
+            <a:lvl2pPr marL="457200" algn="l" rtl="0" eaLnBrk="0" fontAlgn="base" hangingPunct="0">
+              <a:spcBef>
+                <a:spcPct val="0"/>
+              </a:spcBef>
+              <a:spcAft>
+                <a:spcPct val="0"/>
+              </a:spcAft>
+              <a:defRPr kern="1200">
+                <a:solidFill>
+                  <a:schemeClr val="tx1"/>
+                </a:solidFill>
+                <a:latin typeface="Arial" panose="020B0604020202020204" pitchFamily="34" charset="0"/>
+                <a:ea typeface="+mn-ea"/>
+                <a:cs typeface="+mn-cs"/>
+              </a:defRPr>
+            </a:lvl2pPr>
+            <a:lvl3pPr marL="914400" algn="l" rtl="0" eaLnBrk="0" fontAlgn="base" hangingPunct="0">
+              <a:spcBef>
+                <a:spcPct val="0"/>
+              </a:spcBef>
+              <a:spcAft>
+                <a:spcPct val="0"/>
+              </a:spcAft>
+              <a:defRPr kern="1200">
+                <a:solidFill>
+                  <a:schemeClr val="tx1"/>
+                </a:solidFill>
+                <a:latin typeface="Arial" panose="020B0604020202020204" pitchFamily="34" charset="0"/>
+                <a:ea typeface="+mn-ea"/>
+                <a:cs typeface="+mn-cs"/>
+              </a:defRPr>
+            </a:lvl3pPr>
+            <a:lvl4pPr marL="1371600" algn="l" rtl="0" eaLnBrk="0" fontAlgn="base" hangingPunct="0">
+              <a:spcBef>
+                <a:spcPct val="0"/>
+              </a:spcBef>
+              <a:spcAft>
+                <a:spcPct val="0"/>
+              </a:spcAft>
+              <a:defRPr kern="1200">
+                <a:solidFill>
+                  <a:schemeClr val="tx1"/>
+                </a:solidFill>
+                <a:latin typeface="Arial" panose="020B0604020202020204" pitchFamily="34" charset="0"/>
+                <a:ea typeface="+mn-ea"/>
+                <a:cs typeface="+mn-cs"/>
+              </a:defRPr>
+            </a:lvl4pPr>
+            <a:lvl5pPr marL="1828800" algn="l" rtl="0" eaLnBrk="0" fontAlgn="base" hangingPunct="0">
+              <a:spcBef>
+                <a:spcPct val="0"/>
+              </a:spcBef>
+              <a:spcAft>
+                <a:spcPct val="0"/>
+              </a:spcAft>
+              <a:defRPr kern="1200">
+                <a:solidFill>
+                  <a:schemeClr val="tx1"/>
+                </a:solidFill>
+                <a:latin typeface="Arial" panose="020B0604020202020204" pitchFamily="34" charset="0"/>
+                <a:ea typeface="+mn-ea"/>
+                <a:cs typeface="+mn-cs"/>
+              </a:defRPr>
+            </a:lvl5pPr>
+            <a:lvl6pPr marL="2286000" algn="l" defTabSz="914400" rtl="0" eaLnBrk="1" latinLnBrk="0" hangingPunct="1">
+              <a:defRPr kern="1200">
+                <a:solidFill>
+                  <a:schemeClr val="tx1"/>
+                </a:solidFill>
+                <a:latin typeface="Arial" panose="020B0604020202020204" pitchFamily="34" charset="0"/>
+                <a:ea typeface="+mn-ea"/>
+                <a:cs typeface="+mn-cs"/>
+              </a:defRPr>
+            </a:lvl6pPr>
+            <a:lvl7pPr marL="2743200" algn="l" defTabSz="914400" rtl="0" eaLnBrk="1" latinLnBrk="0" hangingPunct="1">
+              <a:defRPr kern="1200">
+                <a:solidFill>
+                  <a:schemeClr val="tx1"/>
+                </a:solidFill>
+                <a:latin typeface="Arial" panose="020B0604020202020204" pitchFamily="34" charset="0"/>
+                <a:ea typeface="+mn-ea"/>
+                <a:cs typeface="+mn-cs"/>
+              </a:defRPr>
+            </a:lvl7pPr>
+            <a:lvl8pPr marL="3200400" algn="l" defTabSz="914400" rtl="0" eaLnBrk="1" latinLnBrk="0" hangingPunct="1">
+              <a:defRPr kern="1200">
+                <a:solidFill>
+                  <a:schemeClr val="tx1"/>
+                </a:solidFill>
+                <a:latin typeface="Arial" panose="020B0604020202020204" pitchFamily="34" charset="0"/>
+                <a:ea typeface="+mn-ea"/>
+                <a:cs typeface="+mn-cs"/>
+              </a:defRPr>
+            </a:lvl8pPr>
+            <a:lvl9pPr marL="3657600" algn="l" defTabSz="914400" rtl="0" eaLnBrk="1" latinLnBrk="0" hangingPunct="1">
+              <a:defRPr kern="1200">
+                <a:solidFill>
+                  <a:schemeClr val="tx1"/>
+                </a:solidFill>
+                <a:latin typeface="Arial" panose="020B0604020202020204" pitchFamily="34" charset="0"/>
+                <a:ea typeface="+mn-ea"/>
+                <a:cs typeface="+mn-cs"/>
+              </a:defRPr>
+            </a:lvl9pPr>
+          </a:lstStyle>
+          <a:p>
+            <a:pPr>
+              <a:defRPr/>
+            </a:pPr>
+            <a:r>
+              <a:rPr lang="en-US" altLang="zh-CN" smtClean="0"/>
+              <a:t>Southern University of Science and Technology</a:t>
+            </a:r>
+            <a:endParaRPr lang="en-US" altLang="en-US" dirty="0"/>
           </a:p>
         </p:txBody>
       </p:sp>
       <p:graphicFrame>
         <p:nvGraphicFramePr>
-          <p:cNvPr id="7" name="图表 6">
+          <p:cNvPr id="10" name="图表 9">
             <a:extLst>
               <a:ext uri="{FF2B5EF4-FFF2-40B4-BE49-F238E27FC236}">
-                <a16:creationId xmlns:a16="http://schemas.microsoft.com/office/drawing/2014/main" id="{BEF9883A-CBB3-4C53-913E-3337C76F5940}"/>
+                <a16:creationId xmlns="" xmlns:xdr="http://schemas.openxmlformats.org/drawingml/2006/spreadsheetDrawing" xmlns:a16="http://schemas.microsoft.com/office/drawing/2014/main" xmlns:lc="http://schemas.openxmlformats.org/drawingml/2006/lockedCanvas" id="{BEF9883A-CBB3-4C53-913E-3337C76F5940}"/>
               </a:ext>
             </a:extLst>
           </p:cNvPr>
           <p:cNvGraphicFramePr>
             <a:graphicFrameLocks/>
           </p:cNvGraphicFramePr>
-          <p:nvPr/>
+          <p:nvPr>
+            <p:extLst>
+              <p:ext uri="{D42A27DB-BD31-4B8C-83A1-F6EECF244321}">
+                <p14:modId xmlns:p14="http://schemas.microsoft.com/office/powerpoint/2010/main" val="1828096264"/>
+              </p:ext>
+            </p:extLst>
+          </p:nvPr>
         </p:nvGraphicFramePr>
         <p:xfrm>
-          <a:off x="1841400" y="1681200"/>
-          <a:ext cx="5461200" cy="3495600"/>
+          <a:off x="1443238" y="1556792"/>
+          <a:ext cx="6404400" cy="4413600"/>
         </p:xfrm>
         <a:graphic>
           <a:graphicData uri="http://schemas.openxmlformats.org/drawingml/2006/chart">
@@ -18798,17 +18016,24 @@
     </p:spTree>
     <p:extLst>
       <p:ext uri="{BB962C8B-B14F-4D97-AF65-F5344CB8AC3E}">
-        <p14:creationId xmlns:p14="http://schemas.microsoft.com/office/powerpoint/2010/main" val="3812487957"/>
+        <p14:creationId xmlns:p14="http://schemas.microsoft.com/office/powerpoint/2010/main" val="3677508553"/>
       </p:ext>
     </p:extLst>
   </p:cSld>
   <p:clrMapOvr>
     <a:masterClrMapping/>
   </p:clrMapOvr>
+  <p:timing>
+    <p:tnLst>
+      <p:par>
+        <p:cTn id="1" dur="indefinite" restart="never" nodeType="tmRoot"/>
+      </p:par>
+    </p:tnLst>
+  </p:timing>
 </p:sld>
 </file>
 
-<file path=ppt/slides/slide24.xml><?xml version="1.0" encoding="utf-8"?>
+<file path=ppt/slides/slide23.xml><?xml version="1.0" encoding="utf-8"?>
 <p:sld xmlns:a="http://schemas.openxmlformats.org/drawingml/2006/main" xmlns:r="http://schemas.openxmlformats.org/officeDocument/2006/relationships" xmlns:p="http://schemas.openxmlformats.org/presentationml/2006/main">
   <p:cSld>
     <p:spTree>
@@ -18830,7 +18055,7 @@
           <p:cNvPr id="13314" name="Title 1">
             <a:extLst>
               <a:ext uri="{FF2B5EF4-FFF2-40B4-BE49-F238E27FC236}">
-                <a16:creationId xmlns:a16="http://schemas.microsoft.com/office/drawing/2014/main" id="{A3FB24C1-DD16-4D31-96FE-40461E6C9FF3}"/>
+                <a16:creationId xmlns="" xmlns:a16="http://schemas.microsoft.com/office/drawing/2014/main" id="{A3FB24C1-DD16-4D31-96FE-40461E6C9FF3}"/>
               </a:ext>
             </a:extLst>
           </p:cNvPr>
@@ -18885,7 +18110,7 @@
           <p:cNvPr id="2" name="日期版面配置區 1">
             <a:extLst>
               <a:ext uri="{FF2B5EF4-FFF2-40B4-BE49-F238E27FC236}">
-                <a16:creationId xmlns:a16="http://schemas.microsoft.com/office/drawing/2014/main" id="{EBBA9EE1-CF91-48B5-A5FC-39944E1C0D91}"/>
+                <a16:creationId xmlns="" xmlns:a16="http://schemas.microsoft.com/office/drawing/2014/main" id="{EBBA9EE1-CF91-48B5-A5FC-39944E1C0D91}"/>
               </a:ext>
             </a:extLst>
           </p:cNvPr>
@@ -18909,18 +18134,48 @@
               <a:pPr>
                 <a:defRPr/>
               </a:pPr>
-              <a:t>6/1/2018</a:t>
+              <a:t>6/3/2018</a:t>
             </a:fld>
             <a:endParaRPr lang="en-US" altLang="en-US"/>
           </a:p>
         </p:txBody>
       </p:sp>
+      <p:graphicFrame>
+        <p:nvGraphicFramePr>
+          <p:cNvPr id="6" name="图表 5">
+            <a:extLst>
+              <a:ext uri="{FF2B5EF4-FFF2-40B4-BE49-F238E27FC236}">
+                <a16:creationId xmlns="" xmlns:a16="http://schemas.microsoft.com/office/drawing/2014/main" id="{0ECBB609-E60B-44A0-93D9-8B74E3859631}"/>
+              </a:ext>
+            </a:extLst>
+          </p:cNvPr>
+          <p:cNvGraphicFramePr>
+            <a:graphicFrameLocks/>
+          </p:cNvGraphicFramePr>
+          <p:nvPr>
+            <p:extLst>
+              <p:ext uri="{D42A27DB-BD31-4B8C-83A1-F6EECF244321}">
+                <p14:modId xmlns:p14="http://schemas.microsoft.com/office/powerpoint/2010/main" val="2258043631"/>
+              </p:ext>
+            </p:extLst>
+          </p:nvPr>
+        </p:nvGraphicFramePr>
+        <p:xfrm>
+          <a:off x="1369800" y="1484784"/>
+          <a:ext cx="6404400" cy="4413600"/>
+        </p:xfrm>
+        <a:graphic>
+          <a:graphicData uri="http://schemas.openxmlformats.org/drawingml/2006/chart">
+            <c:chart xmlns:c="http://schemas.openxmlformats.org/drawingml/2006/chart" xmlns:r="http://schemas.openxmlformats.org/officeDocument/2006/relationships" r:id="rId2"/>
+          </a:graphicData>
+        </a:graphic>
+      </p:graphicFrame>
       <p:sp>
         <p:nvSpPr>
-          <p:cNvPr id="3" name="頁尾版面配置區 2">
+          <p:cNvPr id="7" name="頁尾版面配置區 2">
             <a:extLst>
               <a:ext uri="{FF2B5EF4-FFF2-40B4-BE49-F238E27FC236}">
-                <a16:creationId xmlns:a16="http://schemas.microsoft.com/office/drawing/2014/main" id="{D314DF1B-4A89-41DD-9B72-AB49D5D45D1C}"/>
+                <a16:creationId xmlns="" xmlns:a16="http://schemas.microsoft.com/office/drawing/2014/main" id="{61D255B9-2D4F-4013-951E-B50709A0B821}"/>
               </a:ext>
             </a:extLst>
           </p:cNvPr>
@@ -18931,7 +18186,12 @@
             <p:ph type="ftr" sz="quarter" idx="11"/>
           </p:nvPr>
         </p:nvSpPr>
-        <p:spPr/>
+        <p:spPr>
+          <a:xfrm>
+            <a:off x="3056012" y="6246036"/>
+            <a:ext cx="3031976" cy="457200"/>
+          </a:xfrm>
+        </p:spPr>
         <p:txBody>
           <a:bodyPr/>
           <a:lstStyle/>
@@ -18940,42 +18200,13 @@
               <a:defRPr/>
             </a:pPr>
             <a:r>
-              <a:rPr lang="en-US" altLang="en-US"/>
-              <a:t>Academic Editing Proofreading Service</a:t>
+              <a:rPr lang="en-US" altLang="zh-CN" dirty="0" smtClean="0"/>
+              <a:t>Southern University of Science and Technology</a:t>
             </a:r>
+            <a:endParaRPr lang="en-US" altLang="en-US" dirty="0"/>
           </a:p>
         </p:txBody>
       </p:sp>
-      <p:graphicFrame>
-        <p:nvGraphicFramePr>
-          <p:cNvPr id="6" name="图表 5">
-            <a:extLst>
-              <a:ext uri="{FF2B5EF4-FFF2-40B4-BE49-F238E27FC236}">
-                <a16:creationId xmlns:a16="http://schemas.microsoft.com/office/drawing/2014/main" id="{0ECBB609-E60B-44A0-93D9-8B74E3859631}"/>
-              </a:ext>
-            </a:extLst>
-          </p:cNvPr>
-          <p:cNvGraphicFramePr>
-            <a:graphicFrameLocks/>
-          </p:cNvGraphicFramePr>
-          <p:nvPr>
-            <p:extLst>
-              <p:ext uri="{D42A27DB-BD31-4B8C-83A1-F6EECF244321}">
-                <p14:modId xmlns:p14="http://schemas.microsoft.com/office/powerpoint/2010/main" val="1821649505"/>
-              </p:ext>
-            </p:extLst>
-          </p:nvPr>
-        </p:nvGraphicFramePr>
-        <p:xfrm>
-          <a:off x="1841400" y="1681200"/>
-          <a:ext cx="5461200" cy="3495600"/>
-        </p:xfrm>
-        <a:graphic>
-          <a:graphicData uri="http://schemas.openxmlformats.org/drawingml/2006/chart">
-            <c:chart xmlns:c="http://schemas.openxmlformats.org/drawingml/2006/chart" xmlns:r="http://schemas.openxmlformats.org/officeDocument/2006/relationships" r:id="rId2"/>
-          </a:graphicData>
-        </a:graphic>
-      </p:graphicFrame>
     </p:spTree>
     <p:extLst>
       <p:ext uri="{BB962C8B-B14F-4D97-AF65-F5344CB8AC3E}">
@@ -18986,10 +18217,17 @@
   <p:clrMapOvr>
     <a:masterClrMapping/>
   </p:clrMapOvr>
+  <p:timing>
+    <p:tnLst>
+      <p:par>
+        <p:cTn id="1" dur="indefinite" restart="never" nodeType="tmRoot"/>
+      </p:par>
+    </p:tnLst>
+  </p:timing>
 </p:sld>
 </file>
 
-<file path=ppt/slides/slide25.xml><?xml version="1.0" encoding="utf-8"?>
+<file path=ppt/slides/slide24.xml><?xml version="1.0" encoding="utf-8"?>
 <p:sld xmlns:a="http://schemas.openxmlformats.org/drawingml/2006/main" xmlns:r="http://schemas.openxmlformats.org/officeDocument/2006/relationships" xmlns:p="http://schemas.openxmlformats.org/presentationml/2006/main">
   <p:cSld>
     <p:spTree>
@@ -19011,7 +18249,7 @@
           <p:cNvPr id="13314" name="Title 1">
             <a:extLst>
               <a:ext uri="{FF2B5EF4-FFF2-40B4-BE49-F238E27FC236}">
-                <a16:creationId xmlns:a16="http://schemas.microsoft.com/office/drawing/2014/main" id="{A3FB24C1-DD16-4D31-96FE-40461E6C9FF3}"/>
+                <a16:creationId xmlns="" xmlns:a16="http://schemas.microsoft.com/office/drawing/2014/main" id="{A3FB24C1-DD16-4D31-96FE-40461E6C9FF3}"/>
               </a:ext>
             </a:extLst>
           </p:cNvPr>
@@ -19066,7 +18304,7 @@
           <p:cNvPr id="2" name="日期版面配置區 1">
             <a:extLst>
               <a:ext uri="{FF2B5EF4-FFF2-40B4-BE49-F238E27FC236}">
-                <a16:creationId xmlns:a16="http://schemas.microsoft.com/office/drawing/2014/main" id="{EBBA9EE1-CF91-48B5-A5FC-39944E1C0D91}"/>
+                <a16:creationId xmlns="" xmlns:a16="http://schemas.microsoft.com/office/drawing/2014/main" id="{EBBA9EE1-CF91-48B5-A5FC-39944E1C0D91}"/>
               </a:ext>
             </a:extLst>
           </p:cNvPr>
@@ -19090,18 +18328,48 @@
               <a:pPr>
                 <a:defRPr/>
               </a:pPr>
-              <a:t>6/1/2018</a:t>
+              <a:t>6/3/2018</a:t>
             </a:fld>
             <a:endParaRPr lang="en-US" altLang="en-US"/>
           </a:p>
         </p:txBody>
       </p:sp>
+      <p:graphicFrame>
+        <p:nvGraphicFramePr>
+          <p:cNvPr id="6" name="图表 5">
+            <a:extLst>
+              <a:ext uri="{FF2B5EF4-FFF2-40B4-BE49-F238E27FC236}">
+                <a16:creationId xmlns="" xmlns:a16="http://schemas.microsoft.com/office/drawing/2014/main" id="{ECD239CC-E450-4BC8-B26E-BDBBBD1053B1}"/>
+              </a:ext>
+            </a:extLst>
+          </p:cNvPr>
+          <p:cNvGraphicFramePr>
+            <a:graphicFrameLocks/>
+          </p:cNvGraphicFramePr>
+          <p:nvPr>
+            <p:extLst>
+              <p:ext uri="{D42A27DB-BD31-4B8C-83A1-F6EECF244321}">
+                <p14:modId xmlns:p14="http://schemas.microsoft.com/office/powerpoint/2010/main" val="637707980"/>
+              </p:ext>
+            </p:extLst>
+          </p:nvPr>
+        </p:nvGraphicFramePr>
+        <p:xfrm>
+          <a:off x="1443238" y="1556792"/>
+          <a:ext cx="6404400" cy="4413600"/>
+        </p:xfrm>
+        <a:graphic>
+          <a:graphicData uri="http://schemas.openxmlformats.org/drawingml/2006/chart">
+            <c:chart xmlns:c="http://schemas.openxmlformats.org/drawingml/2006/chart" xmlns:r="http://schemas.openxmlformats.org/officeDocument/2006/relationships" r:id="rId2"/>
+          </a:graphicData>
+        </a:graphic>
+      </p:graphicFrame>
       <p:sp>
         <p:nvSpPr>
-          <p:cNvPr id="3" name="頁尾版面配置區 2">
+          <p:cNvPr id="7" name="頁尾版面配置區 2">
             <a:extLst>
               <a:ext uri="{FF2B5EF4-FFF2-40B4-BE49-F238E27FC236}">
-                <a16:creationId xmlns:a16="http://schemas.microsoft.com/office/drawing/2014/main" id="{D314DF1B-4A89-41DD-9B72-AB49D5D45D1C}"/>
+                <a16:creationId xmlns="" xmlns:a16="http://schemas.microsoft.com/office/drawing/2014/main" id="{61D255B9-2D4F-4013-951E-B50709A0B821}"/>
               </a:ext>
             </a:extLst>
           </p:cNvPr>
@@ -19112,7 +18380,12 @@
             <p:ph type="ftr" sz="quarter" idx="11"/>
           </p:nvPr>
         </p:nvSpPr>
-        <p:spPr/>
+        <p:spPr>
+          <a:xfrm>
+            <a:off x="3056012" y="6246036"/>
+            <a:ext cx="3031976" cy="457200"/>
+          </a:xfrm>
+        </p:spPr>
         <p:txBody>
           <a:bodyPr/>
           <a:lstStyle/>
@@ -19121,42 +18394,187 @@
               <a:defRPr/>
             </a:pPr>
             <a:r>
-              <a:rPr lang="en-US" altLang="en-US"/>
-              <a:t>Academic Editing Proofreading Service</a:t>
+              <a:rPr lang="en-US" altLang="zh-CN" dirty="0" smtClean="0"/>
+              <a:t>Southern University of Science and Technology</a:t>
             </a:r>
+            <a:endParaRPr lang="en-US" altLang="en-US" dirty="0"/>
           </a:p>
         </p:txBody>
       </p:sp>
-      <p:graphicFrame>
-        <p:nvGraphicFramePr>
-          <p:cNvPr id="6" name="图表 5">
+      <p:sp>
+        <p:nvSpPr>
+          <p:cNvPr id="8" name="頁尾版面配置區 2">
             <a:extLst>
               <a:ext uri="{FF2B5EF4-FFF2-40B4-BE49-F238E27FC236}">
-                <a16:creationId xmlns:a16="http://schemas.microsoft.com/office/drawing/2014/main" id="{ECD239CC-E450-4BC8-B26E-BDBBBD1053B1}"/>
+                <a16:creationId xmlns="" xmlns:a16="http://schemas.microsoft.com/office/drawing/2014/main" id="{61D255B9-2D4F-4013-951E-B50709A0B821}"/>
               </a:ext>
             </a:extLst>
           </p:cNvPr>
-          <p:cNvGraphicFramePr>
-            <a:graphicFrameLocks/>
-          </p:cNvGraphicFramePr>
-          <p:nvPr>
-            <p:extLst>
-              <p:ext uri="{D42A27DB-BD31-4B8C-83A1-F6EECF244321}">
-                <p14:modId xmlns:p14="http://schemas.microsoft.com/office/powerpoint/2010/main" val="3743494070"/>
-              </p:ext>
-            </p:extLst>
-          </p:nvPr>
-        </p:nvGraphicFramePr>
-        <p:xfrm>
-          <a:off x="1841400" y="1681200"/>
-          <a:ext cx="5461200" cy="3495600"/>
-        </p:xfrm>
-        <a:graphic>
-          <a:graphicData uri="http://schemas.openxmlformats.org/drawingml/2006/chart">
-            <c:chart xmlns:c="http://schemas.openxmlformats.org/drawingml/2006/chart" xmlns:r="http://schemas.openxmlformats.org/officeDocument/2006/relationships" r:id="rId2"/>
-          </a:graphicData>
-        </a:graphic>
-      </p:graphicFrame>
+          <p:cNvSpPr txBox="1">
+            <a:spLocks/>
+          </p:cNvSpPr>
+          <p:nvPr/>
+        </p:nvSpPr>
+        <p:spPr bwMode="auto">
+          <a:xfrm>
+            <a:off x="3208412" y="6398436"/>
+            <a:ext cx="3031976" cy="457200"/>
+          </a:xfrm>
+          <a:prstGeom prst="rect">
+            <a:avLst/>
+          </a:prstGeom>
+          <a:noFill/>
+          <a:ln w="9525">
+            <a:noFill/>
+            <a:miter lim="800000"/>
+            <a:headEnd/>
+            <a:tailEnd/>
+          </a:ln>
+          <a:effectLst/>
+        </p:spPr>
+        <p:txBody>
+          <a:bodyPr vert="horz" wrap="square" lIns="91440" tIns="45720" rIns="91440" bIns="45720" numCol="1" anchor="b" anchorCtr="0" compatLnSpc="1">
+            <a:prstTxWarp prst="textNoShape">
+              <a:avLst/>
+            </a:prstTxWarp>
+          </a:bodyPr>
+          <a:lstStyle>
+            <a:defPPr>
+              <a:defRPr lang="en-US"/>
+            </a:defPPr>
+            <a:lvl1pPr algn="ctr" rtl="0" eaLnBrk="1" fontAlgn="base" hangingPunct="1">
+              <a:spcBef>
+                <a:spcPct val="0"/>
+              </a:spcBef>
+              <a:spcAft>
+                <a:spcPct val="0"/>
+              </a:spcAft>
+              <a:defRPr sz="1200" kern="1200">
+                <a:solidFill>
+                  <a:schemeClr val="tx1"/>
+                </a:solidFill>
+                <a:latin typeface="+mj-lt"/>
+                <a:ea typeface="+mn-ea"/>
+                <a:cs typeface="+mn-cs"/>
+              </a:defRPr>
+            </a:lvl1pPr>
+            <a:lvl2pPr marL="457200" algn="l" rtl="0" eaLnBrk="0" fontAlgn="base" hangingPunct="0">
+              <a:spcBef>
+                <a:spcPct val="0"/>
+              </a:spcBef>
+              <a:spcAft>
+                <a:spcPct val="0"/>
+              </a:spcAft>
+              <a:defRPr kern="1200">
+                <a:solidFill>
+                  <a:schemeClr val="tx1"/>
+                </a:solidFill>
+                <a:latin typeface="Arial" panose="020B0604020202020204" pitchFamily="34" charset="0"/>
+                <a:ea typeface="+mn-ea"/>
+                <a:cs typeface="+mn-cs"/>
+              </a:defRPr>
+            </a:lvl2pPr>
+            <a:lvl3pPr marL="914400" algn="l" rtl="0" eaLnBrk="0" fontAlgn="base" hangingPunct="0">
+              <a:spcBef>
+                <a:spcPct val="0"/>
+              </a:spcBef>
+              <a:spcAft>
+                <a:spcPct val="0"/>
+              </a:spcAft>
+              <a:defRPr kern="1200">
+                <a:solidFill>
+                  <a:schemeClr val="tx1"/>
+                </a:solidFill>
+                <a:latin typeface="Arial" panose="020B0604020202020204" pitchFamily="34" charset="0"/>
+                <a:ea typeface="+mn-ea"/>
+                <a:cs typeface="+mn-cs"/>
+              </a:defRPr>
+            </a:lvl3pPr>
+            <a:lvl4pPr marL="1371600" algn="l" rtl="0" eaLnBrk="0" fontAlgn="base" hangingPunct="0">
+              <a:spcBef>
+                <a:spcPct val="0"/>
+              </a:spcBef>
+              <a:spcAft>
+                <a:spcPct val="0"/>
+              </a:spcAft>
+              <a:defRPr kern="1200">
+                <a:solidFill>
+                  <a:schemeClr val="tx1"/>
+                </a:solidFill>
+                <a:latin typeface="Arial" panose="020B0604020202020204" pitchFamily="34" charset="0"/>
+                <a:ea typeface="+mn-ea"/>
+                <a:cs typeface="+mn-cs"/>
+              </a:defRPr>
+            </a:lvl4pPr>
+            <a:lvl5pPr marL="1828800" algn="l" rtl="0" eaLnBrk="0" fontAlgn="base" hangingPunct="0">
+              <a:spcBef>
+                <a:spcPct val="0"/>
+              </a:spcBef>
+              <a:spcAft>
+                <a:spcPct val="0"/>
+              </a:spcAft>
+              <a:defRPr kern="1200">
+                <a:solidFill>
+                  <a:schemeClr val="tx1"/>
+                </a:solidFill>
+                <a:latin typeface="Arial" panose="020B0604020202020204" pitchFamily="34" charset="0"/>
+                <a:ea typeface="+mn-ea"/>
+                <a:cs typeface="+mn-cs"/>
+              </a:defRPr>
+            </a:lvl5pPr>
+            <a:lvl6pPr marL="2286000" algn="l" defTabSz="914400" rtl="0" eaLnBrk="1" latinLnBrk="0" hangingPunct="1">
+              <a:defRPr kern="1200">
+                <a:solidFill>
+                  <a:schemeClr val="tx1"/>
+                </a:solidFill>
+                <a:latin typeface="Arial" panose="020B0604020202020204" pitchFamily="34" charset="0"/>
+                <a:ea typeface="+mn-ea"/>
+                <a:cs typeface="+mn-cs"/>
+              </a:defRPr>
+            </a:lvl6pPr>
+            <a:lvl7pPr marL="2743200" algn="l" defTabSz="914400" rtl="0" eaLnBrk="1" latinLnBrk="0" hangingPunct="1">
+              <a:defRPr kern="1200">
+                <a:solidFill>
+                  <a:schemeClr val="tx1"/>
+                </a:solidFill>
+                <a:latin typeface="Arial" panose="020B0604020202020204" pitchFamily="34" charset="0"/>
+                <a:ea typeface="+mn-ea"/>
+                <a:cs typeface="+mn-cs"/>
+              </a:defRPr>
+            </a:lvl7pPr>
+            <a:lvl8pPr marL="3200400" algn="l" defTabSz="914400" rtl="0" eaLnBrk="1" latinLnBrk="0" hangingPunct="1">
+              <a:defRPr kern="1200">
+                <a:solidFill>
+                  <a:schemeClr val="tx1"/>
+                </a:solidFill>
+                <a:latin typeface="Arial" panose="020B0604020202020204" pitchFamily="34" charset="0"/>
+                <a:ea typeface="+mn-ea"/>
+                <a:cs typeface="+mn-cs"/>
+              </a:defRPr>
+            </a:lvl8pPr>
+            <a:lvl9pPr marL="3657600" algn="l" defTabSz="914400" rtl="0" eaLnBrk="1" latinLnBrk="0" hangingPunct="1">
+              <a:defRPr kern="1200">
+                <a:solidFill>
+                  <a:schemeClr val="tx1"/>
+                </a:solidFill>
+                <a:latin typeface="Arial" panose="020B0604020202020204" pitchFamily="34" charset="0"/>
+                <a:ea typeface="+mn-ea"/>
+                <a:cs typeface="+mn-cs"/>
+              </a:defRPr>
+            </a:lvl9pPr>
+          </a:lstStyle>
+          <a:p>
+            <a:pPr>
+              <a:defRPr/>
+            </a:pPr>
+            <a:r>
+              <a:rPr lang="en-US" altLang="zh-CN" smtClean="0"/>
+              <a:t>Southern University of Science and Technology</a:t>
+            </a:r>
+            <a:endParaRPr lang="en-US" altLang="en-US" dirty="0"/>
+          </a:p>
+        </p:txBody>
+      </p:sp>
     </p:spTree>
     <p:extLst>
       <p:ext uri="{BB962C8B-B14F-4D97-AF65-F5344CB8AC3E}">
@@ -19167,10 +18585,17 @@
   <p:clrMapOvr>
     <a:masterClrMapping/>
   </p:clrMapOvr>
+  <p:timing>
+    <p:tnLst>
+      <p:par>
+        <p:cTn id="1" dur="indefinite" restart="never" nodeType="tmRoot"/>
+      </p:par>
+    </p:tnLst>
+  </p:timing>
 </p:sld>
 </file>
 
-<file path=ppt/slides/slide26.xml><?xml version="1.0" encoding="utf-8"?>
+<file path=ppt/slides/slide25.xml><?xml version="1.0" encoding="utf-8"?>
 <p:sld xmlns:a="http://schemas.openxmlformats.org/drawingml/2006/main" xmlns:r="http://schemas.openxmlformats.org/officeDocument/2006/relationships" xmlns:p="http://schemas.openxmlformats.org/presentationml/2006/main">
   <p:cSld>
     <p:spTree>
@@ -19192,7 +18617,7 @@
           <p:cNvPr id="12290" name="Title 1">
             <a:extLst>
               <a:ext uri="{FF2B5EF4-FFF2-40B4-BE49-F238E27FC236}">
-                <a16:creationId xmlns:a16="http://schemas.microsoft.com/office/drawing/2014/main" id="{312D1348-727E-43BC-9440-FAC69CECF262}"/>
+                <a16:creationId xmlns="" xmlns:a16="http://schemas.microsoft.com/office/drawing/2014/main" id="{312D1348-727E-43BC-9440-FAC69CECF262}"/>
               </a:ext>
             </a:extLst>
           </p:cNvPr>
@@ -19228,7 +18653,7 @@
           <p:cNvPr id="2" name="日期版面配置區 1">
             <a:extLst>
               <a:ext uri="{FF2B5EF4-FFF2-40B4-BE49-F238E27FC236}">
-                <a16:creationId xmlns:a16="http://schemas.microsoft.com/office/drawing/2014/main" id="{C55F9B2A-AB82-491B-A507-61EBC6B57F16}"/>
+                <a16:creationId xmlns="" xmlns:a16="http://schemas.microsoft.com/office/drawing/2014/main" id="{C55F9B2A-AB82-491B-A507-61EBC6B57F16}"/>
               </a:ext>
             </a:extLst>
           </p:cNvPr>
@@ -19252,18 +18677,18 @@
               <a:pPr>
                 <a:defRPr/>
               </a:pPr>
-              <a:t>6/1/2018</a:t>
+              <a:t>6/3/2018</a:t>
             </a:fld>
-            <a:endParaRPr lang="en-US" altLang="en-US"/>
+            <a:endParaRPr lang="en-US" altLang="en-US" dirty="0"/>
           </a:p>
         </p:txBody>
       </p:sp>
       <p:sp>
         <p:nvSpPr>
-          <p:cNvPr id="3" name="頁尾版面配置區 2">
+          <p:cNvPr id="5" name="頁尾版面配置區 2">
             <a:extLst>
               <a:ext uri="{FF2B5EF4-FFF2-40B4-BE49-F238E27FC236}">
-                <a16:creationId xmlns:a16="http://schemas.microsoft.com/office/drawing/2014/main" id="{2D16B038-ECE3-4C9C-9B2D-D3F8CA2A38E3}"/>
+                <a16:creationId xmlns="" xmlns:a16="http://schemas.microsoft.com/office/drawing/2014/main" id="{61D255B9-2D4F-4013-951E-B50709A0B821}"/>
               </a:ext>
             </a:extLst>
           </p:cNvPr>
@@ -19274,7 +18699,12 @@
             <p:ph type="ftr" sz="quarter" idx="11"/>
           </p:nvPr>
         </p:nvSpPr>
-        <p:spPr/>
+        <p:spPr>
+          <a:xfrm>
+            <a:off x="3056012" y="6246036"/>
+            <a:ext cx="3031976" cy="457200"/>
+          </a:xfrm>
+        </p:spPr>
         <p:txBody>
           <a:bodyPr/>
           <a:lstStyle/>
@@ -19283,9 +18713,10 @@
               <a:defRPr/>
             </a:pPr>
             <a:r>
-              <a:rPr lang="en-US" altLang="en-US"/>
-              <a:t>Academic Editing Proofreading Service</a:t>
+              <a:rPr lang="en-US" altLang="zh-CN" dirty="0" smtClean="0"/>
+              <a:t>Southern University of Science and Technology</a:t>
             </a:r>
+            <a:endParaRPr lang="en-US" altLang="en-US" dirty="0"/>
           </a:p>
         </p:txBody>
       </p:sp>
@@ -19299,6 +18730,13 @@
   <p:clrMapOvr>
     <a:masterClrMapping/>
   </p:clrMapOvr>
+  <p:timing>
+    <p:tnLst>
+      <p:par>
+        <p:cTn id="1" dur="indefinite" restart="never" nodeType="tmRoot"/>
+      </p:par>
+    </p:tnLst>
+  </p:timing>
 </p:sld>
 </file>
 
@@ -19324,7 +18762,7 @@
           <p:cNvPr id="12290" name="Title 1">
             <a:extLst>
               <a:ext uri="{FF2B5EF4-FFF2-40B4-BE49-F238E27FC236}">
-                <a16:creationId xmlns:a16="http://schemas.microsoft.com/office/drawing/2014/main" id="{312D1348-727E-43BC-9440-FAC69CECF262}"/>
+                <a16:creationId xmlns="" xmlns:a16="http://schemas.microsoft.com/office/drawing/2014/main" id="{312D1348-727E-43BC-9440-FAC69CECF262}"/>
               </a:ext>
             </a:extLst>
           </p:cNvPr>
@@ -19360,7 +18798,7 @@
           <p:cNvPr id="2" name="日期版面配置區 1">
             <a:extLst>
               <a:ext uri="{FF2B5EF4-FFF2-40B4-BE49-F238E27FC236}">
-                <a16:creationId xmlns:a16="http://schemas.microsoft.com/office/drawing/2014/main" id="{C55F9B2A-AB82-491B-A507-61EBC6B57F16}"/>
+                <a16:creationId xmlns="" xmlns:a16="http://schemas.microsoft.com/office/drawing/2014/main" id="{C55F9B2A-AB82-491B-A507-61EBC6B57F16}"/>
               </a:ext>
             </a:extLst>
           </p:cNvPr>
@@ -19384,7 +18822,7 @@
               <a:pPr>
                 <a:defRPr/>
               </a:pPr>
-              <a:t>6/1/2018</a:t>
+              <a:t>6/3/2018</a:t>
             </a:fld>
             <a:endParaRPr lang="en-US" altLang="en-US"/>
           </a:p>
@@ -19392,10 +18830,10 @@
       </p:sp>
       <p:sp>
         <p:nvSpPr>
-          <p:cNvPr id="3" name="頁尾版面配置區 2">
+          <p:cNvPr id="5" name="頁尾版面配置區 2">
             <a:extLst>
               <a:ext uri="{FF2B5EF4-FFF2-40B4-BE49-F238E27FC236}">
-                <a16:creationId xmlns:a16="http://schemas.microsoft.com/office/drawing/2014/main" id="{2D16B038-ECE3-4C9C-9B2D-D3F8CA2A38E3}"/>
+                <a16:creationId xmlns="" xmlns:a16="http://schemas.microsoft.com/office/drawing/2014/main" id="{61D255B9-2D4F-4013-951E-B50709A0B821}"/>
               </a:ext>
             </a:extLst>
           </p:cNvPr>
@@ -19406,7 +18844,12 @@
             <p:ph type="ftr" sz="quarter" idx="11"/>
           </p:nvPr>
         </p:nvSpPr>
-        <p:spPr/>
+        <p:spPr>
+          <a:xfrm>
+            <a:off x="3056012" y="6246036"/>
+            <a:ext cx="3031976" cy="457200"/>
+          </a:xfrm>
+        </p:spPr>
         <p:txBody>
           <a:bodyPr/>
           <a:lstStyle/>
@@ -19415,9 +18858,10 @@
               <a:defRPr/>
             </a:pPr>
             <a:r>
-              <a:rPr lang="en-US" altLang="en-US"/>
-              <a:t>Academic Editing Proofreading Service</a:t>
+              <a:rPr lang="en-US" altLang="zh-CN" dirty="0" smtClean="0"/>
+              <a:t>Southern University of Science and Technology</a:t>
             </a:r>
+            <a:endParaRPr lang="en-US" altLang="en-US" dirty="0"/>
           </a:p>
         </p:txBody>
       </p:sp>
@@ -19426,6 +18870,13 @@
   <p:clrMapOvr>
     <a:masterClrMapping/>
   </p:clrMapOvr>
+  <p:timing>
+    <p:tnLst>
+      <p:par>
+        <p:cTn id="1" dur="indefinite" restart="never" nodeType="tmRoot"/>
+      </p:par>
+    </p:tnLst>
+  </p:timing>
 </p:sld>
 </file>
 
@@ -19451,7 +18902,7 @@
           <p:cNvPr id="5" name="图片 4">
             <a:extLst>
               <a:ext uri="{FF2B5EF4-FFF2-40B4-BE49-F238E27FC236}">
-                <a16:creationId xmlns:a16="http://schemas.microsoft.com/office/drawing/2014/main" id="{C6BF6715-7E16-46C3-8DCE-AD8D40E45623}"/>
+                <a16:creationId xmlns="" xmlns:a16="http://schemas.microsoft.com/office/drawing/2014/main" id="{C6BF6715-7E16-46C3-8DCE-AD8D40E45623}"/>
               </a:ext>
             </a:extLst>
           </p:cNvPr>
@@ -19487,7 +18938,7 @@
           <p:cNvPr id="13314" name="Title 1">
             <a:extLst>
               <a:ext uri="{FF2B5EF4-FFF2-40B4-BE49-F238E27FC236}">
-                <a16:creationId xmlns:a16="http://schemas.microsoft.com/office/drawing/2014/main" id="{A3FB24C1-DD16-4D31-96FE-40461E6C9FF3}"/>
+                <a16:creationId xmlns="" xmlns:a16="http://schemas.microsoft.com/office/drawing/2014/main" id="{A3FB24C1-DD16-4D31-96FE-40461E6C9FF3}"/>
               </a:ext>
             </a:extLst>
           </p:cNvPr>
@@ -19526,14 +18977,14 @@
           </a:p>
         </p:txBody>
       </p:sp>
-      <mc:AlternateContent xmlns:mc="http://schemas.openxmlformats.org/markup-compatibility/2006" xmlns:a14="http://schemas.microsoft.com/office/drawing/2010/main">
-        <mc:Choice Requires="a14">
+      <mc:AlternateContent xmlns:mc="http://schemas.openxmlformats.org/markup-compatibility/2006">
+        <mc:Choice xmlns:a14="http://schemas.microsoft.com/office/drawing/2010/main" Requires="a14">
           <p:sp>
             <p:nvSpPr>
               <p:cNvPr id="13315" name="Content Placeholder 2">
                 <a:extLst>
                   <a:ext uri="{FF2B5EF4-FFF2-40B4-BE49-F238E27FC236}">
-                    <a16:creationId xmlns:a16="http://schemas.microsoft.com/office/drawing/2014/main" id="{564CE10E-4546-4E88-9AD2-2C4D6354D3AF}"/>
+                    <a16:creationId xmlns="" xmlns:a16="http://schemas.microsoft.com/office/drawing/2014/main" id="{564CE10E-4546-4E88-9AD2-2C4D6354D3AF}"/>
                   </a:ext>
                 </a:extLst>
               </p:cNvPr>
@@ -19865,8 +19316,23 @@
                   <a:rPr lang="en-US" altLang="zh-TW" sz="1700" dirty="0">
                     <a:ea typeface="新細明體" panose="02020500000000000000" pitchFamily="18" charset="-120"/>
                   </a:rPr>
-                  <a:t>:  transmission map</a:t>
+                  <a:t>:  transmission </a:t>
                 </a:r>
+                <a:r>
+                  <a:rPr lang="en-US" altLang="zh-TW" sz="1700" dirty="0" smtClean="0">
+                    <a:ea typeface="新細明體" panose="02020500000000000000" pitchFamily="18" charset="-120"/>
+                  </a:rPr>
+                  <a:t>map </a:t>
+                </a:r>
+                <a:r>
+                  <a:rPr lang="en-US" altLang="zh-CN" sz="1700" dirty="0" smtClean="0">
+                    <a:ea typeface="新細明體" panose="02020500000000000000" pitchFamily="18" charset="-120"/>
+                  </a:rPr>
+                  <a:t>/ depth map</a:t>
+                </a:r>
+                <a:endParaRPr lang="en-US" altLang="zh-TW" sz="1700" dirty="0">
+                  <a:ea typeface="新細明體" panose="02020500000000000000" pitchFamily="18" charset="-120"/>
+                </a:endParaRPr>
               </a:p>
               <a:p>
                 <a:pPr lvl="1" eaLnBrk="1" hangingPunct="1"/>
@@ -19894,13 +19360,13 @@
             </p:txBody>
           </p:sp>
         </mc:Choice>
-        <mc:Fallback xmlns="">
+        <mc:Fallback>
           <p:sp>
             <p:nvSpPr>
               <p:cNvPr id="13315" name="Content Placeholder 2">
                 <a:extLst>
                   <a:ext uri="{FF2B5EF4-FFF2-40B4-BE49-F238E27FC236}">
-                    <a16:creationId xmlns:a16="http://schemas.microsoft.com/office/drawing/2014/main" id="{564CE10E-4546-4E88-9AD2-2C4D6354D3AF}"/>
+                    <a16:creationId xmlns="" xmlns:a16="http://schemas.microsoft.com/office/drawing/2014/main" xmlns:a14="http://schemas.microsoft.com/office/drawing/2010/main" id="{564CE10E-4546-4E88-9AD2-2C4D6354D3AF}"/>
                   </a:ext>
                 </a:extLst>
               </p:cNvPr>
@@ -19912,7 +19378,7 @@
               </p:nvPr>
             </p:nvSpPr>
             <p:spPr>
-              <a:blipFill>
+              <a:blipFill rotWithShape="0">
                 <a:blip r:embed="rId3"/>
                 <a:stretch>
                   <a:fillRect l="-74" t="-942"/>
@@ -19939,7 +19405,7 @@
           <p:cNvPr id="2" name="日期版面配置區 1">
             <a:extLst>
               <a:ext uri="{FF2B5EF4-FFF2-40B4-BE49-F238E27FC236}">
-                <a16:creationId xmlns:a16="http://schemas.microsoft.com/office/drawing/2014/main" id="{EBBA9EE1-CF91-48B5-A5FC-39944E1C0D91}"/>
+                <a16:creationId xmlns="" xmlns:a16="http://schemas.microsoft.com/office/drawing/2014/main" id="{EBBA9EE1-CF91-48B5-A5FC-39944E1C0D91}"/>
               </a:ext>
             </a:extLst>
           </p:cNvPr>
@@ -19963,7 +19429,7 @@
               <a:pPr>
                 <a:defRPr/>
               </a:pPr>
-              <a:t>6/1/2018</a:t>
+              <a:t>6/3/2018</a:t>
             </a:fld>
             <a:endParaRPr lang="en-US" altLang="en-US"/>
           </a:p>
@@ -19971,10 +19437,10 @@
       </p:sp>
       <p:sp>
         <p:nvSpPr>
-          <p:cNvPr id="3" name="頁尾版面配置區 2">
+          <p:cNvPr id="7" name="頁尾版面配置區 2">
             <a:extLst>
               <a:ext uri="{FF2B5EF4-FFF2-40B4-BE49-F238E27FC236}">
-                <a16:creationId xmlns:a16="http://schemas.microsoft.com/office/drawing/2014/main" id="{D314DF1B-4A89-41DD-9B72-AB49D5D45D1C}"/>
+                <a16:creationId xmlns="" xmlns:a16="http://schemas.microsoft.com/office/drawing/2014/main" id="{61D255B9-2D4F-4013-951E-B50709A0B821}"/>
               </a:ext>
             </a:extLst>
           </p:cNvPr>
@@ -19985,7 +19451,12 @@
             <p:ph type="ftr" sz="quarter" idx="11"/>
           </p:nvPr>
         </p:nvSpPr>
-        <p:spPr/>
+        <p:spPr>
+          <a:xfrm>
+            <a:off x="3056012" y="6246036"/>
+            <a:ext cx="3031976" cy="457200"/>
+          </a:xfrm>
+        </p:spPr>
         <p:txBody>
           <a:bodyPr/>
           <a:lstStyle/>
@@ -19994,9 +19465,10 @@
               <a:defRPr/>
             </a:pPr>
             <a:r>
-              <a:rPr lang="en-US" altLang="en-US"/>
-              <a:t>Academic Editing Proofreading Service</a:t>
+              <a:rPr lang="en-US" altLang="zh-CN" dirty="0" smtClean="0"/>
+              <a:t>Southern University of Science and Technology</a:t>
             </a:r>
+            <a:endParaRPr lang="en-US" altLang="en-US" dirty="0"/>
           </a:p>
         </p:txBody>
       </p:sp>
@@ -20005,6 +19477,13 @@
   <p:clrMapOvr>
     <a:masterClrMapping/>
   </p:clrMapOvr>
+  <p:timing>
+    <p:tnLst>
+      <p:par>
+        <p:cTn id="1" dur="indefinite" restart="never" nodeType="tmRoot"/>
+      </p:par>
+    </p:tnLst>
+  </p:timing>
 </p:sld>
 </file>
 
@@ -20030,7 +19509,7 @@
           <p:cNvPr id="13314" name="Title 1">
             <a:extLst>
               <a:ext uri="{FF2B5EF4-FFF2-40B4-BE49-F238E27FC236}">
-                <a16:creationId xmlns:a16="http://schemas.microsoft.com/office/drawing/2014/main" id="{A3FB24C1-DD16-4D31-96FE-40461E6C9FF3}"/>
+                <a16:creationId xmlns="" xmlns:a16="http://schemas.microsoft.com/office/drawing/2014/main" id="{A3FB24C1-DD16-4D31-96FE-40461E6C9FF3}"/>
               </a:ext>
             </a:extLst>
           </p:cNvPr>
@@ -20074,7 +19553,7 @@
           <p:cNvPr id="2" name="日期版面配置區 1">
             <a:extLst>
               <a:ext uri="{FF2B5EF4-FFF2-40B4-BE49-F238E27FC236}">
-                <a16:creationId xmlns:a16="http://schemas.microsoft.com/office/drawing/2014/main" id="{EBBA9EE1-CF91-48B5-A5FC-39944E1C0D91}"/>
+                <a16:creationId xmlns="" xmlns:a16="http://schemas.microsoft.com/office/drawing/2014/main" id="{EBBA9EE1-CF91-48B5-A5FC-39944E1C0D91}"/>
               </a:ext>
             </a:extLst>
           </p:cNvPr>
@@ -20098,40 +19577,9 @@
               <a:pPr>
                 <a:defRPr/>
               </a:pPr>
-              <a:t>6/1/2018</a:t>
+              <a:t>6/3/2018</a:t>
             </a:fld>
             <a:endParaRPr lang="en-US" altLang="en-US"/>
-          </a:p>
-        </p:txBody>
-      </p:sp>
-      <p:sp>
-        <p:nvSpPr>
-          <p:cNvPr id="3" name="頁尾版面配置區 2">
-            <a:extLst>
-              <a:ext uri="{FF2B5EF4-FFF2-40B4-BE49-F238E27FC236}">
-                <a16:creationId xmlns:a16="http://schemas.microsoft.com/office/drawing/2014/main" id="{D314DF1B-4A89-41DD-9B72-AB49D5D45D1C}"/>
-              </a:ext>
-            </a:extLst>
-          </p:cNvPr>
-          <p:cNvSpPr>
-            <a:spLocks noGrp="1"/>
-          </p:cNvSpPr>
-          <p:nvPr>
-            <p:ph type="ftr" sz="quarter" idx="11"/>
-          </p:nvPr>
-        </p:nvSpPr>
-        <p:spPr/>
-        <p:txBody>
-          <a:bodyPr/>
-          <a:lstStyle/>
-          <a:p>
-            <a:pPr>
-              <a:defRPr/>
-            </a:pPr>
-            <a:r>
-              <a:rPr lang="en-US" altLang="en-US"/>
-              <a:t>Academic Editing Proofreading Service</a:t>
-            </a:r>
           </a:p>
         </p:txBody>
       </p:sp>
@@ -20142,7 +19590,7 @@
               <p:cNvPr id="7" name="Content Placeholder 2">
                 <a:extLst>
                   <a:ext uri="{FF2B5EF4-FFF2-40B4-BE49-F238E27FC236}">
-                    <a16:creationId xmlns:a16="http://schemas.microsoft.com/office/drawing/2014/main" id="{C0EF0483-A2DA-4C2C-A631-D629F736A60A}"/>
+                    <a16:creationId xmlns="" xmlns:a16="http://schemas.microsoft.com/office/drawing/2014/main" id="{C0EF0483-A2DA-4C2C-A631-D629F736A60A}"/>
                   </a:ext>
                 </a:extLst>
               </p:cNvPr>
@@ -20938,7 +20386,7 @@
           <p:cNvPr id="6" name="图片 5">
             <a:extLst>
               <a:ext uri="{FF2B5EF4-FFF2-40B4-BE49-F238E27FC236}">
-                <a16:creationId xmlns:a16="http://schemas.microsoft.com/office/drawing/2014/main" id="{E2906663-4B23-4BFA-AF19-47AF4002749E}"/>
+                <a16:creationId xmlns="" xmlns:a16="http://schemas.microsoft.com/office/drawing/2014/main" id="{E2906663-4B23-4BFA-AF19-47AF4002749E}"/>
               </a:ext>
             </a:extLst>
           </p:cNvPr>
@@ -20969,6 +20417,43 @@
           </a:prstGeom>
         </p:spPr>
       </p:pic>
+      <p:sp>
+        <p:nvSpPr>
+          <p:cNvPr id="8" name="頁尾版面配置區 2">
+            <a:extLst>
+              <a:ext uri="{FF2B5EF4-FFF2-40B4-BE49-F238E27FC236}">
+                <a16:creationId xmlns="" xmlns:a16="http://schemas.microsoft.com/office/drawing/2014/main" id="{61D255B9-2D4F-4013-951E-B50709A0B821}"/>
+              </a:ext>
+            </a:extLst>
+          </p:cNvPr>
+          <p:cNvSpPr>
+            <a:spLocks noGrp="1"/>
+          </p:cNvSpPr>
+          <p:nvPr>
+            <p:ph type="ftr" sz="quarter" idx="11"/>
+          </p:nvPr>
+        </p:nvSpPr>
+        <p:spPr>
+          <a:xfrm>
+            <a:off x="3056012" y="6246036"/>
+            <a:ext cx="3031976" cy="457200"/>
+          </a:xfrm>
+        </p:spPr>
+        <p:txBody>
+          <a:bodyPr/>
+          <a:lstStyle/>
+          <a:p>
+            <a:pPr>
+              <a:defRPr/>
+            </a:pPr>
+            <a:r>
+              <a:rPr lang="en-US" altLang="zh-CN" dirty="0" smtClean="0"/>
+              <a:t>Southern University of Science and Technology</a:t>
+            </a:r>
+            <a:endParaRPr lang="en-US" altLang="en-US" dirty="0"/>
+          </a:p>
+        </p:txBody>
+      </p:sp>
     </p:spTree>
     <p:extLst>
       <p:ext uri="{BB962C8B-B14F-4D97-AF65-F5344CB8AC3E}">
@@ -20979,6 +20464,13 @@
   <p:clrMapOvr>
     <a:masterClrMapping/>
   </p:clrMapOvr>
+  <p:timing>
+    <p:tnLst>
+      <p:par>
+        <p:cTn id="1" dur="indefinite" restart="never" nodeType="tmRoot"/>
+      </p:par>
+    </p:tnLst>
+  </p:timing>
 </p:sld>
 </file>
 
@@ -21004,7 +20496,7 @@
           <p:cNvPr id="13314" name="Title 1">
             <a:extLst>
               <a:ext uri="{FF2B5EF4-FFF2-40B4-BE49-F238E27FC236}">
-                <a16:creationId xmlns:a16="http://schemas.microsoft.com/office/drawing/2014/main" id="{A3FB24C1-DD16-4D31-96FE-40461E6C9FF3}"/>
+                <a16:creationId xmlns="" xmlns:a16="http://schemas.microsoft.com/office/drawing/2014/main" id="{A3FB24C1-DD16-4D31-96FE-40461E6C9FF3}"/>
               </a:ext>
             </a:extLst>
           </p:cNvPr>
@@ -21048,7 +20540,7 @@
           <p:cNvPr id="2" name="日期版面配置區 1">
             <a:extLst>
               <a:ext uri="{FF2B5EF4-FFF2-40B4-BE49-F238E27FC236}">
-                <a16:creationId xmlns:a16="http://schemas.microsoft.com/office/drawing/2014/main" id="{EBBA9EE1-CF91-48B5-A5FC-39944E1C0D91}"/>
+                <a16:creationId xmlns="" xmlns:a16="http://schemas.microsoft.com/office/drawing/2014/main" id="{EBBA9EE1-CF91-48B5-A5FC-39944E1C0D91}"/>
               </a:ext>
             </a:extLst>
           </p:cNvPr>
@@ -21072,51 +20564,20 @@
               <a:pPr>
                 <a:defRPr/>
               </a:pPr>
-              <a:t>6/1/2018</a:t>
+              <a:t>6/3/2018</a:t>
             </a:fld>
             <a:endParaRPr lang="en-US" altLang="en-US"/>
           </a:p>
         </p:txBody>
       </p:sp>
-      <p:sp>
-        <p:nvSpPr>
-          <p:cNvPr id="3" name="頁尾版面配置區 2">
-            <a:extLst>
-              <a:ext uri="{FF2B5EF4-FFF2-40B4-BE49-F238E27FC236}">
-                <a16:creationId xmlns:a16="http://schemas.microsoft.com/office/drawing/2014/main" id="{D314DF1B-4A89-41DD-9B72-AB49D5D45D1C}"/>
-              </a:ext>
-            </a:extLst>
-          </p:cNvPr>
-          <p:cNvSpPr>
-            <a:spLocks noGrp="1"/>
-          </p:cNvSpPr>
-          <p:nvPr>
-            <p:ph type="ftr" sz="quarter" idx="11"/>
-          </p:nvPr>
-        </p:nvSpPr>
-        <p:spPr/>
-        <p:txBody>
-          <a:bodyPr/>
-          <a:lstStyle/>
-          <a:p>
-            <a:pPr>
-              <a:defRPr/>
-            </a:pPr>
-            <a:r>
-              <a:rPr lang="en-US" altLang="en-US"/>
-              <a:t>Academic Editing Proofreading Service</a:t>
-            </a:r>
-          </a:p>
-        </p:txBody>
-      </p:sp>
-      <mc:AlternateContent xmlns:mc="http://schemas.openxmlformats.org/markup-compatibility/2006" xmlns:a14="http://schemas.microsoft.com/office/drawing/2010/main">
-        <mc:Choice Requires="a14">
+      <mc:AlternateContent xmlns:mc="http://schemas.openxmlformats.org/markup-compatibility/2006">
+        <mc:Choice xmlns:a14="http://schemas.microsoft.com/office/drawing/2010/main" Requires="a14">
           <p:sp>
             <p:nvSpPr>
               <p:cNvPr id="7" name="Content Placeholder 2">
                 <a:extLst>
                   <a:ext uri="{FF2B5EF4-FFF2-40B4-BE49-F238E27FC236}">
-                    <a16:creationId xmlns:a16="http://schemas.microsoft.com/office/drawing/2014/main" id="{C0EF0483-A2DA-4C2C-A631-D629F736A60A}"/>
+                    <a16:creationId xmlns="" xmlns:a16="http://schemas.microsoft.com/office/drawing/2014/main" id="{C0EF0483-A2DA-4C2C-A631-D629F736A60A}"/>
                   </a:ext>
                 </a:extLst>
               </p:cNvPr>
@@ -21986,22 +21447,28 @@
               <a:p>
                 <a:pPr eaLnBrk="1" hangingPunct="1"/>
                 <a:r>
+                  <a:rPr lang="en-US" altLang="zh-CN" sz="2100" kern="0" dirty="0" smtClean="0">
+                    <a:ea typeface="新細明體" panose="02020500000000000000" pitchFamily="18" charset="-120"/>
+                  </a:rPr>
+                  <a:t>Marcel van </a:t>
+                </a:r>
+                <a:r>
                   <a:rPr lang="en-US" altLang="zh-CN" sz="2100" kern="0" dirty="0">
                     <a:ea typeface="新細明體" panose="02020500000000000000" pitchFamily="18" charset="-120"/>
                   </a:rPr>
-                  <a:t>Van Herk’s algorithm</a:t>
+                  <a:t>Herk’s algorithm</a:t>
                 </a:r>
               </a:p>
             </p:txBody>
           </p:sp>
         </mc:Choice>
-        <mc:Fallback xmlns="">
+        <mc:Fallback>
           <p:sp>
             <p:nvSpPr>
               <p:cNvPr id="7" name="Content Placeholder 2">
                 <a:extLst>
                   <a:ext uri="{FF2B5EF4-FFF2-40B4-BE49-F238E27FC236}">
-                    <a16:creationId xmlns:a16="http://schemas.microsoft.com/office/drawing/2014/main" id="{C0EF0483-A2DA-4C2C-A631-D629F736A60A}"/>
+                    <a16:creationId xmlns="" xmlns:a16="http://schemas.microsoft.com/office/drawing/2014/main" xmlns:a14="http://schemas.microsoft.com/office/drawing/2010/main" id="{C0EF0483-A2DA-4C2C-A631-D629F736A60A}"/>
                   </a:ext>
                 </a:extLst>
               </p:cNvPr>
@@ -22018,7 +21485,7 @@
               <a:prstGeom prst="rect">
                 <a:avLst/>
               </a:prstGeom>
-              <a:blipFill>
+              <a:blipFill rotWithShape="0">
                 <a:blip r:embed="rId2"/>
                 <a:stretch>
                   <a:fillRect l="-74"/>
@@ -22062,6 +21529,73 @@
           </p:sp>
         </mc:Fallback>
       </mc:AlternateContent>
+      <p:sp>
+        <p:nvSpPr>
+          <p:cNvPr id="6" name="頁尾版面配置區 2">
+            <a:extLst>
+              <a:ext uri="{FF2B5EF4-FFF2-40B4-BE49-F238E27FC236}">
+                <a16:creationId xmlns="" xmlns:a16="http://schemas.microsoft.com/office/drawing/2014/main" id="{61D255B9-2D4F-4013-951E-B50709A0B821}"/>
+              </a:ext>
+            </a:extLst>
+          </p:cNvPr>
+          <p:cNvSpPr>
+            <a:spLocks noGrp="1"/>
+          </p:cNvSpPr>
+          <p:nvPr>
+            <p:ph type="ftr" sz="quarter" idx="11"/>
+          </p:nvPr>
+        </p:nvSpPr>
+        <p:spPr>
+          <a:xfrm>
+            <a:off x="3056012" y="6246036"/>
+            <a:ext cx="3031976" cy="457200"/>
+          </a:xfrm>
+        </p:spPr>
+        <p:txBody>
+          <a:bodyPr/>
+          <a:lstStyle/>
+          <a:p>
+            <a:pPr>
+              <a:defRPr/>
+            </a:pPr>
+            <a:r>
+              <a:rPr lang="en-US" altLang="zh-CN" dirty="0" smtClean="0"/>
+              <a:t>Southern University of Science and Technology</a:t>
+            </a:r>
+            <a:endParaRPr lang="en-US" altLang="en-US" dirty="0"/>
+          </a:p>
+        </p:txBody>
+      </p:sp>
+      <p:pic>
+        <p:nvPicPr>
+          <p:cNvPr id="3" name="图片 2" descr="屏幕剪辑"/>
+          <p:cNvPicPr>
+            <a:picLocks noChangeAspect="1"/>
+          </p:cNvPicPr>
+          <p:nvPr/>
+        </p:nvPicPr>
+        <p:blipFill>
+          <a:blip r:embed="rId3" cstate="print">
+            <a:extLst>
+              <a:ext uri="{28A0092B-C50C-407E-A947-70E740481C1C}">
+                <a14:useLocalDpi xmlns:a14="http://schemas.microsoft.com/office/drawing/2010/main" val="0"/>
+              </a:ext>
+            </a:extLst>
+          </a:blip>
+          <a:stretch>
+            <a:fillRect/>
+          </a:stretch>
+        </p:blipFill>
+        <p:spPr>
+          <a:xfrm>
+            <a:off x="2017411" y="3789040"/>
+            <a:ext cx="5109177" cy="1690938"/>
+          </a:xfrm>
+          <a:prstGeom prst="rect">
+            <a:avLst/>
+          </a:prstGeom>
+        </p:spPr>
+      </p:pic>
     </p:spTree>
     <p:extLst>
       <p:ext uri="{BB962C8B-B14F-4D97-AF65-F5344CB8AC3E}">
@@ -22072,6 +21606,13 @@
   <p:clrMapOvr>
     <a:masterClrMapping/>
   </p:clrMapOvr>
+  <p:timing>
+    <p:tnLst>
+      <p:par>
+        <p:cTn id="1" dur="indefinite" restart="never" nodeType="tmRoot"/>
+      </p:par>
+    </p:tnLst>
+  </p:timing>
 </p:sld>
 </file>
 
@@ -22097,7 +21638,7 @@
           <p:cNvPr id="13314" name="Title 1">
             <a:extLst>
               <a:ext uri="{FF2B5EF4-FFF2-40B4-BE49-F238E27FC236}">
-                <a16:creationId xmlns:a16="http://schemas.microsoft.com/office/drawing/2014/main" id="{A3FB24C1-DD16-4D31-96FE-40461E6C9FF3}"/>
+                <a16:creationId xmlns="" xmlns:a16="http://schemas.microsoft.com/office/drawing/2014/main" id="{A3FB24C1-DD16-4D31-96FE-40461E6C9FF3}"/>
               </a:ext>
             </a:extLst>
           </p:cNvPr>
@@ -22141,7 +21682,7 @@
           <p:cNvPr id="2" name="日期版面配置區 1">
             <a:extLst>
               <a:ext uri="{FF2B5EF4-FFF2-40B4-BE49-F238E27FC236}">
-                <a16:creationId xmlns:a16="http://schemas.microsoft.com/office/drawing/2014/main" id="{EBBA9EE1-CF91-48B5-A5FC-39944E1C0D91}"/>
+                <a16:creationId xmlns="" xmlns:a16="http://schemas.microsoft.com/office/drawing/2014/main" id="{EBBA9EE1-CF91-48B5-A5FC-39944E1C0D91}"/>
               </a:ext>
             </a:extLst>
           </p:cNvPr>
@@ -22165,40 +21706,9 @@
               <a:pPr>
                 <a:defRPr/>
               </a:pPr>
-              <a:t>6/1/2018</a:t>
+              <a:t>6/3/2018</a:t>
             </a:fld>
             <a:endParaRPr lang="en-US" altLang="en-US"/>
-          </a:p>
-        </p:txBody>
-      </p:sp>
-      <p:sp>
-        <p:nvSpPr>
-          <p:cNvPr id="3" name="頁尾版面配置區 2">
-            <a:extLst>
-              <a:ext uri="{FF2B5EF4-FFF2-40B4-BE49-F238E27FC236}">
-                <a16:creationId xmlns:a16="http://schemas.microsoft.com/office/drawing/2014/main" id="{D314DF1B-4A89-41DD-9B72-AB49D5D45D1C}"/>
-              </a:ext>
-            </a:extLst>
-          </p:cNvPr>
-          <p:cNvSpPr>
-            <a:spLocks noGrp="1"/>
-          </p:cNvSpPr>
-          <p:nvPr>
-            <p:ph type="ftr" sz="quarter" idx="11"/>
-          </p:nvPr>
-        </p:nvSpPr>
-        <p:spPr/>
-        <p:txBody>
-          <a:bodyPr/>
-          <a:lstStyle/>
-          <a:p>
-            <a:pPr>
-              <a:defRPr/>
-            </a:pPr>
-            <a:r>
-              <a:rPr lang="en-US" altLang="en-US"/>
-              <a:t>Academic Editing Proofreading Service</a:t>
-            </a:r>
           </a:p>
         </p:txBody>
       </p:sp>
@@ -22207,7 +21717,7 @@
           <p:cNvPr id="5" name="图片 4">
             <a:extLst>
               <a:ext uri="{FF2B5EF4-FFF2-40B4-BE49-F238E27FC236}">
-                <a16:creationId xmlns:a16="http://schemas.microsoft.com/office/drawing/2014/main" id="{8877221C-8133-411B-A0F0-6E550000470E}"/>
+                <a16:creationId xmlns="" xmlns:a16="http://schemas.microsoft.com/office/drawing/2014/main" id="{8877221C-8133-411B-A0F0-6E550000470E}"/>
               </a:ext>
             </a:extLst>
           </p:cNvPr>
@@ -22238,6 +21748,43 @@
           </a:prstGeom>
         </p:spPr>
       </p:pic>
+      <p:sp>
+        <p:nvSpPr>
+          <p:cNvPr id="6" name="頁尾版面配置區 2">
+            <a:extLst>
+              <a:ext uri="{FF2B5EF4-FFF2-40B4-BE49-F238E27FC236}">
+                <a16:creationId xmlns="" xmlns:a16="http://schemas.microsoft.com/office/drawing/2014/main" id="{61D255B9-2D4F-4013-951E-B50709A0B821}"/>
+              </a:ext>
+            </a:extLst>
+          </p:cNvPr>
+          <p:cNvSpPr>
+            <a:spLocks noGrp="1"/>
+          </p:cNvSpPr>
+          <p:nvPr>
+            <p:ph type="ftr" sz="quarter" idx="11"/>
+          </p:nvPr>
+        </p:nvSpPr>
+        <p:spPr>
+          <a:xfrm>
+            <a:off x="3056012" y="6246036"/>
+            <a:ext cx="3031976" cy="457200"/>
+          </a:xfrm>
+        </p:spPr>
+        <p:txBody>
+          <a:bodyPr/>
+          <a:lstStyle/>
+          <a:p>
+            <a:pPr>
+              <a:defRPr/>
+            </a:pPr>
+            <a:r>
+              <a:rPr lang="en-US" altLang="zh-CN" dirty="0" smtClean="0"/>
+              <a:t>Southern University of Science and Technology</a:t>
+            </a:r>
+            <a:endParaRPr lang="en-US" altLang="en-US" dirty="0"/>
+          </a:p>
+        </p:txBody>
+      </p:sp>
     </p:spTree>
     <p:extLst>
       <p:ext uri="{BB962C8B-B14F-4D97-AF65-F5344CB8AC3E}">
@@ -22248,6 +21795,13 @@
   <p:clrMapOvr>
     <a:masterClrMapping/>
   </p:clrMapOvr>
+  <p:timing>
+    <p:tnLst>
+      <p:par>
+        <p:cTn id="1" dur="indefinite" restart="never" nodeType="tmRoot"/>
+      </p:par>
+    </p:tnLst>
+  </p:timing>
 </p:sld>
 </file>
 
@@ -22273,7 +21827,7 @@
           <p:cNvPr id="13314" name="Title 1">
             <a:extLst>
               <a:ext uri="{FF2B5EF4-FFF2-40B4-BE49-F238E27FC236}">
-                <a16:creationId xmlns:a16="http://schemas.microsoft.com/office/drawing/2014/main" id="{A3FB24C1-DD16-4D31-96FE-40461E6C9FF3}"/>
+                <a16:creationId xmlns="" xmlns:a16="http://schemas.microsoft.com/office/drawing/2014/main" id="{A3FB24C1-DD16-4D31-96FE-40461E6C9FF3}"/>
               </a:ext>
             </a:extLst>
           </p:cNvPr>
@@ -22317,7 +21871,7 @@
           <p:cNvPr id="2" name="日期版面配置區 1">
             <a:extLst>
               <a:ext uri="{FF2B5EF4-FFF2-40B4-BE49-F238E27FC236}">
-                <a16:creationId xmlns:a16="http://schemas.microsoft.com/office/drawing/2014/main" id="{EBBA9EE1-CF91-48B5-A5FC-39944E1C0D91}"/>
+                <a16:creationId xmlns="" xmlns:a16="http://schemas.microsoft.com/office/drawing/2014/main" id="{EBBA9EE1-CF91-48B5-A5FC-39944E1C0D91}"/>
               </a:ext>
             </a:extLst>
           </p:cNvPr>
@@ -22341,51 +21895,20 @@
               <a:pPr>
                 <a:defRPr/>
               </a:pPr>
-              <a:t>6/1/2018</a:t>
+              <a:t>6/3/2018</a:t>
             </a:fld>
             <a:endParaRPr lang="en-US" altLang="en-US"/>
           </a:p>
         </p:txBody>
       </p:sp>
-      <p:sp>
-        <p:nvSpPr>
-          <p:cNvPr id="3" name="頁尾版面配置區 2">
-            <a:extLst>
-              <a:ext uri="{FF2B5EF4-FFF2-40B4-BE49-F238E27FC236}">
-                <a16:creationId xmlns:a16="http://schemas.microsoft.com/office/drawing/2014/main" id="{D314DF1B-4A89-41DD-9B72-AB49D5D45D1C}"/>
-              </a:ext>
-            </a:extLst>
-          </p:cNvPr>
-          <p:cNvSpPr>
-            <a:spLocks noGrp="1"/>
-          </p:cNvSpPr>
-          <p:nvPr>
-            <p:ph type="ftr" sz="quarter" idx="11"/>
-          </p:nvPr>
-        </p:nvSpPr>
-        <p:spPr/>
-        <p:txBody>
-          <a:bodyPr/>
-          <a:lstStyle/>
-          <a:p>
-            <a:pPr>
-              <a:defRPr/>
-            </a:pPr>
-            <a:r>
-              <a:rPr lang="en-US" altLang="en-US"/>
-              <a:t>Academic Editing Proofreading Service</a:t>
-            </a:r>
-          </a:p>
-        </p:txBody>
-      </p:sp>
-      <mc:AlternateContent xmlns:mc="http://schemas.openxmlformats.org/markup-compatibility/2006" xmlns:a14="http://schemas.microsoft.com/office/drawing/2010/main">
-        <mc:Choice Requires="a14">
+      <mc:AlternateContent xmlns:mc="http://schemas.openxmlformats.org/markup-compatibility/2006">
+        <mc:Choice xmlns:a14="http://schemas.microsoft.com/office/drawing/2010/main" Requires="a14">
           <p:sp>
             <p:nvSpPr>
               <p:cNvPr id="9" name="Content Placeholder 2">
                 <a:extLst>
                   <a:ext uri="{FF2B5EF4-FFF2-40B4-BE49-F238E27FC236}">
-                    <a16:creationId xmlns:a16="http://schemas.microsoft.com/office/drawing/2014/main" id="{F5C80A76-C6C0-4B40-B6C8-C5CC24D58369}"/>
+                    <a16:creationId xmlns="" xmlns:a16="http://schemas.microsoft.com/office/drawing/2014/main" id="{F5C80A76-C6C0-4B40-B6C8-C5CC24D58369}"/>
                   </a:ext>
                 </a:extLst>
               </p:cNvPr>
@@ -22618,22 +22141,29 @@
               </a:lstStyle>
               <a:p>
                 <a:pPr eaLnBrk="1" hangingPunct="1"/>
+                <a:r>
+                  <a:rPr lang="en-US" altLang="zh-CN" sz="2100" kern="0" dirty="0">
+                    <a:ea typeface="新細明體" panose="02020500000000000000" pitchFamily="18" charset="-120"/>
+                  </a:rPr>
+                  <a:t>Intensity based:</a:t>
+                </a:r>
+              </a:p>
+              <a:p>
+                <a:pPr lvl="1" eaLnBrk="1" hangingPunct="1"/>
                 <a14:m>
                   <m:oMath xmlns:m="http://schemas.openxmlformats.org/officeDocument/2006/math">
                     <m:r>
                       <m:rPr>
                         <m:sty m:val="p"/>
                       </m:rPr>
-                      <a:rPr lang="en-US" altLang="zh-CN" sz="2100" kern="0">
-                        <a:latin typeface="Cambria Math" panose="02040503050406030204" pitchFamily="18" charset="0"/>
-                        <a:ea typeface="新細明體" panose="02020500000000000000" pitchFamily="18" charset="-120"/>
+                      <a:rPr lang="en-US" altLang="zh-CN" sz="1700" kern="0">
+                        <a:latin typeface="+mn-ea"/>
                       </a:rPr>
                       <m:t>A</m:t>
                     </m:r>
                     <m:r>
-                      <a:rPr lang="en-US" altLang="zh-CN" sz="2100" kern="0">
-                        <a:latin typeface="Cambria Math" panose="02040503050406030204" pitchFamily="18" charset="0"/>
-                        <a:ea typeface="新細明體" panose="02020500000000000000" pitchFamily="18" charset="-120"/>
+                      <a:rPr lang="en-US" altLang="zh-CN" sz="1700" kern="0">
+                        <a:latin typeface="+mn-ea"/>
                       </a:rPr>
                       <m:t>=</m:t>
                     </m:r>
@@ -22641,25 +22171,22 @@
                       <m:rPr>
                         <m:sty m:val="p"/>
                       </m:rPr>
-                      <a:rPr lang="en-US" altLang="zh-CN" sz="2100" kern="0">
-                        <a:latin typeface="Cambria Math" panose="02040503050406030204" pitchFamily="18" charset="0"/>
-                        <a:ea typeface="新細明體" panose="02020500000000000000" pitchFamily="18" charset="-120"/>
+                      <a:rPr lang="en-US" altLang="zh-CN" sz="1700" kern="0">
+                        <a:latin typeface="+mn-ea"/>
                       </a:rPr>
                       <m:t>I</m:t>
                     </m:r>
                     <m:r>
-                      <a:rPr lang="en-US" altLang="zh-CN" sz="2100" kern="0">
-                        <a:latin typeface="Cambria Math" panose="02040503050406030204" pitchFamily="18" charset="0"/>
-                        <a:ea typeface="新細明體" panose="02020500000000000000" pitchFamily="18" charset="-120"/>
+                      <a:rPr lang="en-US" altLang="zh-CN" sz="1700" kern="0">
+                        <a:latin typeface="+mn-ea"/>
                       </a:rPr>
                       <m:t>(</m:t>
                     </m:r>
                     <m:sSub>
                       <m:sSubPr>
                         <m:ctrlPr>
-                          <a:rPr lang="zh-CN" altLang="zh-CN" sz="2100" i="1" kern="0">
-                            <a:latin typeface="Cambria Math" panose="02040503050406030204" pitchFamily="18" charset="0"/>
-                            <a:ea typeface="新細明體" panose="02020500000000000000" pitchFamily="18" charset="-120"/>
+                          <a:rPr lang="zh-CN" altLang="zh-CN" sz="1700" i="1" kern="0">
+                            <a:latin typeface="+mn-ea"/>
                           </a:rPr>
                         </m:ctrlPr>
                       </m:sSubPr>
@@ -22668,9 +22195,8 @@
                           <m:rPr>
                             <m:sty m:val="p"/>
                           </m:rPr>
-                          <a:rPr lang="en-US" altLang="zh-CN" sz="2100" kern="0">
-                            <a:latin typeface="Cambria Math" panose="02040503050406030204" pitchFamily="18" charset="0"/>
-                            <a:ea typeface="新細明體" panose="02020500000000000000" pitchFamily="18" charset="-120"/>
+                          <a:rPr lang="en-US" altLang="zh-CN" sz="1700" kern="0">
+                            <a:latin typeface="+mn-ea"/>
                           </a:rPr>
                           <m:t>argmax</m:t>
                         </m:r>
@@ -22680,27 +22206,24 @@
                           <m:rPr>
                             <m:sty m:val="p"/>
                           </m:rPr>
-                          <a:rPr lang="en-US" altLang="zh-CN" sz="2100" kern="0">
-                            <a:latin typeface="Cambria Math" panose="02040503050406030204" pitchFamily="18" charset="0"/>
-                            <a:ea typeface="新細明體" panose="02020500000000000000" pitchFamily="18" charset="-120"/>
+                          <a:rPr lang="en-US" altLang="zh-CN" sz="1700" kern="0">
+                            <a:latin typeface="+mn-ea"/>
                           </a:rPr>
                           <m:t>x</m:t>
                         </m:r>
                       </m:sub>
                     </m:sSub>
                     <m:r>
-                      <a:rPr lang="en-US" altLang="zh-CN" sz="2100" kern="0">
-                        <a:latin typeface="Cambria Math" panose="02040503050406030204" pitchFamily="18" charset="0"/>
-                        <a:ea typeface="新細明體" panose="02020500000000000000" pitchFamily="18" charset="-120"/>
+                      <a:rPr lang="en-US" altLang="zh-CN" sz="1700" kern="0">
+                        <a:latin typeface="+mn-ea"/>
                       </a:rPr>
                       <m:t>(</m:t>
                     </m:r>
                     <m:sSup>
                       <m:sSupPr>
                         <m:ctrlPr>
-                          <a:rPr lang="zh-CN" altLang="zh-CN" sz="2100" i="1" kern="0">
-                            <a:latin typeface="Cambria Math" panose="02040503050406030204" pitchFamily="18" charset="0"/>
-                            <a:ea typeface="新細明體" panose="02020500000000000000" pitchFamily="18" charset="-120"/>
+                          <a:rPr lang="zh-CN" altLang="zh-CN" sz="1700" i="1" kern="0">
+                            <a:latin typeface="+mn-ea"/>
                           </a:rPr>
                         </m:ctrlPr>
                       </m:sSupPr>
@@ -22709,9 +22232,8 @@
                           <m:rPr>
                             <m:sty m:val="p"/>
                           </m:rPr>
-                          <a:rPr lang="en-US" altLang="zh-CN" sz="2100" kern="0">
-                            <a:latin typeface="Cambria Math" panose="02040503050406030204" pitchFamily="18" charset="0"/>
-                            <a:ea typeface="新細明體" panose="02020500000000000000" pitchFamily="18" charset="-120"/>
+                          <a:rPr lang="en-US" altLang="zh-CN" sz="1700" kern="0">
+                            <a:latin typeface="+mn-ea"/>
                           </a:rPr>
                           <m:t>I</m:t>
                         </m:r>
@@ -22721,18 +22243,16 @@
                           <m:rPr>
                             <m:sty m:val="p"/>
                           </m:rPr>
-                          <a:rPr lang="en-US" altLang="zh-CN" sz="2100" kern="0">
-                            <a:latin typeface="Cambria Math" panose="02040503050406030204" pitchFamily="18" charset="0"/>
-                            <a:ea typeface="新細明體" panose="02020500000000000000" pitchFamily="18" charset="-120"/>
+                          <a:rPr lang="en-US" altLang="zh-CN" sz="1700" kern="0">
+                            <a:latin typeface="+mn-ea"/>
                           </a:rPr>
                           <m:t>dark</m:t>
                         </m:r>
                       </m:sup>
                     </m:sSup>
                     <m:r>
-                      <a:rPr lang="en-US" altLang="zh-CN" sz="2100" kern="0">
-                        <a:latin typeface="Cambria Math" panose="02040503050406030204" pitchFamily="18" charset="0"/>
-                        <a:ea typeface="新細明體" panose="02020500000000000000" pitchFamily="18" charset="-120"/>
+                      <a:rPr lang="en-US" altLang="zh-CN" sz="1700" kern="0">
+                        <a:latin typeface="+mn-ea"/>
                       </a:rPr>
                       <m:t>(</m:t>
                     </m:r>
@@ -22740,30 +22260,28 @@
                       <m:rPr>
                         <m:sty m:val="p"/>
                       </m:rPr>
-                      <a:rPr lang="en-US" altLang="zh-CN" sz="2100" kern="0">
-                        <a:latin typeface="Cambria Math" panose="02040503050406030204" pitchFamily="18" charset="0"/>
-                        <a:ea typeface="新細明體" panose="02020500000000000000" pitchFamily="18" charset="-120"/>
+                      <a:rPr lang="en-US" altLang="zh-CN" sz="1700" kern="0">
+                        <a:latin typeface="+mn-ea"/>
                       </a:rPr>
                       <m:t>x</m:t>
                     </m:r>
                     <m:r>
-                      <a:rPr lang="en-US" altLang="zh-CN" sz="2100" kern="0">
-                        <a:latin typeface="Cambria Math" panose="02040503050406030204" pitchFamily="18" charset="0"/>
-                        <a:ea typeface="新細明體" panose="02020500000000000000" pitchFamily="18" charset="-120"/>
+                      <a:rPr lang="en-US" altLang="zh-CN" sz="1700" kern="0">
+                        <a:latin typeface="+mn-ea"/>
                       </a:rPr>
                       <m:t>)))</m:t>
                     </m:r>
                   </m:oMath>
                 </a14:m>
-                <a:endParaRPr lang="en-US" altLang="zh-CN" sz="2100" kern="0" dirty="0">
-                  <a:ea typeface="新細明體" panose="02020500000000000000" pitchFamily="18" charset="-120"/>
+                <a:endParaRPr lang="en-US" altLang="zh-CN" sz="1700" kern="0" dirty="0">
+                  <a:latin typeface="+mn-ea"/>
                 </a:endParaRPr>
               </a:p>
               <a:p>
-                <a:pPr eaLnBrk="1" hangingPunct="1"/>
+                <a:pPr lvl="1" eaLnBrk="1" hangingPunct="1"/>
                 <a:r>
-                  <a:rPr lang="en-US" altLang="zh-CN" sz="2100" kern="0" dirty="0">
-                    <a:ea typeface="新細明體" panose="02020500000000000000" pitchFamily="18" charset="-120"/>
+                  <a:rPr lang="en-US" altLang="zh-CN" sz="1700" kern="0" dirty="0">
+                    <a:latin typeface="+mn-ea"/>
                   </a:rPr>
                   <a:t>top p% (p=0.1 / 0.2)</a:t>
                 </a:r>
@@ -22771,10 +22289,31 @@
               <a:p>
                 <a:pPr eaLnBrk="1" hangingPunct="1"/>
                 <a:r>
-                  <a:rPr lang="en-US" altLang="zh-CN" sz="2100" kern="0" dirty="0">
+                  <a:rPr lang="en-US" altLang="zh-CN" sz="2100" kern="0" dirty="0" smtClean="0">
                     <a:ea typeface="新細明體" panose="02020500000000000000" pitchFamily="18" charset="-120"/>
                   </a:rPr>
-                  <a:t>Lowest local entropy </a:t>
+                  <a:t>Entropy based:</a:t>
+                </a:r>
+              </a:p>
+              <a:p>
+                <a:pPr lvl="1" eaLnBrk="1" hangingPunct="1"/>
+                <a:r>
+                  <a:rPr lang="en-US" altLang="zh-CN" sz="1700" kern="0" dirty="0">
+                    <a:latin typeface="+mn-ea"/>
+                  </a:rPr>
+                  <a:t>E</a:t>
+                </a:r>
+                <a:r>
+                  <a:rPr lang="en-US" altLang="zh-CN" sz="1700" kern="0" dirty="0" smtClean="0">
+                    <a:latin typeface="+mn-ea"/>
+                  </a:rPr>
+                  <a:t>ntropy Lowest </a:t>
+                </a:r>
+                <a:r>
+                  <a:rPr lang="en-US" altLang="zh-CN" sz="1700" kern="0" dirty="0">
+                    <a:latin typeface="+mn-ea"/>
+                  </a:rPr>
+                  <a:t>local entropy </a:t>
                 </a:r>
                 <a14:m>
                   <m:oMath xmlns:m="http://schemas.openxmlformats.org/officeDocument/2006/math">
@@ -22782,18 +22321,16 @@
                       <m:rPr>
                         <m:sty m:val="p"/>
                       </m:rPr>
-                      <a:rPr lang="en-US" altLang="zh-CN" sz="2100" kern="0">
-                        <a:latin typeface="Cambria Math" panose="02040503050406030204" pitchFamily="18" charset="0"/>
-                        <a:ea typeface="新細明體" panose="02020500000000000000" pitchFamily="18" charset="-120"/>
+                      <a:rPr lang="en-US" altLang="zh-CN" sz="1700" kern="0">
+                        <a:latin typeface="+mn-ea"/>
                       </a:rPr>
                       <m:t>E</m:t>
                     </m:r>
                     <m:d>
                       <m:dPr>
                         <m:ctrlPr>
-                          <a:rPr lang="zh-CN" altLang="zh-CN" sz="2100" i="1" kern="0">
-                            <a:latin typeface="Cambria Math" panose="02040503050406030204" pitchFamily="18" charset="0"/>
-                            <a:ea typeface="新細明體" panose="02020500000000000000" pitchFamily="18" charset="-120"/>
+                          <a:rPr lang="zh-CN" altLang="zh-CN" sz="1700" i="1" kern="0">
+                            <a:latin typeface="+mn-ea"/>
                           </a:rPr>
                         </m:ctrlPr>
                       </m:dPr>
@@ -22802,18 +22339,16 @@
                           <m:rPr>
                             <m:sty m:val="p"/>
                           </m:rPr>
-                          <a:rPr lang="en-US" altLang="zh-CN" sz="2100" kern="0">
-                            <a:latin typeface="Cambria Math" panose="02040503050406030204" pitchFamily="18" charset="0"/>
-                            <a:ea typeface="新細明體" panose="02020500000000000000" pitchFamily="18" charset="-120"/>
+                          <a:rPr lang="en-US" altLang="zh-CN" sz="1700" kern="0">
+                            <a:latin typeface="+mn-ea"/>
                           </a:rPr>
                           <m:t>x</m:t>
                         </m:r>
                       </m:e>
                     </m:d>
                     <m:r>
-                      <a:rPr lang="en-US" altLang="zh-CN" sz="2100" kern="0">
-                        <a:latin typeface="Cambria Math" panose="02040503050406030204" pitchFamily="18" charset="0"/>
-                        <a:ea typeface="新細明體" panose="02020500000000000000" pitchFamily="18" charset="-120"/>
+                      <a:rPr lang="en-US" altLang="zh-CN" sz="1700" kern="0">
+                        <a:latin typeface="+mn-ea"/>
                       </a:rPr>
                       <m:t>=</m:t>
                     </m:r>
@@ -22822,9 +22357,8 @@
                         <m:chr m:val="∑"/>
                         <m:limLoc m:val="undOvr"/>
                         <m:ctrlPr>
-                          <a:rPr lang="zh-CN" altLang="zh-CN" sz="2100" i="1" kern="0">
-                            <a:latin typeface="Cambria Math" panose="02040503050406030204" pitchFamily="18" charset="0"/>
-                            <a:ea typeface="新細明體" panose="02020500000000000000" pitchFamily="18" charset="-120"/>
+                          <a:rPr lang="zh-CN" altLang="zh-CN" sz="1700" i="1" kern="0">
+                            <a:latin typeface="+mn-ea"/>
                           </a:rPr>
                         </m:ctrlPr>
                       </m:naryPr>
@@ -22833,16 +22367,14 @@
                           <m:rPr>
                             <m:sty m:val="p"/>
                           </m:rPr>
-                          <a:rPr lang="en-US" altLang="zh-CN" sz="2100" kern="0">
-                            <a:latin typeface="Cambria Math" panose="02040503050406030204" pitchFamily="18" charset="0"/>
-                            <a:ea typeface="新細明體" panose="02020500000000000000" pitchFamily="18" charset="-120"/>
+                          <a:rPr lang="en-US" altLang="zh-CN" sz="1700" kern="0">
+                            <a:latin typeface="+mn-ea"/>
                           </a:rPr>
                           <m:t>i</m:t>
                         </m:r>
                         <m:r>
-                          <a:rPr lang="en-US" altLang="zh-CN" sz="2100" kern="0">
-                            <a:latin typeface="Cambria Math" panose="02040503050406030204" pitchFamily="18" charset="0"/>
-                            <a:ea typeface="新細明體" panose="02020500000000000000" pitchFamily="18" charset="-120"/>
+                          <a:rPr lang="en-US" altLang="zh-CN" sz="1700" kern="0">
+                            <a:latin typeface="+mn-ea"/>
                           </a:rPr>
                           <m:t>=0</m:t>
                         </m:r>
@@ -22852,27 +22384,24 @@
                           <m:rPr>
                             <m:sty m:val="p"/>
                           </m:rPr>
-                          <a:rPr lang="en-US" altLang="zh-CN" sz="2100" kern="0">
-                            <a:latin typeface="Cambria Math" panose="02040503050406030204" pitchFamily="18" charset="0"/>
-                            <a:ea typeface="新細明體" panose="02020500000000000000" pitchFamily="18" charset="-120"/>
+                          <a:rPr lang="en-US" altLang="zh-CN" sz="1700" kern="0">
+                            <a:latin typeface="+mn-ea"/>
                           </a:rPr>
                           <m:t>N</m:t>
                         </m:r>
                       </m:sup>
                       <m:e>
                         <m:r>
-                          <a:rPr lang="en-US" altLang="zh-CN" sz="2100" kern="0">
-                            <a:latin typeface="Cambria Math" panose="02040503050406030204" pitchFamily="18" charset="0"/>
-                            <a:ea typeface="新細明體" panose="02020500000000000000" pitchFamily="18" charset="-120"/>
+                          <a:rPr lang="en-US" altLang="zh-CN" sz="1700" kern="0">
+                            <a:latin typeface="+mn-ea"/>
                           </a:rPr>
                           <m:t>(</m:t>
                         </m:r>
                         <m:sSub>
                           <m:sSubPr>
                             <m:ctrlPr>
-                              <a:rPr lang="zh-CN" altLang="zh-CN" sz="2100" i="1" kern="0">
-                                <a:latin typeface="Cambria Math" panose="02040503050406030204" pitchFamily="18" charset="0"/>
-                                <a:ea typeface="新細明體" panose="02020500000000000000" pitchFamily="18" charset="-120"/>
+                              <a:rPr lang="zh-CN" altLang="zh-CN" sz="1700" i="1" kern="0">
+                                <a:latin typeface="+mn-ea"/>
                               </a:rPr>
                             </m:ctrlPr>
                           </m:sSubPr>
@@ -22881,9 +22410,8 @@
                               <m:rPr>
                                 <m:sty m:val="p"/>
                               </m:rPr>
-                              <a:rPr lang="en-US" altLang="zh-CN" sz="2100" kern="0">
-                                <a:latin typeface="Cambria Math" panose="02040503050406030204" pitchFamily="18" charset="0"/>
-                                <a:ea typeface="新細明體" panose="02020500000000000000" pitchFamily="18" charset="-120"/>
+                              <a:rPr lang="en-US" altLang="zh-CN" sz="1700" kern="0">
+                                <a:latin typeface="+mn-ea"/>
                               </a:rPr>
                               <m:t>p</m:t>
                             </m:r>
@@ -22893,9 +22421,8 @@
                               <m:rPr>
                                 <m:sty m:val="p"/>
                               </m:rPr>
-                              <a:rPr lang="en-US" altLang="zh-CN" sz="2100" kern="0">
-                                <a:latin typeface="Cambria Math" panose="02040503050406030204" pitchFamily="18" charset="0"/>
-                                <a:ea typeface="新細明體" panose="02020500000000000000" pitchFamily="18" charset="-120"/>
+                              <a:rPr lang="en-US" altLang="zh-CN" sz="1700" kern="0">
+                                <a:latin typeface="+mn-ea"/>
                               </a:rPr>
                               <m:t>x</m:t>
                             </m:r>
@@ -22904,9 +22431,8 @@
                         <m:d>
                           <m:dPr>
                             <m:ctrlPr>
-                              <a:rPr lang="zh-CN" altLang="zh-CN" sz="2100" i="1" kern="0">
-                                <a:latin typeface="Cambria Math" panose="02040503050406030204" pitchFamily="18" charset="0"/>
-                                <a:ea typeface="新細明體" panose="02020500000000000000" pitchFamily="18" charset="-120"/>
+                              <a:rPr lang="zh-CN" altLang="zh-CN" sz="1700" i="1" kern="0">
+                                <a:latin typeface="+mn-ea"/>
                               </a:rPr>
                             </m:ctrlPr>
                           </m:dPr>
@@ -22915,27 +22441,24 @@
                               <m:rPr>
                                 <m:sty m:val="p"/>
                               </m:rPr>
-                              <a:rPr lang="en-US" altLang="zh-CN" sz="2100" kern="0">
-                                <a:latin typeface="Cambria Math" panose="02040503050406030204" pitchFamily="18" charset="0"/>
-                                <a:ea typeface="新細明體" panose="02020500000000000000" pitchFamily="18" charset="-120"/>
+                              <a:rPr lang="en-US" altLang="zh-CN" sz="1700" kern="0">
+                                <a:latin typeface="+mn-ea"/>
                               </a:rPr>
                               <m:t>i</m:t>
                             </m:r>
                           </m:e>
                         </m:d>
                         <m:r>
-                          <a:rPr lang="en-US" altLang="zh-CN" sz="2100" kern="0">
-                            <a:latin typeface="Cambria Math" panose="02040503050406030204" pitchFamily="18" charset="0"/>
-                            <a:ea typeface="新細明體" panose="02020500000000000000" pitchFamily="18" charset="-120"/>
+                          <a:rPr lang="en-US" altLang="zh-CN" sz="1700" kern="0">
+                            <a:latin typeface="+mn-ea"/>
                           </a:rPr>
                           <m:t>∗</m:t>
                         </m:r>
                         <m:func>
                           <m:funcPr>
                             <m:ctrlPr>
-                              <a:rPr lang="zh-CN" altLang="zh-CN" sz="2100" i="1" kern="0">
-                                <a:latin typeface="Cambria Math" panose="02040503050406030204" pitchFamily="18" charset="0"/>
-                                <a:ea typeface="新細明體" panose="02020500000000000000" pitchFamily="18" charset="-120"/>
+                              <a:rPr lang="zh-CN" altLang="zh-CN" sz="1700" i="1" kern="0">
+                                <a:latin typeface="+mn-ea"/>
                               </a:rPr>
                             </m:ctrlPr>
                           </m:funcPr>
@@ -22943,9 +22466,8 @@
                             <m:sSub>
                               <m:sSubPr>
                                 <m:ctrlPr>
-                                  <a:rPr lang="zh-CN" altLang="zh-CN" sz="2100" i="1" kern="0">
-                                    <a:latin typeface="Cambria Math" panose="02040503050406030204" pitchFamily="18" charset="0"/>
-                                    <a:ea typeface="新細明體" panose="02020500000000000000" pitchFamily="18" charset="-120"/>
+                                  <a:rPr lang="zh-CN" altLang="zh-CN" sz="1700" i="1" kern="0">
+                                    <a:latin typeface="+mn-ea"/>
                                   </a:rPr>
                                 </m:ctrlPr>
                               </m:sSubPr>
@@ -22954,18 +22476,16 @@
                                   <m:rPr>
                                     <m:sty m:val="p"/>
                                   </m:rPr>
-                                  <a:rPr lang="en-US" altLang="zh-CN" sz="2100" kern="0">
-                                    <a:latin typeface="Cambria Math" panose="02040503050406030204" pitchFamily="18" charset="0"/>
-                                    <a:ea typeface="新細明體" panose="02020500000000000000" pitchFamily="18" charset="-120"/>
+                                  <a:rPr lang="en-US" altLang="zh-CN" sz="1700" kern="0">
+                                    <a:latin typeface="+mn-ea"/>
                                   </a:rPr>
                                   <m:t>log</m:t>
                                 </m:r>
                               </m:e>
                               <m:sub>
                                 <m:r>
-                                  <a:rPr lang="en-US" altLang="zh-CN" sz="2100" kern="0">
-                                    <a:latin typeface="Cambria Math" panose="02040503050406030204" pitchFamily="18" charset="0"/>
-                                    <a:ea typeface="新細明體" panose="02020500000000000000" pitchFamily="18" charset="-120"/>
+                                  <a:rPr lang="en-US" altLang="zh-CN" sz="1700" kern="0">
+                                    <a:latin typeface="+mn-ea"/>
                                   </a:rPr>
                                   <m:t>2</m:t>
                                 </m:r>
@@ -22974,18 +22494,16 @@
                           </m:fName>
                           <m:e>
                             <m:r>
-                              <a:rPr lang="en-US" altLang="zh-CN" sz="2100" kern="0">
-                                <a:latin typeface="Cambria Math" panose="02040503050406030204" pitchFamily="18" charset="0"/>
-                                <a:ea typeface="新細明體" panose="02020500000000000000" pitchFamily="18" charset="-120"/>
+                              <a:rPr lang="en-US" altLang="zh-CN" sz="1700" kern="0">
+                                <a:latin typeface="+mn-ea"/>
                               </a:rPr>
                               <m:t>(</m:t>
                             </m:r>
                             <m:sSub>
                               <m:sSubPr>
                                 <m:ctrlPr>
-                                  <a:rPr lang="zh-CN" altLang="zh-CN" sz="2100" i="1" kern="0">
-                                    <a:latin typeface="Cambria Math" panose="02040503050406030204" pitchFamily="18" charset="0"/>
-                                    <a:ea typeface="新細明體" panose="02020500000000000000" pitchFamily="18" charset="-120"/>
+                                  <a:rPr lang="zh-CN" altLang="zh-CN" sz="1700" i="1" kern="0">
+                                    <a:latin typeface="+mn-ea"/>
                                   </a:rPr>
                                 </m:ctrlPr>
                               </m:sSubPr>
@@ -22994,9 +22512,8 @@
                                   <m:rPr>
                                     <m:sty m:val="p"/>
                                   </m:rPr>
-                                  <a:rPr lang="en-US" altLang="zh-CN" sz="2100" kern="0">
-                                    <a:latin typeface="Cambria Math" panose="02040503050406030204" pitchFamily="18" charset="0"/>
-                                    <a:ea typeface="新細明體" panose="02020500000000000000" pitchFamily="18" charset="-120"/>
+                                  <a:rPr lang="en-US" altLang="zh-CN" sz="1700" kern="0">
+                                    <a:latin typeface="+mn-ea"/>
                                   </a:rPr>
                                   <m:t>p</m:t>
                                 </m:r>
@@ -23006,18 +22523,16 @@
                                   <m:rPr>
                                     <m:sty m:val="p"/>
                                   </m:rPr>
-                                  <a:rPr lang="en-US" altLang="zh-CN" sz="2100" kern="0">
-                                    <a:latin typeface="Cambria Math" panose="02040503050406030204" pitchFamily="18" charset="0"/>
-                                    <a:ea typeface="新細明體" panose="02020500000000000000" pitchFamily="18" charset="-120"/>
+                                  <a:rPr lang="en-US" altLang="zh-CN" sz="1700" kern="0">
+                                    <a:latin typeface="+mn-ea"/>
                                   </a:rPr>
                                   <m:t>x</m:t>
                                 </m:r>
                               </m:sub>
                             </m:sSub>
                             <m:r>
-                              <a:rPr lang="en-US" altLang="zh-CN" sz="2100" kern="0">
-                                <a:latin typeface="Cambria Math" panose="02040503050406030204" pitchFamily="18" charset="0"/>
-                                <a:ea typeface="新細明體" panose="02020500000000000000" pitchFamily="18" charset="-120"/>
+                              <a:rPr lang="en-US" altLang="zh-CN" sz="1700" kern="0">
+                                <a:latin typeface="+mn-ea"/>
                               </a:rPr>
                               <m:t>(</m:t>
                             </m:r>
@@ -23025,25 +22540,22 @@
                               <m:rPr>
                                 <m:sty m:val="p"/>
                               </m:rPr>
-                              <a:rPr lang="en-US" altLang="zh-CN" sz="2100" kern="0">
-                                <a:latin typeface="Cambria Math" panose="02040503050406030204" pitchFamily="18" charset="0"/>
-                                <a:ea typeface="新細明體" panose="02020500000000000000" pitchFamily="18" charset="-120"/>
+                              <a:rPr lang="en-US" altLang="zh-CN" sz="1700" kern="0">
+                                <a:latin typeface="+mn-ea"/>
                               </a:rPr>
                               <m:t>i</m:t>
                             </m:r>
                             <m:r>
-                              <a:rPr lang="en-US" altLang="zh-CN" sz="2100" kern="0">
-                                <a:latin typeface="Cambria Math" panose="02040503050406030204" pitchFamily="18" charset="0"/>
-                                <a:ea typeface="新細明體" panose="02020500000000000000" pitchFamily="18" charset="-120"/>
+                              <a:rPr lang="en-US" altLang="zh-CN" sz="1700" kern="0">
+                                <a:latin typeface="+mn-ea"/>
                               </a:rPr>
                               <m:t>))</m:t>
                             </m:r>
                           </m:e>
                         </m:func>
                         <m:r>
-                          <a:rPr lang="en-US" altLang="zh-CN" sz="2100" kern="0">
-                            <a:latin typeface="Cambria Math" panose="02040503050406030204" pitchFamily="18" charset="0"/>
-                            <a:ea typeface="新細明體" panose="02020500000000000000" pitchFamily="18" charset="-120"/>
+                          <a:rPr lang="en-US" altLang="zh-CN" sz="1700" kern="0">
+                            <a:latin typeface="+mn-ea"/>
                           </a:rPr>
                           <m:t>)</m:t>
                         </m:r>
@@ -23051,20 +22563,20 @@
                     </m:nary>
                   </m:oMath>
                 </a14:m>
-                <a:endParaRPr lang="en-US" altLang="zh-CN" sz="2100" kern="0" dirty="0">
-                  <a:ea typeface="新細明體" panose="02020500000000000000" pitchFamily="18" charset="-120"/>
+                <a:endParaRPr lang="en-US" altLang="zh-CN" sz="1700" kern="0" dirty="0">
+                  <a:latin typeface="+mn-ea"/>
                 </a:endParaRPr>
               </a:p>
             </p:txBody>
           </p:sp>
         </mc:Choice>
-        <mc:Fallback xmlns="">
+        <mc:Fallback>
           <p:sp>
             <p:nvSpPr>
               <p:cNvPr id="9" name="Content Placeholder 2">
                 <a:extLst>
                   <a:ext uri="{FF2B5EF4-FFF2-40B4-BE49-F238E27FC236}">
-                    <a16:creationId xmlns:a16="http://schemas.microsoft.com/office/drawing/2014/main" id="{F5C80A76-C6C0-4B40-B6C8-C5CC24D58369}"/>
+                    <a16:creationId xmlns="" xmlns:a16="http://schemas.microsoft.com/office/drawing/2014/main" xmlns:a14="http://schemas.microsoft.com/office/drawing/2010/main" id="{F5C80A76-C6C0-4B40-B6C8-C5CC24D58369}"/>
                   </a:ext>
                 </a:extLst>
               </p:cNvPr>
@@ -23081,10 +22593,10 @@
               <a:prstGeom prst="rect">
                 <a:avLst/>
               </a:prstGeom>
-              <a:blipFill>
+              <a:blipFill rotWithShape="0">
                 <a:blip r:embed="rId2"/>
                 <a:stretch>
-                  <a:fillRect l="-74"/>
+                  <a:fillRect l="-74" t="-942"/>
                 </a:stretch>
               </a:blipFill>
               <a:ln>
@@ -23125,6 +22637,43 @@
           </p:sp>
         </mc:Fallback>
       </mc:AlternateContent>
+      <p:sp>
+        <p:nvSpPr>
+          <p:cNvPr id="6" name="頁尾版面配置區 2">
+            <a:extLst>
+              <a:ext uri="{FF2B5EF4-FFF2-40B4-BE49-F238E27FC236}">
+                <a16:creationId xmlns="" xmlns:a16="http://schemas.microsoft.com/office/drawing/2014/main" id="{61D255B9-2D4F-4013-951E-B50709A0B821}"/>
+              </a:ext>
+            </a:extLst>
+          </p:cNvPr>
+          <p:cNvSpPr>
+            <a:spLocks noGrp="1"/>
+          </p:cNvSpPr>
+          <p:nvPr>
+            <p:ph type="ftr" sz="quarter" idx="11"/>
+          </p:nvPr>
+        </p:nvSpPr>
+        <p:spPr>
+          <a:xfrm>
+            <a:off x="3056012" y="6246036"/>
+            <a:ext cx="3031976" cy="457200"/>
+          </a:xfrm>
+        </p:spPr>
+        <p:txBody>
+          <a:bodyPr/>
+          <a:lstStyle/>
+          <a:p>
+            <a:pPr>
+              <a:defRPr/>
+            </a:pPr>
+            <a:r>
+              <a:rPr lang="en-US" altLang="zh-CN" dirty="0" smtClean="0"/>
+              <a:t>Southern University of Science and Technology</a:t>
+            </a:r>
+            <a:endParaRPr lang="en-US" altLang="en-US" dirty="0"/>
+          </a:p>
+        </p:txBody>
+      </p:sp>
     </p:spTree>
     <p:extLst>
       <p:ext uri="{BB962C8B-B14F-4D97-AF65-F5344CB8AC3E}">
@@ -23135,6 +22684,13 @@
   <p:clrMapOvr>
     <a:masterClrMapping/>
   </p:clrMapOvr>
+  <p:timing>
+    <p:tnLst>
+      <p:par>
+        <p:cTn id="1" dur="indefinite" restart="never" nodeType="tmRoot"/>
+      </p:par>
+    </p:tnLst>
+  </p:timing>
 </p:sld>
 </file>
 
@@ -23160,7 +22716,7 @@
           <p:cNvPr id="13314" name="Title 1">
             <a:extLst>
               <a:ext uri="{FF2B5EF4-FFF2-40B4-BE49-F238E27FC236}">
-                <a16:creationId xmlns:a16="http://schemas.microsoft.com/office/drawing/2014/main" id="{A3FB24C1-DD16-4D31-96FE-40461E6C9FF3}"/>
+                <a16:creationId xmlns="" xmlns:a16="http://schemas.microsoft.com/office/drawing/2014/main" id="{A3FB24C1-DD16-4D31-96FE-40461E6C9FF3}"/>
               </a:ext>
             </a:extLst>
           </p:cNvPr>
@@ -23204,7 +22760,7 @@
           <p:cNvPr id="2" name="日期版面配置區 1">
             <a:extLst>
               <a:ext uri="{FF2B5EF4-FFF2-40B4-BE49-F238E27FC236}">
-                <a16:creationId xmlns:a16="http://schemas.microsoft.com/office/drawing/2014/main" id="{EBBA9EE1-CF91-48B5-A5FC-39944E1C0D91}"/>
+                <a16:creationId xmlns="" xmlns:a16="http://schemas.microsoft.com/office/drawing/2014/main" id="{EBBA9EE1-CF91-48B5-A5FC-39944E1C0D91}"/>
               </a:ext>
             </a:extLst>
           </p:cNvPr>
@@ -23228,51 +22784,20 @@
               <a:pPr>
                 <a:defRPr/>
               </a:pPr>
-              <a:t>6/1/2018</a:t>
+              <a:t>6/3/2018</a:t>
             </a:fld>
             <a:endParaRPr lang="en-US" altLang="en-US"/>
           </a:p>
         </p:txBody>
       </p:sp>
-      <p:sp>
-        <p:nvSpPr>
-          <p:cNvPr id="3" name="頁尾版面配置區 2">
-            <a:extLst>
-              <a:ext uri="{FF2B5EF4-FFF2-40B4-BE49-F238E27FC236}">
-                <a16:creationId xmlns:a16="http://schemas.microsoft.com/office/drawing/2014/main" id="{D314DF1B-4A89-41DD-9B72-AB49D5D45D1C}"/>
-              </a:ext>
-            </a:extLst>
-          </p:cNvPr>
-          <p:cNvSpPr>
-            <a:spLocks noGrp="1"/>
-          </p:cNvSpPr>
-          <p:nvPr>
-            <p:ph type="ftr" sz="quarter" idx="11"/>
-          </p:nvPr>
-        </p:nvSpPr>
-        <p:spPr/>
-        <p:txBody>
-          <a:bodyPr/>
-          <a:lstStyle/>
-          <a:p>
-            <a:pPr>
-              <a:defRPr/>
-            </a:pPr>
-            <a:r>
-              <a:rPr lang="en-US" altLang="en-US"/>
-              <a:t>Academic Editing Proofreading Service</a:t>
-            </a:r>
-          </a:p>
-        </p:txBody>
-      </p:sp>
-      <mc:AlternateContent xmlns:mc="http://schemas.openxmlformats.org/markup-compatibility/2006" xmlns:a14="http://schemas.microsoft.com/office/drawing/2010/main">
-        <mc:Choice Requires="a14">
+      <mc:AlternateContent xmlns:mc="http://schemas.openxmlformats.org/markup-compatibility/2006">
+        <mc:Choice xmlns:a14="http://schemas.microsoft.com/office/drawing/2010/main" Requires="a14">
           <p:sp>
             <p:nvSpPr>
               <p:cNvPr id="8" name="Content Placeholder 2">
                 <a:extLst>
                   <a:ext uri="{FF2B5EF4-FFF2-40B4-BE49-F238E27FC236}">
-                    <a16:creationId xmlns:a16="http://schemas.microsoft.com/office/drawing/2014/main" id="{05FCA8FE-99FA-4756-B68F-40CC5E75B377}"/>
+                    <a16:creationId xmlns="" xmlns:a16="http://schemas.microsoft.com/office/drawing/2014/main" id="{05FCA8FE-99FA-4756-B68F-40CC5E75B377}"/>
                   </a:ext>
                 </a:extLst>
               </p:cNvPr>
@@ -23872,19 +23397,28 @@
                   <a:rPr lang="en-US" altLang="zh-CN" sz="2100" kern="0" dirty="0">
                     <a:ea typeface="新細明體" panose="02020500000000000000" pitchFamily="18" charset="-120"/>
                   </a:rPr>
-                  <a:t>intentionally maintain a certain degree of haze in dehazed image to preserve the sense of depth field</a:t>
+                  <a:t>intentionally maintain a certain degree of haze in dehazed image to preserve the sense of depth </a:t>
                 </a:r>
+                <a:r>
+                  <a:rPr lang="en-US" altLang="zh-CN" sz="2100" kern="0" dirty="0" smtClean="0">
+                    <a:ea typeface="新細明體" panose="02020500000000000000" pitchFamily="18" charset="-120"/>
+                  </a:rPr>
+                  <a:t>of field</a:t>
+                </a:r>
+                <a:endParaRPr lang="en-US" altLang="zh-CN" sz="2100" kern="0" dirty="0">
+                  <a:ea typeface="新細明體" panose="02020500000000000000" pitchFamily="18" charset="-120"/>
+                </a:endParaRPr>
               </a:p>
             </p:txBody>
           </p:sp>
         </mc:Choice>
-        <mc:Fallback xmlns="">
+        <mc:Fallback>
           <p:sp>
             <p:nvSpPr>
               <p:cNvPr id="8" name="Content Placeholder 2">
                 <a:extLst>
                   <a:ext uri="{FF2B5EF4-FFF2-40B4-BE49-F238E27FC236}">
-                    <a16:creationId xmlns:a16="http://schemas.microsoft.com/office/drawing/2014/main" id="{05FCA8FE-99FA-4756-B68F-40CC5E75B377}"/>
+                    <a16:creationId xmlns="" xmlns:a16="http://schemas.microsoft.com/office/drawing/2014/main" xmlns:a14="http://schemas.microsoft.com/office/drawing/2010/main" id="{05FCA8FE-99FA-4756-B68F-40CC5E75B377}"/>
                   </a:ext>
                 </a:extLst>
               </p:cNvPr>
@@ -23901,7 +23435,7 @@
               <a:prstGeom prst="rect">
                 <a:avLst/>
               </a:prstGeom>
-              <a:blipFill>
+              <a:blipFill rotWithShape="0">
                 <a:blip r:embed="rId2"/>
                 <a:stretch>
                   <a:fillRect l="-74" r="-519"/>
@@ -23945,6 +23479,43 @@
           </p:sp>
         </mc:Fallback>
       </mc:AlternateContent>
+      <p:sp>
+        <p:nvSpPr>
+          <p:cNvPr id="6" name="頁尾版面配置區 2">
+            <a:extLst>
+              <a:ext uri="{FF2B5EF4-FFF2-40B4-BE49-F238E27FC236}">
+                <a16:creationId xmlns="" xmlns:a16="http://schemas.microsoft.com/office/drawing/2014/main" id="{61D255B9-2D4F-4013-951E-B50709A0B821}"/>
+              </a:ext>
+            </a:extLst>
+          </p:cNvPr>
+          <p:cNvSpPr>
+            <a:spLocks noGrp="1"/>
+          </p:cNvSpPr>
+          <p:nvPr>
+            <p:ph type="ftr" sz="quarter" idx="11"/>
+          </p:nvPr>
+        </p:nvSpPr>
+        <p:spPr>
+          <a:xfrm>
+            <a:off x="3056012" y="6246036"/>
+            <a:ext cx="3031976" cy="457200"/>
+          </a:xfrm>
+        </p:spPr>
+        <p:txBody>
+          <a:bodyPr/>
+          <a:lstStyle/>
+          <a:p>
+            <a:pPr>
+              <a:defRPr/>
+            </a:pPr>
+            <a:r>
+              <a:rPr lang="en-US" altLang="zh-CN" dirty="0" smtClean="0"/>
+              <a:t>Southern University of Science and Technology</a:t>
+            </a:r>
+            <a:endParaRPr lang="en-US" altLang="en-US" dirty="0"/>
+          </a:p>
+        </p:txBody>
+      </p:sp>
     </p:spTree>
     <p:extLst>
       <p:ext uri="{BB962C8B-B14F-4D97-AF65-F5344CB8AC3E}">
@@ -23955,6 +23526,13 @@
   <p:clrMapOvr>
     <a:masterClrMapping/>
   </p:clrMapOvr>
+  <p:timing>
+    <p:tnLst>
+      <p:par>
+        <p:cTn id="1" dur="indefinite" restart="never" nodeType="tmRoot"/>
+      </p:par>
+    </p:tnLst>
+  </p:timing>
 </p:sld>
 </file>
 
